--- a/Semana1/0. Intro/Newbies - Clase 0_ Inicio.pptx
+++ b/Semana1/0. Intro/Newbies - Clase 0_ Inicio.pptx
@@ -1,6 +1,6 @@
 
 <file path=ppt/presentation.xml><?xml version="1.0" encoding="utf-8"?>
-<p:presentation xmlns:a="http://schemas.openxmlformats.org/drawingml/2006/main" xmlns:r="http://schemas.openxmlformats.org/officeDocument/2006/relationships" xmlns:mc="http://schemas.openxmlformats.org/markup-compatibility/2006" xmlns:mv="urn:schemas-microsoft-com:mac:vml" xmlns:p="http://schemas.openxmlformats.org/presentationml/2006/main" xmlns:c="http://schemas.openxmlformats.org/drawingml/2006/chart" xmlns:dgm="http://schemas.openxmlformats.org/drawingml/2006/diagram" xmlns:o="urn:schemas-microsoft-com:office:office" xmlns:v="urn:schemas-microsoft-com:vml" xmlns:pvml="urn:schemas-microsoft-com:office:powerpoint" xmlns:com="http://schemas.openxmlformats.org/drawingml/2006/compatibility" xmlns:p14="http://schemas.microsoft.com/office/powerpoint/2010/main" autoCompressPictures="0" embedTrueTypeFonts="1" strictFirstAndLastChars="0" saveSubsetFonts="1">
+<p:presentation xmlns:a="http://schemas.openxmlformats.org/drawingml/2006/main" xmlns:r="http://schemas.openxmlformats.org/officeDocument/2006/relationships" xmlns:mc="http://schemas.openxmlformats.org/markup-compatibility/2006" xmlns:mv="urn:schemas-microsoft-com:mac:vml" xmlns:p="http://schemas.openxmlformats.org/presentationml/2006/main" xmlns:c="http://schemas.openxmlformats.org/drawingml/2006/chart" xmlns:dgm="http://schemas.openxmlformats.org/drawingml/2006/diagram" xmlns:o="urn:schemas-microsoft-com:office:office" xmlns:v="urn:schemas-microsoft-com:vml" xmlns:pvml="urn:schemas-microsoft-com:office:powerpoint" xmlns:com="http://schemas.openxmlformats.org/drawingml/2006/compatibility" xmlns:p14="http://schemas.microsoft.com/office/powerpoint/2010/main" xmlns:p15="http://schemas.microsoft.com/office/powerpoint/2012/main" autoCompressPictures="0" embedTrueTypeFonts="1" strictFirstAndLastChars="0" saveSubsetFonts="1">
   <p:sldMasterIdLst>
     <p:sldMasterId id="2147483661" r:id="rId3"/>
     <p:sldMasterId id="2147483662" r:id="rId4"/>
@@ -36,14 +36,16 @@
     <p:sldId id="280" r:id="rId30"/>
     <p:sldId id="281" r:id="rId31"/>
     <p:sldId id="282" r:id="rId32"/>
+    <p:sldId id="283" r:id="rId33"/>
+    <p:sldId id="284" r:id="rId34"/>
   </p:sldIdLst>
   <p:sldSz cy="6858000" cx="9144000"/>
   <p:notesSz cx="6858000" cy="9144000"/>
   <p:embeddedFontLst>
     <p:embeddedFont>
       <p:font typeface="Droid Sans"/>
-      <p:regular r:id="rId33"/>
-      <p:bold r:id="rId34"/>
+      <p:regular r:id="rId35"/>
+      <p:bold r:id="rId36"/>
     </p:embeddedFont>
   </p:embeddedFontLst>
   <p:defaultTextStyle>
@@ -252,7 +254,7 @@
 </file>
 
 <file path=ppt/notesMasters/notesMaster1.xml><?xml version="1.0" encoding="utf-8"?>
-<p:notesMaster xmlns:a="http://schemas.openxmlformats.org/drawingml/2006/main" xmlns:r="http://schemas.openxmlformats.org/officeDocument/2006/relationships" xmlns:mc="http://schemas.openxmlformats.org/markup-compatibility/2006" xmlns:mv="urn:schemas-microsoft-com:mac:vml" xmlns:p="http://schemas.openxmlformats.org/presentationml/2006/main" xmlns:c="http://schemas.openxmlformats.org/drawingml/2006/chart" xmlns:dgm="http://schemas.openxmlformats.org/drawingml/2006/diagram" xmlns:o="urn:schemas-microsoft-com:office:office" xmlns:v="urn:schemas-microsoft-com:vml" xmlns:pvml="urn:schemas-microsoft-com:office:powerpoint" xmlns:com="http://schemas.openxmlformats.org/drawingml/2006/compatibility" xmlns:p14="http://schemas.microsoft.com/office/powerpoint/2010/main">
+<p:notesMaster xmlns:a="http://schemas.openxmlformats.org/drawingml/2006/main" xmlns:r="http://schemas.openxmlformats.org/officeDocument/2006/relationships" xmlns:mc="http://schemas.openxmlformats.org/markup-compatibility/2006" xmlns:mv="urn:schemas-microsoft-com:mac:vml" xmlns:p="http://schemas.openxmlformats.org/presentationml/2006/main" xmlns:c="http://schemas.openxmlformats.org/drawingml/2006/chart" xmlns:dgm="http://schemas.openxmlformats.org/drawingml/2006/diagram" xmlns:o="urn:schemas-microsoft-com:office:office" xmlns:v="urn:schemas-microsoft-com:vml" xmlns:pvml="urn:schemas-microsoft-com:office:powerpoint" xmlns:com="http://schemas.openxmlformats.org/drawingml/2006/compatibility" xmlns:p14="http://schemas.microsoft.com/office/powerpoint/2010/main" xmlns:p15="http://schemas.microsoft.com/office/powerpoint/2012/main">
   <p:cSld>
     <p:spTree>
       <p:nvGrpSpPr>
@@ -323,7 +325,7 @@
         <p:spPr>
           <a:xfrm>
             <a:off x="685800" y="4343400"/>
-            <a:ext cx="5486399" cy="4114800"/>
+            <a:ext cx="5486400" cy="4114800"/>
           </a:xfrm>
           <a:prstGeom prst="rect">
             <a:avLst/>
@@ -334,60 +336,69 @@
           </a:ln>
         </p:spPr>
         <p:txBody>
-          <a:bodyPr anchorCtr="0" anchor="t" bIns="91425" lIns="91425" rIns="91425" tIns="91425"/>
+          <a:bodyPr anchorCtr="0" anchor="t" bIns="91425" lIns="91425" rIns="91425" wrap="square" tIns="91425"/>
           <a:lstStyle>
             <a:lvl1pPr lvl="0">
               <a:spcBef>
                 <a:spcPts val="0"/>
               </a:spcBef>
+              <a:buChar char="●"/>
               <a:defRPr sz="1100"/>
             </a:lvl1pPr>
             <a:lvl2pPr lvl="1">
               <a:spcBef>
                 <a:spcPts val="0"/>
               </a:spcBef>
+              <a:buChar char="○"/>
               <a:defRPr sz="1100"/>
             </a:lvl2pPr>
             <a:lvl3pPr lvl="2">
               <a:spcBef>
                 <a:spcPts val="0"/>
               </a:spcBef>
+              <a:buChar char="■"/>
               <a:defRPr sz="1100"/>
             </a:lvl3pPr>
             <a:lvl4pPr lvl="3">
               <a:spcBef>
                 <a:spcPts val="0"/>
               </a:spcBef>
+              <a:buChar char="●"/>
               <a:defRPr sz="1100"/>
             </a:lvl4pPr>
             <a:lvl5pPr lvl="4">
               <a:spcBef>
                 <a:spcPts val="0"/>
               </a:spcBef>
+              <a:buChar char="○"/>
               <a:defRPr sz="1100"/>
             </a:lvl5pPr>
             <a:lvl6pPr lvl="5">
               <a:spcBef>
                 <a:spcPts val="0"/>
               </a:spcBef>
+              <a:buChar char="■"/>
               <a:defRPr sz="1100"/>
             </a:lvl6pPr>
             <a:lvl7pPr lvl="6">
               <a:spcBef>
                 <a:spcPts val="0"/>
               </a:spcBef>
+              <a:buChar char="●"/>
               <a:defRPr sz="1100"/>
             </a:lvl7pPr>
             <a:lvl8pPr lvl="7">
               <a:spcBef>
                 <a:spcPts val="0"/>
               </a:spcBef>
+              <a:buChar char="○"/>
               <a:defRPr sz="1100"/>
             </a:lvl8pPr>
             <a:lvl9pPr lvl="8">
               <a:spcBef>
                 <a:spcPts val="0"/>
               </a:spcBef>
+              <a:buChar char="■"/>
               <a:defRPr sz="1100"/>
             </a:lvl9pPr>
           </a:lstStyle>
@@ -401,7 +412,7 @@
 </file>
 
 <file path=ppt/notesSlides/notesSlide1.xml><?xml version="1.0" encoding="utf-8"?>
-<p:notes xmlns:a="http://schemas.openxmlformats.org/drawingml/2006/main" xmlns:r="http://schemas.openxmlformats.org/officeDocument/2006/relationships" xmlns:mc="http://schemas.openxmlformats.org/markup-compatibility/2006" xmlns:mv="urn:schemas-microsoft-com:mac:vml" xmlns:p="http://schemas.openxmlformats.org/presentationml/2006/main" xmlns:c="http://schemas.openxmlformats.org/drawingml/2006/chart" xmlns:dgm="http://schemas.openxmlformats.org/drawingml/2006/diagram" xmlns:o="urn:schemas-microsoft-com:office:office" xmlns:v="urn:schemas-microsoft-com:vml" xmlns:pvml="urn:schemas-microsoft-com:office:powerpoint" xmlns:com="http://schemas.openxmlformats.org/drawingml/2006/compatibility" xmlns:p14="http://schemas.microsoft.com/office/powerpoint/2010/main" showMasterPhAnim="0" showMasterSp="0">
+<p:notes xmlns:a="http://schemas.openxmlformats.org/drawingml/2006/main" xmlns:r="http://schemas.openxmlformats.org/officeDocument/2006/relationships" xmlns:mc="http://schemas.openxmlformats.org/markup-compatibility/2006" xmlns:mv="urn:schemas-microsoft-com:mac:vml" xmlns:p="http://schemas.openxmlformats.org/presentationml/2006/main" xmlns:c="http://schemas.openxmlformats.org/drawingml/2006/chart" xmlns:dgm="http://schemas.openxmlformats.org/drawingml/2006/diagram" xmlns:o="urn:schemas-microsoft-com:office:office" xmlns:v="urn:schemas-microsoft-com:vml" xmlns:pvml="urn:schemas-microsoft-com:office:powerpoint" xmlns:com="http://schemas.openxmlformats.org/drawingml/2006/compatibility" xmlns:p14="http://schemas.microsoft.com/office/powerpoint/2010/main" xmlns:p15="http://schemas.microsoft.com/office/powerpoint/2012/main" showMasterPhAnim="0" showMasterSp="0">
   <p:cSld>
     <p:spTree>
       <p:nvGrpSpPr>
@@ -462,14 +473,14 @@
         <p:spPr>
           <a:xfrm>
             <a:off x="685800" y="4343400"/>
-            <a:ext cx="5486399" cy="4114800"/>
+            <a:ext cx="5486400" cy="4114800"/>
           </a:xfrm>
           <a:prstGeom prst="rect">
             <a:avLst/>
           </a:prstGeom>
         </p:spPr>
         <p:txBody>
-          <a:bodyPr anchorCtr="0" anchor="t" bIns="91425" lIns="91425" rIns="91425" tIns="91425">
+          <a:bodyPr anchorCtr="0" anchor="t" bIns="91425" lIns="91425" rIns="91425" wrap="square" tIns="91425">
             <a:noAutofit/>
           </a:bodyPr>
           <a:lstStyle/>
@@ -496,11 +507,11 @@
 </file>
 
 <file path=ppt/notesSlides/notesSlide10.xml><?xml version="1.0" encoding="utf-8"?>
-<p:notes xmlns:a="http://schemas.openxmlformats.org/drawingml/2006/main" xmlns:r="http://schemas.openxmlformats.org/officeDocument/2006/relationships" xmlns:mc="http://schemas.openxmlformats.org/markup-compatibility/2006" xmlns:mv="urn:schemas-microsoft-com:mac:vml" xmlns:p="http://schemas.openxmlformats.org/presentationml/2006/main" xmlns:c="http://schemas.openxmlformats.org/drawingml/2006/chart" xmlns:dgm="http://schemas.openxmlformats.org/drawingml/2006/diagram" xmlns:o="urn:schemas-microsoft-com:office:office" xmlns:v="urn:schemas-microsoft-com:vml" xmlns:pvml="urn:schemas-microsoft-com:office:powerpoint" xmlns:com="http://schemas.openxmlformats.org/drawingml/2006/compatibility" xmlns:p14="http://schemas.microsoft.com/office/powerpoint/2010/main" showMasterPhAnim="0" showMasterSp="0">
+<p:notes xmlns:a="http://schemas.openxmlformats.org/drawingml/2006/main" xmlns:r="http://schemas.openxmlformats.org/officeDocument/2006/relationships" xmlns:mc="http://schemas.openxmlformats.org/markup-compatibility/2006" xmlns:mv="urn:schemas-microsoft-com:mac:vml" xmlns:p="http://schemas.openxmlformats.org/presentationml/2006/main" xmlns:c="http://schemas.openxmlformats.org/drawingml/2006/chart" xmlns:dgm="http://schemas.openxmlformats.org/drawingml/2006/diagram" xmlns:o="urn:schemas-microsoft-com:office:office" xmlns:v="urn:schemas-microsoft-com:vml" xmlns:pvml="urn:schemas-microsoft-com:office:powerpoint" xmlns:com="http://schemas.openxmlformats.org/drawingml/2006/compatibility" xmlns:p14="http://schemas.microsoft.com/office/powerpoint/2010/main" xmlns:p15="http://schemas.microsoft.com/office/powerpoint/2012/main" showMasterPhAnim="0" showMasterSp="0">
   <p:cSld>
     <p:spTree>
       <p:nvGrpSpPr>
-        <p:cNvPr id="113" name="Shape 113"/>
+        <p:cNvPr id="117" name="Shape 117"/>
         <p:cNvGrpSpPr/>
         <p:nvPr/>
       </p:nvGrpSpPr>
@@ -514,7 +525,7 @@
       </p:grpSpPr>
       <p:sp>
         <p:nvSpPr>
-          <p:cNvPr id="114" name="Shape 114"/>
+          <p:cNvPr id="118" name="Shape 118"/>
           <p:cNvSpPr txBox="1"/>
           <p:nvPr>
             <p:ph idx="1" type="body"/>
@@ -534,7 +545,7 @@
           </a:ln>
         </p:spPr>
         <p:txBody>
-          <a:bodyPr anchorCtr="0" anchor="ctr" bIns="91425" lIns="91425" rIns="91425" tIns="91425">
+          <a:bodyPr anchorCtr="0" anchor="ctr" bIns="91425" lIns="91425" rIns="91425" wrap="square" tIns="91425">
             <a:noAutofit/>
           </a:bodyPr>
           <a:lstStyle/>
@@ -554,7 +565,7 @@
       </p:sp>
       <p:sp>
         <p:nvSpPr>
-          <p:cNvPr id="115" name="Shape 115"/>
+          <p:cNvPr id="119" name="Shape 119"/>
           <p:cNvSpPr/>
           <p:nvPr>
             <p:ph idx="2" type="sldImg"/>
@@ -562,7 +573,7 @@
         </p:nvSpPr>
         <p:spPr>
           <a:xfrm>
-            <a:off x="1143224" y="685800"/>
+            <a:off x="1143225" y="685800"/>
             <a:ext cx="4572300" cy="3429000"/>
           </a:xfrm>
           <a:custGeom>
@@ -595,11 +606,11 @@
 </file>
 
 <file path=ppt/notesSlides/notesSlide11.xml><?xml version="1.0" encoding="utf-8"?>
-<p:notes xmlns:a="http://schemas.openxmlformats.org/drawingml/2006/main" xmlns:r="http://schemas.openxmlformats.org/officeDocument/2006/relationships" xmlns:mc="http://schemas.openxmlformats.org/markup-compatibility/2006" xmlns:mv="urn:schemas-microsoft-com:mac:vml" xmlns:p="http://schemas.openxmlformats.org/presentationml/2006/main" xmlns:c="http://schemas.openxmlformats.org/drawingml/2006/chart" xmlns:dgm="http://schemas.openxmlformats.org/drawingml/2006/diagram" xmlns:o="urn:schemas-microsoft-com:office:office" xmlns:v="urn:schemas-microsoft-com:vml" xmlns:pvml="urn:schemas-microsoft-com:office:powerpoint" xmlns:com="http://schemas.openxmlformats.org/drawingml/2006/compatibility" xmlns:p14="http://schemas.microsoft.com/office/powerpoint/2010/main" showMasterPhAnim="0" showMasterSp="0">
+<p:notes xmlns:a="http://schemas.openxmlformats.org/drawingml/2006/main" xmlns:r="http://schemas.openxmlformats.org/officeDocument/2006/relationships" xmlns:mc="http://schemas.openxmlformats.org/markup-compatibility/2006" xmlns:mv="urn:schemas-microsoft-com:mac:vml" xmlns:p="http://schemas.openxmlformats.org/presentationml/2006/main" xmlns:c="http://schemas.openxmlformats.org/drawingml/2006/chart" xmlns:dgm="http://schemas.openxmlformats.org/drawingml/2006/diagram" xmlns:o="urn:schemas-microsoft-com:office:office" xmlns:v="urn:schemas-microsoft-com:vml" xmlns:pvml="urn:schemas-microsoft-com:office:powerpoint" xmlns:com="http://schemas.openxmlformats.org/drawingml/2006/compatibility" xmlns:p14="http://schemas.microsoft.com/office/powerpoint/2010/main" xmlns:p15="http://schemas.microsoft.com/office/powerpoint/2012/main" showMasterPhAnim="0" showMasterSp="0">
   <p:cSld>
     <p:spTree>
       <p:nvGrpSpPr>
-        <p:cNvPr id="119" name="Shape 119"/>
+        <p:cNvPr id="124" name="Shape 124"/>
         <p:cNvGrpSpPr/>
         <p:nvPr/>
       </p:nvGrpSpPr>
@@ -613,7 +624,7 @@
       </p:grpSpPr>
       <p:sp>
         <p:nvSpPr>
-          <p:cNvPr id="120" name="Shape 120"/>
+          <p:cNvPr id="125" name="Shape 125"/>
           <p:cNvSpPr txBox="1"/>
           <p:nvPr>
             <p:ph idx="1" type="body"/>
@@ -633,7 +644,7 @@
           </a:ln>
         </p:spPr>
         <p:txBody>
-          <a:bodyPr anchorCtr="0" anchor="ctr" bIns="91425" lIns="91425" rIns="91425" tIns="91425">
+          <a:bodyPr anchorCtr="0" anchor="ctr" bIns="91425" lIns="91425" rIns="91425" wrap="square" tIns="91425">
             <a:noAutofit/>
           </a:bodyPr>
           <a:lstStyle/>
@@ -653,7 +664,7 @@
       </p:sp>
       <p:sp>
         <p:nvSpPr>
-          <p:cNvPr id="121" name="Shape 121"/>
+          <p:cNvPr id="126" name="Shape 126"/>
           <p:cNvSpPr/>
           <p:nvPr>
             <p:ph idx="2" type="sldImg"/>
@@ -661,7 +672,7 @@
         </p:nvSpPr>
         <p:spPr>
           <a:xfrm>
-            <a:off x="1143224" y="685800"/>
+            <a:off x="1143225" y="685800"/>
             <a:ext cx="4572300" cy="3429000"/>
           </a:xfrm>
           <a:custGeom>
@@ -694,11 +705,11 @@
 </file>
 
 <file path=ppt/notesSlides/notesSlide12.xml><?xml version="1.0" encoding="utf-8"?>
-<p:notes xmlns:a="http://schemas.openxmlformats.org/drawingml/2006/main" xmlns:r="http://schemas.openxmlformats.org/officeDocument/2006/relationships" xmlns:mc="http://schemas.openxmlformats.org/markup-compatibility/2006" xmlns:mv="urn:schemas-microsoft-com:mac:vml" xmlns:p="http://schemas.openxmlformats.org/presentationml/2006/main" xmlns:c="http://schemas.openxmlformats.org/drawingml/2006/chart" xmlns:dgm="http://schemas.openxmlformats.org/drawingml/2006/diagram" xmlns:o="urn:schemas-microsoft-com:office:office" xmlns:v="urn:schemas-microsoft-com:vml" xmlns:pvml="urn:schemas-microsoft-com:office:powerpoint" xmlns:com="http://schemas.openxmlformats.org/drawingml/2006/compatibility" xmlns:p14="http://schemas.microsoft.com/office/powerpoint/2010/main" showMasterPhAnim="0" showMasterSp="0">
+<p:notes xmlns:a="http://schemas.openxmlformats.org/drawingml/2006/main" xmlns:r="http://schemas.openxmlformats.org/officeDocument/2006/relationships" xmlns:mc="http://schemas.openxmlformats.org/markup-compatibility/2006" xmlns:mv="urn:schemas-microsoft-com:mac:vml" xmlns:p="http://schemas.openxmlformats.org/presentationml/2006/main" xmlns:c="http://schemas.openxmlformats.org/drawingml/2006/chart" xmlns:dgm="http://schemas.openxmlformats.org/drawingml/2006/diagram" xmlns:o="urn:schemas-microsoft-com:office:office" xmlns:v="urn:schemas-microsoft-com:vml" xmlns:pvml="urn:schemas-microsoft-com:office:powerpoint" xmlns:com="http://schemas.openxmlformats.org/drawingml/2006/compatibility" xmlns:p14="http://schemas.microsoft.com/office/powerpoint/2010/main" xmlns:p15="http://schemas.microsoft.com/office/powerpoint/2012/main" showMasterPhAnim="0" showMasterSp="0">
   <p:cSld>
     <p:spTree>
       <p:nvGrpSpPr>
-        <p:cNvPr id="126" name="Shape 126"/>
+        <p:cNvPr id="131" name="Shape 131"/>
         <p:cNvGrpSpPr/>
         <p:nvPr/>
       </p:nvGrpSpPr>
@@ -712,7 +723,7 @@
       </p:grpSpPr>
       <p:sp>
         <p:nvSpPr>
-          <p:cNvPr id="127" name="Shape 127"/>
+          <p:cNvPr id="132" name="Shape 132"/>
           <p:cNvSpPr/>
           <p:nvPr>
             <p:ph idx="2" type="sldImg"/>
@@ -721,7 +732,7 @@
         <p:spPr>
           <a:xfrm>
             <a:off x="1143225" y="685800"/>
-            <a:ext cx="4572299" cy="3429000"/>
+            <a:ext cx="4572300" cy="3429000"/>
           </a:xfrm>
           <a:custGeom>
             <a:pathLst>
@@ -746,7 +757,7 @@
       </p:sp>
       <p:sp>
         <p:nvSpPr>
-          <p:cNvPr id="128" name="Shape 128"/>
+          <p:cNvPr id="133" name="Shape 133"/>
           <p:cNvSpPr txBox="1"/>
           <p:nvPr>
             <p:ph idx="1" type="body"/>
@@ -755,14 +766,14 @@
         <p:spPr>
           <a:xfrm>
             <a:off x="685800" y="4343400"/>
-            <a:ext cx="5486399" cy="4114800"/>
+            <a:ext cx="5486400" cy="4114800"/>
           </a:xfrm>
           <a:prstGeom prst="rect">
             <a:avLst/>
           </a:prstGeom>
         </p:spPr>
         <p:txBody>
-          <a:bodyPr anchorCtr="0" anchor="t" bIns="91425" lIns="91425" rIns="91425" tIns="91425">
+          <a:bodyPr anchorCtr="0" anchor="t" bIns="91425" lIns="91425" rIns="91425" wrap="square" tIns="91425">
             <a:noAutofit/>
           </a:bodyPr>
           <a:lstStyle/>
@@ -789,11 +800,11 @@
 </file>
 
 <file path=ppt/notesSlides/notesSlide13.xml><?xml version="1.0" encoding="utf-8"?>
-<p:notes xmlns:a="http://schemas.openxmlformats.org/drawingml/2006/main" xmlns:r="http://schemas.openxmlformats.org/officeDocument/2006/relationships" xmlns:mc="http://schemas.openxmlformats.org/markup-compatibility/2006" xmlns:mv="urn:schemas-microsoft-com:mac:vml" xmlns:p="http://schemas.openxmlformats.org/presentationml/2006/main" xmlns:c="http://schemas.openxmlformats.org/drawingml/2006/chart" xmlns:dgm="http://schemas.openxmlformats.org/drawingml/2006/diagram" xmlns:o="urn:schemas-microsoft-com:office:office" xmlns:v="urn:schemas-microsoft-com:vml" xmlns:pvml="urn:schemas-microsoft-com:office:powerpoint" xmlns:com="http://schemas.openxmlformats.org/drawingml/2006/compatibility" xmlns:p14="http://schemas.microsoft.com/office/powerpoint/2010/main" showMasterPhAnim="0" showMasterSp="0">
+<p:notes xmlns:a="http://schemas.openxmlformats.org/drawingml/2006/main" xmlns:r="http://schemas.openxmlformats.org/officeDocument/2006/relationships" xmlns:mc="http://schemas.openxmlformats.org/markup-compatibility/2006" xmlns:mv="urn:schemas-microsoft-com:mac:vml" xmlns:p="http://schemas.openxmlformats.org/presentationml/2006/main" xmlns:c="http://schemas.openxmlformats.org/drawingml/2006/chart" xmlns:dgm="http://schemas.openxmlformats.org/drawingml/2006/diagram" xmlns:o="urn:schemas-microsoft-com:office:office" xmlns:v="urn:schemas-microsoft-com:vml" xmlns:pvml="urn:schemas-microsoft-com:office:powerpoint" xmlns:com="http://schemas.openxmlformats.org/drawingml/2006/compatibility" xmlns:p14="http://schemas.microsoft.com/office/powerpoint/2010/main" xmlns:p15="http://schemas.microsoft.com/office/powerpoint/2012/main" showMasterPhAnim="0" showMasterSp="0">
   <p:cSld>
     <p:spTree>
       <p:nvGrpSpPr>
-        <p:cNvPr id="132" name="Shape 132"/>
+        <p:cNvPr id="138" name="Shape 138"/>
         <p:cNvGrpSpPr/>
         <p:nvPr/>
       </p:nvGrpSpPr>
@@ -807,7 +818,7 @@
       </p:grpSpPr>
       <p:sp>
         <p:nvSpPr>
-          <p:cNvPr id="133" name="Shape 133"/>
+          <p:cNvPr id="139" name="Shape 139"/>
           <p:cNvSpPr/>
           <p:nvPr>
             <p:ph idx="2" type="sldImg"/>
@@ -816,7 +827,7 @@
         <p:spPr>
           <a:xfrm>
             <a:off x="1143225" y="685800"/>
-            <a:ext cx="4572299" cy="3429000"/>
+            <a:ext cx="4572300" cy="3429000"/>
           </a:xfrm>
           <a:custGeom>
             <a:pathLst>
@@ -841,7 +852,7 @@
       </p:sp>
       <p:sp>
         <p:nvSpPr>
-          <p:cNvPr id="134" name="Shape 134"/>
+          <p:cNvPr id="140" name="Shape 140"/>
           <p:cNvSpPr txBox="1"/>
           <p:nvPr>
             <p:ph idx="1" type="body"/>
@@ -850,14 +861,14 @@
         <p:spPr>
           <a:xfrm>
             <a:off x="685800" y="4343400"/>
-            <a:ext cx="5486399" cy="4114800"/>
+            <a:ext cx="5486400" cy="4114800"/>
           </a:xfrm>
           <a:prstGeom prst="rect">
             <a:avLst/>
           </a:prstGeom>
         </p:spPr>
         <p:txBody>
-          <a:bodyPr anchorCtr="0" anchor="t" bIns="91425" lIns="91425" rIns="91425" tIns="91425">
+          <a:bodyPr anchorCtr="0" anchor="t" bIns="91425" lIns="91425" rIns="91425" wrap="square" tIns="91425">
             <a:noAutofit/>
           </a:bodyPr>
           <a:lstStyle/>
@@ -884,11 +895,11 @@
 </file>
 
 <file path=ppt/notesSlides/notesSlide14.xml><?xml version="1.0" encoding="utf-8"?>
-<p:notes xmlns:a="http://schemas.openxmlformats.org/drawingml/2006/main" xmlns:r="http://schemas.openxmlformats.org/officeDocument/2006/relationships" xmlns:mc="http://schemas.openxmlformats.org/markup-compatibility/2006" xmlns:mv="urn:schemas-microsoft-com:mac:vml" xmlns:p="http://schemas.openxmlformats.org/presentationml/2006/main" xmlns:c="http://schemas.openxmlformats.org/drawingml/2006/chart" xmlns:dgm="http://schemas.openxmlformats.org/drawingml/2006/diagram" xmlns:o="urn:schemas-microsoft-com:office:office" xmlns:v="urn:schemas-microsoft-com:vml" xmlns:pvml="urn:schemas-microsoft-com:office:powerpoint" xmlns:com="http://schemas.openxmlformats.org/drawingml/2006/compatibility" xmlns:p14="http://schemas.microsoft.com/office/powerpoint/2010/main" showMasterPhAnim="0" showMasterSp="0">
+<p:notes xmlns:a="http://schemas.openxmlformats.org/drawingml/2006/main" xmlns:r="http://schemas.openxmlformats.org/officeDocument/2006/relationships" xmlns:mc="http://schemas.openxmlformats.org/markup-compatibility/2006" xmlns:mv="urn:schemas-microsoft-com:mac:vml" xmlns:p="http://schemas.openxmlformats.org/presentationml/2006/main" xmlns:c="http://schemas.openxmlformats.org/drawingml/2006/chart" xmlns:dgm="http://schemas.openxmlformats.org/drawingml/2006/diagram" xmlns:o="urn:schemas-microsoft-com:office:office" xmlns:v="urn:schemas-microsoft-com:vml" xmlns:pvml="urn:schemas-microsoft-com:office:powerpoint" xmlns:com="http://schemas.openxmlformats.org/drawingml/2006/compatibility" xmlns:p14="http://schemas.microsoft.com/office/powerpoint/2010/main" xmlns:p15="http://schemas.microsoft.com/office/powerpoint/2012/main" showMasterPhAnim="0" showMasterSp="0">
   <p:cSld>
     <p:spTree>
       <p:nvGrpSpPr>
-        <p:cNvPr id="138" name="Shape 138"/>
+        <p:cNvPr id="145" name="Shape 145"/>
         <p:cNvGrpSpPr/>
         <p:nvPr/>
       </p:nvGrpSpPr>
@@ -902,7 +913,7 @@
       </p:grpSpPr>
       <p:sp>
         <p:nvSpPr>
-          <p:cNvPr id="139" name="Shape 139"/>
+          <p:cNvPr id="146" name="Shape 146"/>
           <p:cNvSpPr/>
           <p:nvPr>
             <p:ph idx="2" type="sldImg"/>
@@ -911,7 +922,7 @@
         <p:spPr>
           <a:xfrm>
             <a:off x="1143225" y="685800"/>
-            <a:ext cx="4572299" cy="3429000"/>
+            <a:ext cx="4572300" cy="3429000"/>
           </a:xfrm>
           <a:custGeom>
             <a:pathLst>
@@ -936,7 +947,7 @@
       </p:sp>
       <p:sp>
         <p:nvSpPr>
-          <p:cNvPr id="140" name="Shape 140"/>
+          <p:cNvPr id="147" name="Shape 147"/>
           <p:cNvSpPr txBox="1"/>
           <p:nvPr>
             <p:ph idx="1" type="body"/>
@@ -945,14 +956,14 @@
         <p:spPr>
           <a:xfrm>
             <a:off x="685800" y="4343400"/>
-            <a:ext cx="5486399" cy="4114800"/>
+            <a:ext cx="5486400" cy="4114800"/>
           </a:xfrm>
           <a:prstGeom prst="rect">
             <a:avLst/>
           </a:prstGeom>
         </p:spPr>
         <p:txBody>
-          <a:bodyPr anchorCtr="0" anchor="t" bIns="91425" lIns="91425" rIns="91425" tIns="91425">
+          <a:bodyPr anchorCtr="0" anchor="t" bIns="91425" lIns="91425" rIns="91425" wrap="square" tIns="91425">
             <a:noAutofit/>
           </a:bodyPr>
           <a:lstStyle/>
@@ -979,11 +990,11 @@
 </file>
 
 <file path=ppt/notesSlides/notesSlide15.xml><?xml version="1.0" encoding="utf-8"?>
-<p:notes xmlns:a="http://schemas.openxmlformats.org/drawingml/2006/main" xmlns:r="http://schemas.openxmlformats.org/officeDocument/2006/relationships" xmlns:mc="http://schemas.openxmlformats.org/markup-compatibility/2006" xmlns:mv="urn:schemas-microsoft-com:mac:vml" xmlns:p="http://schemas.openxmlformats.org/presentationml/2006/main" xmlns:c="http://schemas.openxmlformats.org/drawingml/2006/chart" xmlns:dgm="http://schemas.openxmlformats.org/drawingml/2006/diagram" xmlns:o="urn:schemas-microsoft-com:office:office" xmlns:v="urn:schemas-microsoft-com:vml" xmlns:pvml="urn:schemas-microsoft-com:office:powerpoint" xmlns:com="http://schemas.openxmlformats.org/drawingml/2006/compatibility" xmlns:p14="http://schemas.microsoft.com/office/powerpoint/2010/main" showMasterPhAnim="0" showMasterSp="0">
+<p:notes xmlns:a="http://schemas.openxmlformats.org/drawingml/2006/main" xmlns:r="http://schemas.openxmlformats.org/officeDocument/2006/relationships" xmlns:mc="http://schemas.openxmlformats.org/markup-compatibility/2006" xmlns:mv="urn:schemas-microsoft-com:mac:vml" xmlns:p="http://schemas.openxmlformats.org/presentationml/2006/main" xmlns:c="http://schemas.openxmlformats.org/drawingml/2006/chart" xmlns:dgm="http://schemas.openxmlformats.org/drawingml/2006/diagram" xmlns:o="urn:schemas-microsoft-com:office:office" xmlns:v="urn:schemas-microsoft-com:vml" xmlns:pvml="urn:schemas-microsoft-com:office:powerpoint" xmlns:com="http://schemas.openxmlformats.org/drawingml/2006/compatibility" xmlns:p14="http://schemas.microsoft.com/office/powerpoint/2010/main" xmlns:p15="http://schemas.microsoft.com/office/powerpoint/2012/main" showMasterPhAnim="0" showMasterSp="0">
   <p:cSld>
     <p:spTree>
       <p:nvGrpSpPr>
-        <p:cNvPr id="144" name="Shape 144"/>
+        <p:cNvPr id="152" name="Shape 152"/>
         <p:cNvGrpSpPr/>
         <p:nvPr/>
       </p:nvGrpSpPr>
@@ -997,7 +1008,7 @@
       </p:grpSpPr>
       <p:sp>
         <p:nvSpPr>
-          <p:cNvPr id="145" name="Shape 145"/>
+          <p:cNvPr id="153" name="Shape 153"/>
           <p:cNvSpPr/>
           <p:nvPr>
             <p:ph idx="2" type="sldImg"/>
@@ -1006,7 +1017,7 @@
         <p:spPr>
           <a:xfrm>
             <a:off x="1143225" y="685800"/>
-            <a:ext cx="4572299" cy="3429000"/>
+            <a:ext cx="4572300" cy="3429000"/>
           </a:xfrm>
           <a:custGeom>
             <a:pathLst>
@@ -1031,7 +1042,7 @@
       </p:sp>
       <p:sp>
         <p:nvSpPr>
-          <p:cNvPr id="146" name="Shape 146"/>
+          <p:cNvPr id="154" name="Shape 154"/>
           <p:cNvSpPr txBox="1"/>
           <p:nvPr>
             <p:ph idx="1" type="body"/>
@@ -1040,14 +1051,14 @@
         <p:spPr>
           <a:xfrm>
             <a:off x="685800" y="4343400"/>
-            <a:ext cx="5486399" cy="4114800"/>
+            <a:ext cx="5486400" cy="4114800"/>
           </a:xfrm>
           <a:prstGeom prst="rect">
             <a:avLst/>
           </a:prstGeom>
         </p:spPr>
         <p:txBody>
-          <a:bodyPr anchorCtr="0" anchor="t" bIns="91425" lIns="91425" rIns="91425" tIns="91425">
+          <a:bodyPr anchorCtr="0" anchor="t" bIns="91425" lIns="91425" rIns="91425" wrap="square" tIns="91425">
             <a:noAutofit/>
           </a:bodyPr>
           <a:lstStyle/>
@@ -1074,11 +1085,11 @@
 </file>
 
 <file path=ppt/notesSlides/notesSlide16.xml><?xml version="1.0" encoding="utf-8"?>
-<p:notes xmlns:a="http://schemas.openxmlformats.org/drawingml/2006/main" xmlns:r="http://schemas.openxmlformats.org/officeDocument/2006/relationships" xmlns:mc="http://schemas.openxmlformats.org/markup-compatibility/2006" xmlns:mv="urn:schemas-microsoft-com:mac:vml" xmlns:p="http://schemas.openxmlformats.org/presentationml/2006/main" xmlns:c="http://schemas.openxmlformats.org/drawingml/2006/chart" xmlns:dgm="http://schemas.openxmlformats.org/drawingml/2006/diagram" xmlns:o="urn:schemas-microsoft-com:office:office" xmlns:v="urn:schemas-microsoft-com:vml" xmlns:pvml="urn:schemas-microsoft-com:office:powerpoint" xmlns:com="http://schemas.openxmlformats.org/drawingml/2006/compatibility" xmlns:p14="http://schemas.microsoft.com/office/powerpoint/2010/main" showMasterPhAnim="0" showMasterSp="0">
+<p:notes xmlns:a="http://schemas.openxmlformats.org/drawingml/2006/main" xmlns:r="http://schemas.openxmlformats.org/officeDocument/2006/relationships" xmlns:mc="http://schemas.openxmlformats.org/markup-compatibility/2006" xmlns:mv="urn:schemas-microsoft-com:mac:vml" xmlns:p="http://schemas.openxmlformats.org/presentationml/2006/main" xmlns:c="http://schemas.openxmlformats.org/drawingml/2006/chart" xmlns:dgm="http://schemas.openxmlformats.org/drawingml/2006/diagram" xmlns:o="urn:schemas-microsoft-com:office:office" xmlns:v="urn:schemas-microsoft-com:vml" xmlns:pvml="urn:schemas-microsoft-com:office:powerpoint" xmlns:com="http://schemas.openxmlformats.org/drawingml/2006/compatibility" xmlns:p14="http://schemas.microsoft.com/office/powerpoint/2010/main" xmlns:p15="http://schemas.microsoft.com/office/powerpoint/2012/main" showMasterPhAnim="0" showMasterSp="0">
   <p:cSld>
     <p:spTree>
       <p:nvGrpSpPr>
-        <p:cNvPr id="150" name="Shape 150"/>
+        <p:cNvPr id="159" name="Shape 159"/>
         <p:cNvGrpSpPr/>
         <p:nvPr/>
       </p:nvGrpSpPr>
@@ -1092,7 +1103,7 @@
       </p:grpSpPr>
       <p:sp>
         <p:nvSpPr>
-          <p:cNvPr id="151" name="Shape 151"/>
+          <p:cNvPr id="160" name="Shape 160"/>
           <p:cNvSpPr/>
           <p:nvPr>
             <p:ph idx="2" type="sldImg"/>
@@ -1101,7 +1112,7 @@
         <p:spPr>
           <a:xfrm>
             <a:off x="1143225" y="685800"/>
-            <a:ext cx="4572299" cy="3429000"/>
+            <a:ext cx="4572300" cy="3429000"/>
           </a:xfrm>
           <a:custGeom>
             <a:pathLst>
@@ -1126,7 +1137,7 @@
       </p:sp>
       <p:sp>
         <p:nvSpPr>
-          <p:cNvPr id="152" name="Shape 152"/>
+          <p:cNvPr id="161" name="Shape 161"/>
           <p:cNvSpPr txBox="1"/>
           <p:nvPr>
             <p:ph idx="1" type="body"/>
@@ -1135,14 +1146,14 @@
         <p:spPr>
           <a:xfrm>
             <a:off x="685800" y="4343400"/>
-            <a:ext cx="5486399" cy="4114800"/>
+            <a:ext cx="5486400" cy="4114800"/>
           </a:xfrm>
           <a:prstGeom prst="rect">
             <a:avLst/>
           </a:prstGeom>
         </p:spPr>
         <p:txBody>
-          <a:bodyPr anchorCtr="0" anchor="t" bIns="91425" lIns="91425" rIns="91425" tIns="91425">
+          <a:bodyPr anchorCtr="0" anchor="t" bIns="91425" lIns="91425" rIns="91425" wrap="square" tIns="91425">
             <a:noAutofit/>
           </a:bodyPr>
           <a:lstStyle/>
@@ -1169,11 +1180,11 @@
 </file>
 
 <file path=ppt/notesSlides/notesSlide17.xml><?xml version="1.0" encoding="utf-8"?>
-<p:notes xmlns:a="http://schemas.openxmlformats.org/drawingml/2006/main" xmlns:r="http://schemas.openxmlformats.org/officeDocument/2006/relationships" xmlns:mc="http://schemas.openxmlformats.org/markup-compatibility/2006" xmlns:mv="urn:schemas-microsoft-com:mac:vml" xmlns:p="http://schemas.openxmlformats.org/presentationml/2006/main" xmlns:c="http://schemas.openxmlformats.org/drawingml/2006/chart" xmlns:dgm="http://schemas.openxmlformats.org/drawingml/2006/diagram" xmlns:o="urn:schemas-microsoft-com:office:office" xmlns:v="urn:schemas-microsoft-com:vml" xmlns:pvml="urn:schemas-microsoft-com:office:powerpoint" xmlns:com="http://schemas.openxmlformats.org/drawingml/2006/compatibility" xmlns:p14="http://schemas.microsoft.com/office/powerpoint/2010/main" showMasterPhAnim="0" showMasterSp="0">
+<p:notes xmlns:a="http://schemas.openxmlformats.org/drawingml/2006/main" xmlns:r="http://schemas.openxmlformats.org/officeDocument/2006/relationships" xmlns:mc="http://schemas.openxmlformats.org/markup-compatibility/2006" xmlns:mv="urn:schemas-microsoft-com:mac:vml" xmlns:p="http://schemas.openxmlformats.org/presentationml/2006/main" xmlns:c="http://schemas.openxmlformats.org/drawingml/2006/chart" xmlns:dgm="http://schemas.openxmlformats.org/drawingml/2006/diagram" xmlns:o="urn:schemas-microsoft-com:office:office" xmlns:v="urn:schemas-microsoft-com:vml" xmlns:pvml="urn:schemas-microsoft-com:office:powerpoint" xmlns:com="http://schemas.openxmlformats.org/drawingml/2006/compatibility" xmlns:p14="http://schemas.microsoft.com/office/powerpoint/2010/main" xmlns:p15="http://schemas.microsoft.com/office/powerpoint/2012/main" showMasterPhAnim="0" showMasterSp="0">
   <p:cSld>
     <p:spTree>
       <p:nvGrpSpPr>
-        <p:cNvPr id="156" name="Shape 156"/>
+        <p:cNvPr id="166" name="Shape 166"/>
         <p:cNvGrpSpPr/>
         <p:nvPr/>
       </p:nvGrpSpPr>
@@ -1187,7 +1198,7 @@
       </p:grpSpPr>
       <p:sp>
         <p:nvSpPr>
-          <p:cNvPr id="157" name="Shape 157"/>
+          <p:cNvPr id="167" name="Shape 167"/>
           <p:cNvSpPr/>
           <p:nvPr>
             <p:ph idx="2" type="sldImg"/>
@@ -1196,7 +1207,7 @@
         <p:spPr>
           <a:xfrm>
             <a:off x="1143225" y="685800"/>
-            <a:ext cx="4572299" cy="3429000"/>
+            <a:ext cx="4572300" cy="3429000"/>
           </a:xfrm>
           <a:custGeom>
             <a:pathLst>
@@ -1221,7 +1232,7 @@
       </p:sp>
       <p:sp>
         <p:nvSpPr>
-          <p:cNvPr id="158" name="Shape 158"/>
+          <p:cNvPr id="168" name="Shape 168"/>
           <p:cNvSpPr txBox="1"/>
           <p:nvPr>
             <p:ph idx="1" type="body"/>
@@ -1230,14 +1241,14 @@
         <p:spPr>
           <a:xfrm>
             <a:off x="685800" y="4343400"/>
-            <a:ext cx="5486399" cy="4114800"/>
+            <a:ext cx="5486400" cy="4114800"/>
           </a:xfrm>
           <a:prstGeom prst="rect">
             <a:avLst/>
           </a:prstGeom>
         </p:spPr>
         <p:txBody>
-          <a:bodyPr anchorCtr="0" anchor="t" bIns="91425" lIns="91425" rIns="91425" tIns="91425">
+          <a:bodyPr anchorCtr="0" anchor="t" bIns="91425" lIns="91425" rIns="91425" wrap="square" tIns="91425">
             <a:noAutofit/>
           </a:bodyPr>
           <a:lstStyle/>
@@ -1264,11 +1275,11 @@
 </file>
 
 <file path=ppt/notesSlides/notesSlide18.xml><?xml version="1.0" encoding="utf-8"?>
-<p:notes xmlns:a="http://schemas.openxmlformats.org/drawingml/2006/main" xmlns:r="http://schemas.openxmlformats.org/officeDocument/2006/relationships" xmlns:mc="http://schemas.openxmlformats.org/markup-compatibility/2006" xmlns:mv="urn:schemas-microsoft-com:mac:vml" xmlns:p="http://schemas.openxmlformats.org/presentationml/2006/main" xmlns:c="http://schemas.openxmlformats.org/drawingml/2006/chart" xmlns:dgm="http://schemas.openxmlformats.org/drawingml/2006/diagram" xmlns:o="urn:schemas-microsoft-com:office:office" xmlns:v="urn:schemas-microsoft-com:vml" xmlns:pvml="urn:schemas-microsoft-com:office:powerpoint" xmlns:com="http://schemas.openxmlformats.org/drawingml/2006/compatibility" xmlns:p14="http://schemas.microsoft.com/office/powerpoint/2010/main" showMasterPhAnim="0" showMasterSp="0">
+<p:notes xmlns:a="http://schemas.openxmlformats.org/drawingml/2006/main" xmlns:r="http://schemas.openxmlformats.org/officeDocument/2006/relationships" xmlns:mc="http://schemas.openxmlformats.org/markup-compatibility/2006" xmlns:mv="urn:schemas-microsoft-com:mac:vml" xmlns:p="http://schemas.openxmlformats.org/presentationml/2006/main" xmlns:c="http://schemas.openxmlformats.org/drawingml/2006/chart" xmlns:dgm="http://schemas.openxmlformats.org/drawingml/2006/diagram" xmlns:o="urn:schemas-microsoft-com:office:office" xmlns:v="urn:schemas-microsoft-com:vml" xmlns:pvml="urn:schemas-microsoft-com:office:powerpoint" xmlns:com="http://schemas.openxmlformats.org/drawingml/2006/compatibility" xmlns:p14="http://schemas.microsoft.com/office/powerpoint/2010/main" xmlns:p15="http://schemas.microsoft.com/office/powerpoint/2012/main" showMasterPhAnim="0" showMasterSp="0">
   <p:cSld>
     <p:spTree>
       <p:nvGrpSpPr>
-        <p:cNvPr id="162" name="Shape 162"/>
+        <p:cNvPr id="173" name="Shape 173"/>
         <p:cNvGrpSpPr/>
         <p:nvPr/>
       </p:nvGrpSpPr>
@@ -1282,7 +1293,7 @@
       </p:grpSpPr>
       <p:sp>
         <p:nvSpPr>
-          <p:cNvPr id="163" name="Shape 163"/>
+          <p:cNvPr id="174" name="Shape 174"/>
           <p:cNvSpPr/>
           <p:nvPr>
             <p:ph idx="2" type="sldImg"/>
@@ -1291,7 +1302,7 @@
         <p:spPr>
           <a:xfrm>
             <a:off x="1143225" y="685800"/>
-            <a:ext cx="4572299" cy="3429000"/>
+            <a:ext cx="4572300" cy="3429000"/>
           </a:xfrm>
           <a:custGeom>
             <a:pathLst>
@@ -1316,7 +1327,7 @@
       </p:sp>
       <p:sp>
         <p:nvSpPr>
-          <p:cNvPr id="164" name="Shape 164"/>
+          <p:cNvPr id="175" name="Shape 175"/>
           <p:cNvSpPr txBox="1"/>
           <p:nvPr>
             <p:ph idx="1" type="body"/>
@@ -1325,14 +1336,14 @@
         <p:spPr>
           <a:xfrm>
             <a:off x="685800" y="4343400"/>
-            <a:ext cx="5486399" cy="4114800"/>
+            <a:ext cx="5486400" cy="4114800"/>
           </a:xfrm>
           <a:prstGeom prst="rect">
             <a:avLst/>
           </a:prstGeom>
         </p:spPr>
         <p:txBody>
-          <a:bodyPr anchorCtr="0" anchor="t" bIns="91425" lIns="91425" rIns="91425" tIns="91425">
+          <a:bodyPr anchorCtr="0" anchor="t" bIns="91425" lIns="91425" rIns="91425" wrap="square" tIns="91425">
             <a:noAutofit/>
           </a:bodyPr>
           <a:lstStyle/>
@@ -1359,11 +1370,11 @@
 </file>
 
 <file path=ppt/notesSlides/notesSlide19.xml><?xml version="1.0" encoding="utf-8"?>
-<p:notes xmlns:a="http://schemas.openxmlformats.org/drawingml/2006/main" xmlns:r="http://schemas.openxmlformats.org/officeDocument/2006/relationships" xmlns:mc="http://schemas.openxmlformats.org/markup-compatibility/2006" xmlns:mv="urn:schemas-microsoft-com:mac:vml" xmlns:p="http://schemas.openxmlformats.org/presentationml/2006/main" xmlns:c="http://schemas.openxmlformats.org/drawingml/2006/chart" xmlns:dgm="http://schemas.openxmlformats.org/drawingml/2006/diagram" xmlns:o="urn:schemas-microsoft-com:office:office" xmlns:v="urn:schemas-microsoft-com:vml" xmlns:pvml="urn:schemas-microsoft-com:office:powerpoint" xmlns:com="http://schemas.openxmlformats.org/drawingml/2006/compatibility" xmlns:p14="http://schemas.microsoft.com/office/powerpoint/2010/main" showMasterPhAnim="0" showMasterSp="0">
+<p:notes xmlns:a="http://schemas.openxmlformats.org/drawingml/2006/main" xmlns:r="http://schemas.openxmlformats.org/officeDocument/2006/relationships" xmlns:mc="http://schemas.openxmlformats.org/markup-compatibility/2006" xmlns:mv="urn:schemas-microsoft-com:mac:vml" xmlns:p="http://schemas.openxmlformats.org/presentationml/2006/main" xmlns:c="http://schemas.openxmlformats.org/drawingml/2006/chart" xmlns:dgm="http://schemas.openxmlformats.org/drawingml/2006/diagram" xmlns:o="urn:schemas-microsoft-com:office:office" xmlns:v="urn:schemas-microsoft-com:vml" xmlns:pvml="urn:schemas-microsoft-com:office:powerpoint" xmlns:com="http://schemas.openxmlformats.org/drawingml/2006/compatibility" xmlns:p14="http://schemas.microsoft.com/office/powerpoint/2010/main" xmlns:p15="http://schemas.microsoft.com/office/powerpoint/2012/main" showMasterPhAnim="0" showMasterSp="0">
   <p:cSld>
     <p:spTree>
       <p:nvGrpSpPr>
-        <p:cNvPr id="171" name="Shape 171"/>
+        <p:cNvPr id="182" name="Shape 182"/>
         <p:cNvGrpSpPr/>
         <p:nvPr/>
       </p:nvGrpSpPr>
@@ -1377,7 +1388,7 @@
       </p:grpSpPr>
       <p:sp>
         <p:nvSpPr>
-          <p:cNvPr id="172" name="Shape 172"/>
+          <p:cNvPr id="183" name="Shape 183"/>
           <p:cNvSpPr/>
           <p:nvPr>
             <p:ph idx="2" type="sldImg"/>
@@ -1386,7 +1397,7 @@
         <p:spPr>
           <a:xfrm>
             <a:off x="1143225" y="685800"/>
-            <a:ext cx="4572299" cy="3429000"/>
+            <a:ext cx="4572300" cy="3429000"/>
           </a:xfrm>
           <a:custGeom>
             <a:pathLst>
@@ -1411,7 +1422,7 @@
       </p:sp>
       <p:sp>
         <p:nvSpPr>
-          <p:cNvPr id="173" name="Shape 173"/>
+          <p:cNvPr id="184" name="Shape 184"/>
           <p:cNvSpPr txBox="1"/>
           <p:nvPr>
             <p:ph idx="1" type="body"/>
@@ -1420,14 +1431,14 @@
         <p:spPr>
           <a:xfrm>
             <a:off x="685800" y="4343400"/>
-            <a:ext cx="5486399" cy="4114800"/>
+            <a:ext cx="5486400" cy="4114800"/>
           </a:xfrm>
           <a:prstGeom prst="rect">
             <a:avLst/>
           </a:prstGeom>
         </p:spPr>
         <p:txBody>
-          <a:bodyPr anchorCtr="0" anchor="t" bIns="91425" lIns="91425" rIns="91425" tIns="91425">
+          <a:bodyPr anchorCtr="0" anchor="t" bIns="91425" lIns="91425" rIns="91425" wrap="square" tIns="91425">
             <a:noAutofit/>
           </a:bodyPr>
           <a:lstStyle/>
@@ -1454,7 +1465,7 @@
 </file>
 
 <file path=ppt/notesSlides/notesSlide2.xml><?xml version="1.0" encoding="utf-8"?>
-<p:notes xmlns:a="http://schemas.openxmlformats.org/drawingml/2006/main" xmlns:r="http://schemas.openxmlformats.org/officeDocument/2006/relationships" xmlns:mc="http://schemas.openxmlformats.org/markup-compatibility/2006" xmlns:mv="urn:schemas-microsoft-com:mac:vml" xmlns:p="http://schemas.openxmlformats.org/presentationml/2006/main" xmlns:c="http://schemas.openxmlformats.org/drawingml/2006/chart" xmlns:dgm="http://schemas.openxmlformats.org/drawingml/2006/diagram" xmlns:o="urn:schemas-microsoft-com:office:office" xmlns:v="urn:schemas-microsoft-com:vml" xmlns:pvml="urn:schemas-microsoft-com:office:powerpoint" xmlns:com="http://schemas.openxmlformats.org/drawingml/2006/compatibility" xmlns:p14="http://schemas.microsoft.com/office/powerpoint/2010/main" showMasterPhAnim="0" showMasterSp="0">
+<p:notes xmlns:a="http://schemas.openxmlformats.org/drawingml/2006/main" xmlns:r="http://schemas.openxmlformats.org/officeDocument/2006/relationships" xmlns:mc="http://schemas.openxmlformats.org/markup-compatibility/2006" xmlns:mv="urn:schemas-microsoft-com:mac:vml" xmlns:p="http://schemas.openxmlformats.org/presentationml/2006/main" xmlns:c="http://schemas.openxmlformats.org/drawingml/2006/chart" xmlns:dgm="http://schemas.openxmlformats.org/drawingml/2006/diagram" xmlns:o="urn:schemas-microsoft-com:office:office" xmlns:v="urn:schemas-microsoft-com:vml" xmlns:pvml="urn:schemas-microsoft-com:office:powerpoint" xmlns:com="http://schemas.openxmlformats.org/drawingml/2006/compatibility" xmlns:p14="http://schemas.microsoft.com/office/powerpoint/2010/main" xmlns:p15="http://schemas.microsoft.com/office/powerpoint/2012/main" showMasterPhAnim="0" showMasterSp="0">
   <p:cSld>
     <p:spTree>
       <p:nvGrpSpPr>
@@ -1522,7 +1533,7 @@
           </a:prstGeom>
         </p:spPr>
         <p:txBody>
-          <a:bodyPr anchorCtr="0" anchor="t" bIns="91425" lIns="91425" rIns="91425" tIns="91425">
+          <a:bodyPr anchorCtr="0" anchor="t" bIns="91425" lIns="91425" rIns="91425" wrap="square" tIns="91425">
             <a:noAutofit/>
           </a:bodyPr>
           <a:lstStyle/>
@@ -1549,11 +1560,11 @@
 </file>
 
 <file path=ppt/notesSlides/notesSlide20.xml><?xml version="1.0" encoding="utf-8"?>
-<p:notes xmlns:a="http://schemas.openxmlformats.org/drawingml/2006/main" xmlns:r="http://schemas.openxmlformats.org/officeDocument/2006/relationships" xmlns:mc="http://schemas.openxmlformats.org/markup-compatibility/2006" xmlns:mv="urn:schemas-microsoft-com:mac:vml" xmlns:p="http://schemas.openxmlformats.org/presentationml/2006/main" xmlns:c="http://schemas.openxmlformats.org/drawingml/2006/chart" xmlns:dgm="http://schemas.openxmlformats.org/drawingml/2006/diagram" xmlns:o="urn:schemas-microsoft-com:office:office" xmlns:v="urn:schemas-microsoft-com:vml" xmlns:pvml="urn:schemas-microsoft-com:office:powerpoint" xmlns:com="http://schemas.openxmlformats.org/drawingml/2006/compatibility" xmlns:p14="http://schemas.microsoft.com/office/powerpoint/2010/main" showMasterPhAnim="0" showMasterSp="0">
+<p:notes xmlns:a="http://schemas.openxmlformats.org/drawingml/2006/main" xmlns:r="http://schemas.openxmlformats.org/officeDocument/2006/relationships" xmlns:mc="http://schemas.openxmlformats.org/markup-compatibility/2006" xmlns:mv="urn:schemas-microsoft-com:mac:vml" xmlns:p="http://schemas.openxmlformats.org/presentationml/2006/main" xmlns:c="http://schemas.openxmlformats.org/drawingml/2006/chart" xmlns:dgm="http://schemas.openxmlformats.org/drawingml/2006/diagram" xmlns:o="urn:schemas-microsoft-com:office:office" xmlns:v="urn:schemas-microsoft-com:vml" xmlns:pvml="urn:schemas-microsoft-com:office:powerpoint" xmlns:com="http://schemas.openxmlformats.org/drawingml/2006/compatibility" xmlns:p14="http://schemas.microsoft.com/office/powerpoint/2010/main" xmlns:p15="http://schemas.microsoft.com/office/powerpoint/2012/main" showMasterPhAnim="0" showMasterSp="0">
   <p:cSld>
     <p:spTree>
       <p:nvGrpSpPr>
-        <p:cNvPr id="177" name="Shape 177"/>
+        <p:cNvPr id="188" name="Shape 188"/>
         <p:cNvGrpSpPr/>
         <p:nvPr/>
       </p:nvGrpSpPr>
@@ -1567,7 +1578,7 @@
       </p:grpSpPr>
       <p:sp>
         <p:nvSpPr>
-          <p:cNvPr id="178" name="Shape 178"/>
+          <p:cNvPr id="189" name="Shape 189"/>
           <p:cNvSpPr/>
           <p:nvPr>
             <p:ph idx="2" type="sldImg"/>
@@ -1576,7 +1587,7 @@
         <p:spPr>
           <a:xfrm>
             <a:off x="1143225" y="685800"/>
-            <a:ext cx="4572299" cy="3429000"/>
+            <a:ext cx="4572300" cy="3429000"/>
           </a:xfrm>
           <a:custGeom>
             <a:pathLst>
@@ -1601,7 +1612,7 @@
       </p:sp>
       <p:sp>
         <p:nvSpPr>
-          <p:cNvPr id="179" name="Shape 179"/>
+          <p:cNvPr id="190" name="Shape 190"/>
           <p:cNvSpPr txBox="1"/>
           <p:nvPr>
             <p:ph idx="1" type="body"/>
@@ -1610,14 +1621,14 @@
         <p:spPr>
           <a:xfrm>
             <a:off x="685800" y="4343400"/>
-            <a:ext cx="5486399" cy="4114800"/>
+            <a:ext cx="5486400" cy="4114800"/>
           </a:xfrm>
           <a:prstGeom prst="rect">
             <a:avLst/>
           </a:prstGeom>
         </p:spPr>
         <p:txBody>
-          <a:bodyPr anchorCtr="0" anchor="t" bIns="91425" lIns="91425" rIns="91425" tIns="91425">
+          <a:bodyPr anchorCtr="0" anchor="t" bIns="91425" lIns="91425" rIns="91425" wrap="square" tIns="91425">
             <a:noAutofit/>
           </a:bodyPr>
           <a:lstStyle/>
@@ -1644,11 +1655,11 @@
 </file>
 
 <file path=ppt/notesSlides/notesSlide21.xml><?xml version="1.0" encoding="utf-8"?>
-<p:notes xmlns:a="http://schemas.openxmlformats.org/drawingml/2006/main" xmlns:r="http://schemas.openxmlformats.org/officeDocument/2006/relationships" xmlns:mc="http://schemas.openxmlformats.org/markup-compatibility/2006" xmlns:mv="urn:schemas-microsoft-com:mac:vml" xmlns:p="http://schemas.openxmlformats.org/presentationml/2006/main" xmlns:c="http://schemas.openxmlformats.org/drawingml/2006/chart" xmlns:dgm="http://schemas.openxmlformats.org/drawingml/2006/diagram" xmlns:o="urn:schemas-microsoft-com:office:office" xmlns:v="urn:schemas-microsoft-com:vml" xmlns:pvml="urn:schemas-microsoft-com:office:powerpoint" xmlns:com="http://schemas.openxmlformats.org/drawingml/2006/compatibility" xmlns:p14="http://schemas.microsoft.com/office/powerpoint/2010/main" showMasterPhAnim="0" showMasterSp="0">
+<p:notes xmlns:a="http://schemas.openxmlformats.org/drawingml/2006/main" xmlns:r="http://schemas.openxmlformats.org/officeDocument/2006/relationships" xmlns:mc="http://schemas.openxmlformats.org/markup-compatibility/2006" xmlns:mv="urn:schemas-microsoft-com:mac:vml" xmlns:p="http://schemas.openxmlformats.org/presentationml/2006/main" xmlns:c="http://schemas.openxmlformats.org/drawingml/2006/chart" xmlns:dgm="http://schemas.openxmlformats.org/drawingml/2006/diagram" xmlns:o="urn:schemas-microsoft-com:office:office" xmlns:v="urn:schemas-microsoft-com:vml" xmlns:pvml="urn:schemas-microsoft-com:office:powerpoint" xmlns:com="http://schemas.openxmlformats.org/drawingml/2006/compatibility" xmlns:p14="http://schemas.microsoft.com/office/powerpoint/2010/main" xmlns:p15="http://schemas.microsoft.com/office/powerpoint/2012/main" showMasterPhAnim="0" showMasterSp="0">
   <p:cSld>
     <p:spTree>
       <p:nvGrpSpPr>
-        <p:cNvPr id="182" name="Shape 182"/>
+        <p:cNvPr id="193" name="Shape 193"/>
         <p:cNvGrpSpPr/>
         <p:nvPr/>
       </p:nvGrpSpPr>
@@ -1662,7 +1673,7 @@
       </p:grpSpPr>
       <p:sp>
         <p:nvSpPr>
-          <p:cNvPr id="183" name="Shape 183"/>
+          <p:cNvPr id="194" name="Shape 194"/>
           <p:cNvSpPr/>
           <p:nvPr>
             <p:ph idx="2" type="sldImg"/>
@@ -1696,7 +1707,7 @@
       </p:sp>
       <p:sp>
         <p:nvSpPr>
-          <p:cNvPr id="184" name="Shape 184"/>
+          <p:cNvPr id="195" name="Shape 195"/>
           <p:cNvSpPr txBox="1"/>
           <p:nvPr>
             <p:ph idx="1" type="body"/>
@@ -1712,12 +1723,12 @@
           </a:prstGeom>
         </p:spPr>
         <p:txBody>
-          <a:bodyPr anchorCtr="0" anchor="t" bIns="91425" lIns="91425" rIns="91425" tIns="91425">
+          <a:bodyPr anchorCtr="0" anchor="t" bIns="91425" lIns="91425" rIns="91425" wrap="square" tIns="91425">
             <a:noAutofit/>
           </a:bodyPr>
           <a:lstStyle/>
           <a:p>
-            <a:pPr lvl="0">
+            <a:pPr lvl="0" rtl="0">
               <a:spcBef>
                 <a:spcPts val="0"/>
               </a:spcBef>
@@ -1739,11 +1750,11 @@
 </file>
 
 <file path=ppt/notesSlides/notesSlide22.xml><?xml version="1.0" encoding="utf-8"?>
-<p:notes xmlns:a="http://schemas.openxmlformats.org/drawingml/2006/main" xmlns:r="http://schemas.openxmlformats.org/officeDocument/2006/relationships" xmlns:mc="http://schemas.openxmlformats.org/markup-compatibility/2006" xmlns:mv="urn:schemas-microsoft-com:mac:vml" xmlns:p="http://schemas.openxmlformats.org/presentationml/2006/main" xmlns:c="http://schemas.openxmlformats.org/drawingml/2006/chart" xmlns:dgm="http://schemas.openxmlformats.org/drawingml/2006/diagram" xmlns:o="urn:schemas-microsoft-com:office:office" xmlns:v="urn:schemas-microsoft-com:vml" xmlns:pvml="urn:schemas-microsoft-com:office:powerpoint" xmlns:com="http://schemas.openxmlformats.org/drawingml/2006/compatibility" xmlns:p14="http://schemas.microsoft.com/office/powerpoint/2010/main" showMasterPhAnim="0" showMasterSp="0">
+<p:notes xmlns:a="http://schemas.openxmlformats.org/drawingml/2006/main" xmlns:r="http://schemas.openxmlformats.org/officeDocument/2006/relationships" xmlns:mc="http://schemas.openxmlformats.org/markup-compatibility/2006" xmlns:mv="urn:schemas-microsoft-com:mac:vml" xmlns:p="http://schemas.openxmlformats.org/presentationml/2006/main" xmlns:c="http://schemas.openxmlformats.org/drawingml/2006/chart" xmlns:dgm="http://schemas.openxmlformats.org/drawingml/2006/diagram" xmlns:o="urn:schemas-microsoft-com:office:office" xmlns:v="urn:schemas-microsoft-com:vml" xmlns:pvml="urn:schemas-microsoft-com:office:powerpoint" xmlns:com="http://schemas.openxmlformats.org/drawingml/2006/compatibility" xmlns:p14="http://schemas.microsoft.com/office/powerpoint/2010/main" xmlns:p15="http://schemas.microsoft.com/office/powerpoint/2012/main" showMasterPhAnim="0" showMasterSp="0">
   <p:cSld>
     <p:spTree>
       <p:nvGrpSpPr>
-        <p:cNvPr id="187" name="Shape 187"/>
+        <p:cNvPr id="198" name="Shape 198"/>
         <p:cNvGrpSpPr/>
         <p:nvPr/>
       </p:nvGrpSpPr>
@@ -1757,7 +1768,7 @@
       </p:grpSpPr>
       <p:sp>
         <p:nvSpPr>
-          <p:cNvPr id="188" name="Shape 188"/>
+          <p:cNvPr id="199" name="Shape 199"/>
           <p:cNvSpPr/>
           <p:nvPr>
             <p:ph idx="2" type="sldImg"/>
@@ -1766,7 +1777,7 @@
         <p:spPr>
           <a:xfrm>
             <a:off x="1143225" y="685800"/>
-            <a:ext cx="4572299" cy="3429000"/>
+            <a:ext cx="4572300" cy="3429000"/>
           </a:xfrm>
           <a:custGeom>
             <a:pathLst>
@@ -1791,7 +1802,7 @@
       </p:sp>
       <p:sp>
         <p:nvSpPr>
-          <p:cNvPr id="189" name="Shape 189"/>
+          <p:cNvPr id="200" name="Shape 200"/>
           <p:cNvSpPr txBox="1"/>
           <p:nvPr>
             <p:ph idx="1" type="body"/>
@@ -1800,14 +1811,14 @@
         <p:spPr>
           <a:xfrm>
             <a:off x="685800" y="4343400"/>
-            <a:ext cx="5486399" cy="4114800"/>
+            <a:ext cx="5486400" cy="4114800"/>
           </a:xfrm>
           <a:prstGeom prst="rect">
             <a:avLst/>
           </a:prstGeom>
         </p:spPr>
         <p:txBody>
-          <a:bodyPr anchorCtr="0" anchor="t" bIns="91425" lIns="91425" rIns="91425" tIns="91425">
+          <a:bodyPr anchorCtr="0" anchor="t" bIns="91425" lIns="91425" rIns="91425" wrap="square" tIns="91425">
             <a:noAutofit/>
           </a:bodyPr>
           <a:lstStyle/>
@@ -1834,11 +1845,11 @@
 </file>
 
 <file path=ppt/notesSlides/notesSlide23.xml><?xml version="1.0" encoding="utf-8"?>
-<p:notes xmlns:a="http://schemas.openxmlformats.org/drawingml/2006/main" xmlns:r="http://schemas.openxmlformats.org/officeDocument/2006/relationships" xmlns:mc="http://schemas.openxmlformats.org/markup-compatibility/2006" xmlns:mv="urn:schemas-microsoft-com:mac:vml" xmlns:p="http://schemas.openxmlformats.org/presentationml/2006/main" xmlns:c="http://schemas.openxmlformats.org/drawingml/2006/chart" xmlns:dgm="http://schemas.openxmlformats.org/drawingml/2006/diagram" xmlns:o="urn:schemas-microsoft-com:office:office" xmlns:v="urn:schemas-microsoft-com:vml" xmlns:pvml="urn:schemas-microsoft-com:office:powerpoint" xmlns:com="http://schemas.openxmlformats.org/drawingml/2006/compatibility" xmlns:p14="http://schemas.microsoft.com/office/powerpoint/2010/main" showMasterPhAnim="0" showMasterSp="0">
+<p:notes xmlns:a="http://schemas.openxmlformats.org/drawingml/2006/main" xmlns:r="http://schemas.openxmlformats.org/officeDocument/2006/relationships" xmlns:mc="http://schemas.openxmlformats.org/markup-compatibility/2006" xmlns:mv="urn:schemas-microsoft-com:mac:vml" xmlns:p="http://schemas.openxmlformats.org/presentationml/2006/main" xmlns:c="http://schemas.openxmlformats.org/drawingml/2006/chart" xmlns:dgm="http://schemas.openxmlformats.org/drawingml/2006/diagram" xmlns:o="urn:schemas-microsoft-com:office:office" xmlns:v="urn:schemas-microsoft-com:vml" xmlns:pvml="urn:schemas-microsoft-com:office:powerpoint" xmlns:com="http://schemas.openxmlformats.org/drawingml/2006/compatibility" xmlns:p14="http://schemas.microsoft.com/office/powerpoint/2010/main" xmlns:p15="http://schemas.microsoft.com/office/powerpoint/2012/main" showMasterPhAnim="0" showMasterSp="0">
   <p:cSld>
     <p:spTree>
       <p:nvGrpSpPr>
-        <p:cNvPr id="193" name="Shape 193"/>
+        <p:cNvPr id="203" name="Shape 203"/>
         <p:cNvGrpSpPr/>
         <p:nvPr/>
       </p:nvGrpSpPr>
@@ -1852,7 +1863,7 @@
       </p:grpSpPr>
       <p:sp>
         <p:nvSpPr>
-          <p:cNvPr id="194" name="Shape 194"/>
+          <p:cNvPr id="204" name="Shape 204"/>
           <p:cNvSpPr/>
           <p:nvPr>
             <p:ph idx="2" type="sldImg"/>
@@ -1861,7 +1872,7 @@
         <p:spPr>
           <a:xfrm>
             <a:off x="1143225" y="685800"/>
-            <a:ext cx="4572299" cy="3429000"/>
+            <a:ext cx="4572300" cy="3429000"/>
           </a:xfrm>
           <a:custGeom>
             <a:pathLst>
@@ -1886,7 +1897,7 @@
       </p:sp>
       <p:sp>
         <p:nvSpPr>
-          <p:cNvPr id="195" name="Shape 195"/>
+          <p:cNvPr id="205" name="Shape 205"/>
           <p:cNvSpPr txBox="1"/>
           <p:nvPr>
             <p:ph idx="1" type="body"/>
@@ -1895,14 +1906,14 @@
         <p:spPr>
           <a:xfrm>
             <a:off x="685800" y="4343400"/>
-            <a:ext cx="5486399" cy="4114800"/>
+            <a:ext cx="5486400" cy="4114800"/>
           </a:xfrm>
           <a:prstGeom prst="rect">
             <a:avLst/>
           </a:prstGeom>
         </p:spPr>
         <p:txBody>
-          <a:bodyPr anchorCtr="0" anchor="t" bIns="91425" lIns="91425" rIns="91425" tIns="91425">
+          <a:bodyPr anchorCtr="0" anchor="t" bIns="91425" lIns="91425" rIns="91425" wrap="square" tIns="91425">
             <a:noAutofit/>
           </a:bodyPr>
           <a:lstStyle/>
@@ -1929,11 +1940,11 @@
 </file>
 
 <file path=ppt/notesSlides/notesSlide24.xml><?xml version="1.0" encoding="utf-8"?>
-<p:notes xmlns:a="http://schemas.openxmlformats.org/drawingml/2006/main" xmlns:r="http://schemas.openxmlformats.org/officeDocument/2006/relationships" xmlns:mc="http://schemas.openxmlformats.org/markup-compatibility/2006" xmlns:mv="urn:schemas-microsoft-com:mac:vml" xmlns:p="http://schemas.openxmlformats.org/presentationml/2006/main" xmlns:c="http://schemas.openxmlformats.org/drawingml/2006/chart" xmlns:dgm="http://schemas.openxmlformats.org/drawingml/2006/diagram" xmlns:o="urn:schemas-microsoft-com:office:office" xmlns:v="urn:schemas-microsoft-com:vml" xmlns:pvml="urn:schemas-microsoft-com:office:powerpoint" xmlns:com="http://schemas.openxmlformats.org/drawingml/2006/compatibility" xmlns:p14="http://schemas.microsoft.com/office/powerpoint/2010/main" showMasterPhAnim="0" showMasterSp="0">
+<p:notes xmlns:a="http://schemas.openxmlformats.org/drawingml/2006/main" xmlns:r="http://schemas.openxmlformats.org/officeDocument/2006/relationships" xmlns:mc="http://schemas.openxmlformats.org/markup-compatibility/2006" xmlns:mv="urn:schemas-microsoft-com:mac:vml" xmlns:p="http://schemas.openxmlformats.org/presentationml/2006/main" xmlns:c="http://schemas.openxmlformats.org/drawingml/2006/chart" xmlns:dgm="http://schemas.openxmlformats.org/drawingml/2006/diagram" xmlns:o="urn:schemas-microsoft-com:office:office" xmlns:v="urn:schemas-microsoft-com:vml" xmlns:pvml="urn:schemas-microsoft-com:office:powerpoint" xmlns:com="http://schemas.openxmlformats.org/drawingml/2006/compatibility" xmlns:p14="http://schemas.microsoft.com/office/powerpoint/2010/main" xmlns:p15="http://schemas.microsoft.com/office/powerpoint/2012/main" showMasterPhAnim="0" showMasterSp="0">
   <p:cSld>
     <p:spTree>
       <p:nvGrpSpPr>
-        <p:cNvPr id="198" name="Shape 198"/>
+        <p:cNvPr id="214" name="Shape 214"/>
         <p:cNvGrpSpPr/>
         <p:nvPr/>
       </p:nvGrpSpPr>
@@ -1947,7 +1958,7 @@
       </p:grpSpPr>
       <p:sp>
         <p:nvSpPr>
-          <p:cNvPr id="199" name="Shape 199"/>
+          <p:cNvPr id="215" name="Shape 215"/>
           <p:cNvSpPr/>
           <p:nvPr>
             <p:ph idx="2" type="sldImg"/>
@@ -1956,7 +1967,7 @@
         <p:spPr>
           <a:xfrm>
             <a:off x="1143225" y="685800"/>
-            <a:ext cx="4572299" cy="3429000"/>
+            <a:ext cx="4572300" cy="3429000"/>
           </a:xfrm>
           <a:custGeom>
             <a:pathLst>
@@ -1981,7 +1992,7 @@
       </p:sp>
       <p:sp>
         <p:nvSpPr>
-          <p:cNvPr id="200" name="Shape 200"/>
+          <p:cNvPr id="216" name="Shape 216"/>
           <p:cNvSpPr txBox="1"/>
           <p:nvPr>
             <p:ph idx="1" type="body"/>
@@ -1990,14 +2001,14 @@
         <p:spPr>
           <a:xfrm>
             <a:off x="685800" y="4343400"/>
-            <a:ext cx="5486399" cy="4114800"/>
+            <a:ext cx="5486400" cy="4114800"/>
           </a:xfrm>
           <a:prstGeom prst="rect">
             <a:avLst/>
           </a:prstGeom>
         </p:spPr>
         <p:txBody>
-          <a:bodyPr anchorCtr="0" anchor="t" bIns="91425" lIns="91425" rIns="91425" tIns="91425">
+          <a:bodyPr anchorCtr="0" anchor="t" bIns="91425" lIns="91425" rIns="91425" wrap="square" tIns="91425">
             <a:noAutofit/>
           </a:bodyPr>
           <a:lstStyle/>
@@ -2024,11 +2035,11 @@
 </file>
 
 <file path=ppt/notesSlides/notesSlide25.xml><?xml version="1.0" encoding="utf-8"?>
-<p:notes xmlns:a="http://schemas.openxmlformats.org/drawingml/2006/main" xmlns:r="http://schemas.openxmlformats.org/officeDocument/2006/relationships" xmlns:mc="http://schemas.openxmlformats.org/markup-compatibility/2006" xmlns:mv="urn:schemas-microsoft-com:mac:vml" xmlns:p="http://schemas.openxmlformats.org/presentationml/2006/main" xmlns:c="http://schemas.openxmlformats.org/drawingml/2006/chart" xmlns:dgm="http://schemas.openxmlformats.org/drawingml/2006/diagram" xmlns:o="urn:schemas-microsoft-com:office:office" xmlns:v="urn:schemas-microsoft-com:vml" xmlns:pvml="urn:schemas-microsoft-com:office:powerpoint" xmlns:com="http://schemas.openxmlformats.org/drawingml/2006/compatibility" xmlns:p14="http://schemas.microsoft.com/office/powerpoint/2010/main" showMasterPhAnim="0" showMasterSp="0">
+<p:notes xmlns:a="http://schemas.openxmlformats.org/drawingml/2006/main" xmlns:r="http://schemas.openxmlformats.org/officeDocument/2006/relationships" xmlns:mc="http://schemas.openxmlformats.org/markup-compatibility/2006" xmlns:mv="urn:schemas-microsoft-com:mac:vml" xmlns:p="http://schemas.openxmlformats.org/presentationml/2006/main" xmlns:c="http://schemas.openxmlformats.org/drawingml/2006/chart" xmlns:dgm="http://schemas.openxmlformats.org/drawingml/2006/diagram" xmlns:o="urn:schemas-microsoft-com:office:office" xmlns:v="urn:schemas-microsoft-com:vml" xmlns:pvml="urn:schemas-microsoft-com:office:powerpoint" xmlns:com="http://schemas.openxmlformats.org/drawingml/2006/compatibility" xmlns:p14="http://schemas.microsoft.com/office/powerpoint/2010/main" xmlns:p15="http://schemas.microsoft.com/office/powerpoint/2012/main" showMasterPhAnim="0" showMasterSp="0">
   <p:cSld>
     <p:spTree>
       <p:nvGrpSpPr>
-        <p:cNvPr id="204" name="Shape 204"/>
+        <p:cNvPr id="221" name="Shape 221"/>
         <p:cNvGrpSpPr/>
         <p:nvPr/>
       </p:nvGrpSpPr>
@@ -2042,7 +2053,7 @@
       </p:grpSpPr>
       <p:sp>
         <p:nvSpPr>
-          <p:cNvPr id="205" name="Shape 205"/>
+          <p:cNvPr id="222" name="Shape 222"/>
           <p:cNvSpPr/>
           <p:nvPr>
             <p:ph idx="2" type="sldImg"/>
@@ -2051,7 +2062,7 @@
         <p:spPr>
           <a:xfrm>
             <a:off x="1143225" y="685800"/>
-            <a:ext cx="4572299" cy="3429000"/>
+            <a:ext cx="4572300" cy="3429000"/>
           </a:xfrm>
           <a:custGeom>
             <a:pathLst>
@@ -2076,7 +2087,7 @@
       </p:sp>
       <p:sp>
         <p:nvSpPr>
-          <p:cNvPr id="206" name="Shape 206"/>
+          <p:cNvPr id="223" name="Shape 223"/>
           <p:cNvSpPr txBox="1"/>
           <p:nvPr>
             <p:ph idx="1" type="body"/>
@@ -2085,14 +2096,14 @@
         <p:spPr>
           <a:xfrm>
             <a:off x="685800" y="4343400"/>
-            <a:ext cx="5486399" cy="4114800"/>
+            <a:ext cx="5486400" cy="4114800"/>
           </a:xfrm>
           <a:prstGeom prst="rect">
             <a:avLst/>
           </a:prstGeom>
         </p:spPr>
         <p:txBody>
-          <a:bodyPr anchorCtr="0" anchor="t" bIns="91425" lIns="91425" rIns="91425" tIns="91425">
+          <a:bodyPr anchorCtr="0" anchor="t" bIns="91425" lIns="91425" rIns="91425" wrap="square" tIns="91425">
             <a:noAutofit/>
           </a:bodyPr>
           <a:lstStyle/>
@@ -2119,11 +2130,11 @@
 </file>
 
 <file path=ppt/notesSlides/notesSlide26.xml><?xml version="1.0" encoding="utf-8"?>
-<p:notes xmlns:a="http://schemas.openxmlformats.org/drawingml/2006/main" xmlns:r="http://schemas.openxmlformats.org/officeDocument/2006/relationships" xmlns:mc="http://schemas.openxmlformats.org/markup-compatibility/2006" xmlns:mv="urn:schemas-microsoft-com:mac:vml" xmlns:p="http://schemas.openxmlformats.org/presentationml/2006/main" xmlns:c="http://schemas.openxmlformats.org/drawingml/2006/chart" xmlns:dgm="http://schemas.openxmlformats.org/drawingml/2006/diagram" xmlns:o="urn:schemas-microsoft-com:office:office" xmlns:v="urn:schemas-microsoft-com:vml" xmlns:pvml="urn:schemas-microsoft-com:office:powerpoint" xmlns:com="http://schemas.openxmlformats.org/drawingml/2006/compatibility" xmlns:p14="http://schemas.microsoft.com/office/powerpoint/2010/main" showMasterPhAnim="0" showMasterSp="0">
+<p:notes xmlns:a="http://schemas.openxmlformats.org/drawingml/2006/main" xmlns:r="http://schemas.openxmlformats.org/officeDocument/2006/relationships" xmlns:mc="http://schemas.openxmlformats.org/markup-compatibility/2006" xmlns:mv="urn:schemas-microsoft-com:mac:vml" xmlns:p="http://schemas.openxmlformats.org/presentationml/2006/main" xmlns:c="http://schemas.openxmlformats.org/drawingml/2006/chart" xmlns:dgm="http://schemas.openxmlformats.org/drawingml/2006/diagram" xmlns:o="urn:schemas-microsoft-com:office:office" xmlns:v="urn:schemas-microsoft-com:vml" xmlns:pvml="urn:schemas-microsoft-com:office:powerpoint" xmlns:com="http://schemas.openxmlformats.org/drawingml/2006/compatibility" xmlns:p14="http://schemas.microsoft.com/office/powerpoint/2010/main" xmlns:p15="http://schemas.microsoft.com/office/powerpoint/2012/main" showMasterPhAnim="0" showMasterSp="0">
   <p:cSld>
     <p:spTree>
       <p:nvGrpSpPr>
-        <p:cNvPr id="210" name="Shape 210"/>
+        <p:cNvPr id="227" name="Shape 227"/>
         <p:cNvGrpSpPr/>
         <p:nvPr/>
       </p:nvGrpSpPr>
@@ -2137,7 +2148,7 @@
       </p:grpSpPr>
       <p:sp>
         <p:nvSpPr>
-          <p:cNvPr id="211" name="Shape 211"/>
+          <p:cNvPr id="228" name="Shape 228"/>
           <p:cNvSpPr/>
           <p:nvPr>
             <p:ph idx="2" type="sldImg"/>
@@ -2146,7 +2157,7 @@
         <p:spPr>
           <a:xfrm>
             <a:off x="1143225" y="685800"/>
-            <a:ext cx="4572299" cy="3429000"/>
+            <a:ext cx="4572300" cy="3429000"/>
           </a:xfrm>
           <a:custGeom>
             <a:pathLst>
@@ -2171,7 +2182,7 @@
       </p:sp>
       <p:sp>
         <p:nvSpPr>
-          <p:cNvPr id="212" name="Shape 212"/>
+          <p:cNvPr id="229" name="Shape 229"/>
           <p:cNvSpPr txBox="1"/>
           <p:nvPr>
             <p:ph idx="1" type="body"/>
@@ -2180,14 +2191,14 @@
         <p:spPr>
           <a:xfrm>
             <a:off x="685800" y="4343400"/>
-            <a:ext cx="5486399" cy="4114800"/>
+            <a:ext cx="5486400" cy="4114800"/>
           </a:xfrm>
           <a:prstGeom prst="rect">
             <a:avLst/>
           </a:prstGeom>
         </p:spPr>
         <p:txBody>
-          <a:bodyPr anchorCtr="0" anchor="t" bIns="91425" lIns="91425" rIns="91425" tIns="91425">
+          <a:bodyPr anchorCtr="0" anchor="t" bIns="91425" lIns="91425" rIns="91425" wrap="square" tIns="91425">
             <a:noAutofit/>
           </a:bodyPr>
           <a:lstStyle/>
@@ -2214,11 +2225,11 @@
 </file>
 
 <file path=ppt/notesSlides/notesSlide27.xml><?xml version="1.0" encoding="utf-8"?>
-<p:notes xmlns:a="http://schemas.openxmlformats.org/drawingml/2006/main" xmlns:r="http://schemas.openxmlformats.org/officeDocument/2006/relationships" xmlns:mc="http://schemas.openxmlformats.org/markup-compatibility/2006" xmlns:mv="urn:schemas-microsoft-com:mac:vml" xmlns:p="http://schemas.openxmlformats.org/presentationml/2006/main" xmlns:c="http://schemas.openxmlformats.org/drawingml/2006/chart" xmlns:dgm="http://schemas.openxmlformats.org/drawingml/2006/diagram" xmlns:o="urn:schemas-microsoft-com:office:office" xmlns:v="urn:schemas-microsoft-com:vml" xmlns:pvml="urn:schemas-microsoft-com:office:powerpoint" xmlns:com="http://schemas.openxmlformats.org/drawingml/2006/compatibility" xmlns:p14="http://schemas.microsoft.com/office/powerpoint/2010/main" showMasterPhAnim="0" showMasterSp="0">
+<p:notes xmlns:a="http://schemas.openxmlformats.org/drawingml/2006/main" xmlns:r="http://schemas.openxmlformats.org/officeDocument/2006/relationships" xmlns:mc="http://schemas.openxmlformats.org/markup-compatibility/2006" xmlns:mv="urn:schemas-microsoft-com:mac:vml" xmlns:p="http://schemas.openxmlformats.org/presentationml/2006/main" xmlns:c="http://schemas.openxmlformats.org/drawingml/2006/chart" xmlns:dgm="http://schemas.openxmlformats.org/drawingml/2006/diagram" xmlns:o="urn:schemas-microsoft-com:office:office" xmlns:v="urn:schemas-microsoft-com:vml" xmlns:pvml="urn:schemas-microsoft-com:office:powerpoint" xmlns:com="http://schemas.openxmlformats.org/drawingml/2006/compatibility" xmlns:p14="http://schemas.microsoft.com/office/powerpoint/2010/main" xmlns:p15="http://schemas.microsoft.com/office/powerpoint/2012/main" showMasterPhAnim="0" showMasterSp="0">
   <p:cSld>
     <p:spTree>
       <p:nvGrpSpPr>
-        <p:cNvPr id="215" name="Shape 215"/>
+        <p:cNvPr id="234" name="Shape 234"/>
         <p:cNvGrpSpPr/>
         <p:nvPr/>
       </p:nvGrpSpPr>
@@ -2232,7 +2243,7 @@
       </p:grpSpPr>
       <p:sp>
         <p:nvSpPr>
-          <p:cNvPr id="216" name="Shape 216"/>
+          <p:cNvPr id="235" name="Shape 235"/>
           <p:cNvSpPr/>
           <p:nvPr>
             <p:ph idx="2" type="sldImg"/>
@@ -2241,7 +2252,7 @@
         <p:spPr>
           <a:xfrm>
             <a:off x="1143225" y="685800"/>
-            <a:ext cx="4572299" cy="3429000"/>
+            <a:ext cx="4572300" cy="3429000"/>
           </a:xfrm>
           <a:custGeom>
             <a:pathLst>
@@ -2266,7 +2277,7 @@
       </p:sp>
       <p:sp>
         <p:nvSpPr>
-          <p:cNvPr id="217" name="Shape 217"/>
+          <p:cNvPr id="236" name="Shape 236"/>
           <p:cNvSpPr txBox="1"/>
           <p:nvPr>
             <p:ph idx="1" type="body"/>
@@ -2275,14 +2286,14 @@
         <p:spPr>
           <a:xfrm>
             <a:off x="685800" y="4343400"/>
-            <a:ext cx="5486399" cy="4114800"/>
+            <a:ext cx="5486400" cy="4114800"/>
           </a:xfrm>
           <a:prstGeom prst="rect">
             <a:avLst/>
           </a:prstGeom>
         </p:spPr>
         <p:txBody>
-          <a:bodyPr anchorCtr="0" anchor="t" bIns="91425" lIns="91425" rIns="91425" tIns="91425">
+          <a:bodyPr anchorCtr="0" anchor="t" bIns="91425" lIns="91425" rIns="91425" wrap="square" tIns="91425">
             <a:noAutofit/>
           </a:bodyPr>
           <a:lstStyle/>
@@ -2308,12 +2319,12 @@
 </p:notes>
 </file>
 
-<file path=ppt/notesSlides/notesSlide3.xml><?xml version="1.0" encoding="utf-8"?>
-<p:notes xmlns:a="http://schemas.openxmlformats.org/drawingml/2006/main" xmlns:r="http://schemas.openxmlformats.org/officeDocument/2006/relationships" xmlns:mc="http://schemas.openxmlformats.org/markup-compatibility/2006" xmlns:mv="urn:schemas-microsoft-com:mac:vml" xmlns:p="http://schemas.openxmlformats.org/presentationml/2006/main" xmlns:c="http://schemas.openxmlformats.org/drawingml/2006/chart" xmlns:dgm="http://schemas.openxmlformats.org/drawingml/2006/diagram" xmlns:o="urn:schemas-microsoft-com:office:office" xmlns:v="urn:schemas-microsoft-com:vml" xmlns:pvml="urn:schemas-microsoft-com:office:powerpoint" xmlns:com="http://schemas.openxmlformats.org/drawingml/2006/compatibility" xmlns:p14="http://schemas.microsoft.com/office/powerpoint/2010/main" showMasterPhAnim="0" showMasterSp="0">
+<file path=ppt/notesSlides/notesSlide28.xml><?xml version="1.0" encoding="utf-8"?>
+<p:notes xmlns:a="http://schemas.openxmlformats.org/drawingml/2006/main" xmlns:r="http://schemas.openxmlformats.org/officeDocument/2006/relationships" xmlns:mc="http://schemas.openxmlformats.org/markup-compatibility/2006" xmlns:mv="urn:schemas-microsoft-com:mac:vml" xmlns:p="http://schemas.openxmlformats.org/presentationml/2006/main" xmlns:c="http://schemas.openxmlformats.org/drawingml/2006/chart" xmlns:dgm="http://schemas.openxmlformats.org/drawingml/2006/diagram" xmlns:o="urn:schemas-microsoft-com:office:office" xmlns:v="urn:schemas-microsoft-com:vml" xmlns:pvml="urn:schemas-microsoft-com:office:powerpoint" xmlns:com="http://schemas.openxmlformats.org/drawingml/2006/compatibility" xmlns:p14="http://schemas.microsoft.com/office/powerpoint/2010/main" xmlns:p15="http://schemas.microsoft.com/office/powerpoint/2012/main" showMasterPhAnim="0" showMasterSp="0">
   <p:cSld>
     <p:spTree>
       <p:nvGrpSpPr>
-        <p:cNvPr id="69" name="Shape 69"/>
+        <p:cNvPr id="241" name="Shape 241"/>
         <p:cNvGrpSpPr/>
         <p:nvPr/>
       </p:nvGrpSpPr>
@@ -2327,7 +2338,7 @@
       </p:grpSpPr>
       <p:sp>
         <p:nvSpPr>
-          <p:cNvPr id="70" name="Shape 70"/>
+          <p:cNvPr id="242" name="Shape 242"/>
           <p:cNvSpPr/>
           <p:nvPr>
             <p:ph idx="2" type="sldImg"/>
@@ -2336,7 +2347,7 @@
         <p:spPr>
           <a:xfrm>
             <a:off x="1143225" y="685800"/>
-            <a:ext cx="4572299" cy="3429000"/>
+            <a:ext cx="4572300" cy="3429000"/>
           </a:xfrm>
           <a:custGeom>
             <a:pathLst>
@@ -2361,7 +2372,7 @@
       </p:sp>
       <p:sp>
         <p:nvSpPr>
-          <p:cNvPr id="71" name="Shape 71"/>
+          <p:cNvPr id="243" name="Shape 243"/>
           <p:cNvSpPr txBox="1"/>
           <p:nvPr>
             <p:ph idx="1" type="body"/>
@@ -2370,19 +2381,19 @@
         <p:spPr>
           <a:xfrm>
             <a:off x="685800" y="4343400"/>
-            <a:ext cx="5486399" cy="4114800"/>
+            <a:ext cx="5486400" cy="4114800"/>
           </a:xfrm>
           <a:prstGeom prst="rect">
             <a:avLst/>
           </a:prstGeom>
         </p:spPr>
         <p:txBody>
-          <a:bodyPr anchorCtr="0" anchor="t" bIns="91425" lIns="91425" rIns="91425" tIns="91425">
+          <a:bodyPr anchorCtr="0" anchor="t" bIns="91425" lIns="91425" rIns="91425" wrap="square" tIns="91425">
             <a:noAutofit/>
           </a:bodyPr>
           <a:lstStyle/>
           <a:p>
-            <a:pPr lvl="0">
+            <a:pPr lvl="0" rtl="0">
               <a:spcBef>
                 <a:spcPts val="0"/>
               </a:spcBef>
@@ -2403,12 +2414,12 @@
 </p:notes>
 </file>
 
-<file path=ppt/notesSlides/notesSlide4.xml><?xml version="1.0" encoding="utf-8"?>
-<p:notes xmlns:a="http://schemas.openxmlformats.org/drawingml/2006/main" xmlns:r="http://schemas.openxmlformats.org/officeDocument/2006/relationships" xmlns:mc="http://schemas.openxmlformats.org/markup-compatibility/2006" xmlns:mv="urn:schemas-microsoft-com:mac:vml" xmlns:p="http://schemas.openxmlformats.org/presentationml/2006/main" xmlns:c="http://schemas.openxmlformats.org/drawingml/2006/chart" xmlns:dgm="http://schemas.openxmlformats.org/drawingml/2006/diagram" xmlns:o="urn:schemas-microsoft-com:office:office" xmlns:v="urn:schemas-microsoft-com:vml" xmlns:pvml="urn:schemas-microsoft-com:office:powerpoint" xmlns:com="http://schemas.openxmlformats.org/drawingml/2006/compatibility" xmlns:p14="http://schemas.microsoft.com/office/powerpoint/2010/main" showMasterPhAnim="0" showMasterSp="0">
+<file path=ppt/notesSlides/notesSlide29.xml><?xml version="1.0" encoding="utf-8"?>
+<p:notes xmlns:a="http://schemas.openxmlformats.org/drawingml/2006/main" xmlns:r="http://schemas.openxmlformats.org/officeDocument/2006/relationships" xmlns:mc="http://schemas.openxmlformats.org/markup-compatibility/2006" xmlns:mv="urn:schemas-microsoft-com:mac:vml" xmlns:p="http://schemas.openxmlformats.org/presentationml/2006/main" xmlns:c="http://schemas.openxmlformats.org/drawingml/2006/chart" xmlns:dgm="http://schemas.openxmlformats.org/drawingml/2006/diagram" xmlns:o="urn:schemas-microsoft-com:office:office" xmlns:v="urn:schemas-microsoft-com:vml" xmlns:pvml="urn:schemas-microsoft-com:office:powerpoint" xmlns:com="http://schemas.openxmlformats.org/drawingml/2006/compatibility" xmlns:p14="http://schemas.microsoft.com/office/powerpoint/2010/main" xmlns:p15="http://schemas.microsoft.com/office/powerpoint/2012/main" showMasterPhAnim="0" showMasterSp="0">
   <p:cSld>
     <p:spTree>
       <p:nvGrpSpPr>
-        <p:cNvPr id="75" name="Shape 75"/>
+        <p:cNvPr id="247" name="Shape 247"/>
         <p:cNvGrpSpPr/>
         <p:nvPr/>
       </p:nvGrpSpPr>
@@ -2422,7 +2433,7 @@
       </p:grpSpPr>
       <p:sp>
         <p:nvSpPr>
-          <p:cNvPr id="76" name="Shape 76"/>
+          <p:cNvPr id="248" name="Shape 248"/>
           <p:cNvSpPr/>
           <p:nvPr>
             <p:ph idx="2" type="sldImg"/>
@@ -2431,7 +2442,7 @@
         <p:spPr>
           <a:xfrm>
             <a:off x="1143225" y="685800"/>
-            <a:ext cx="4572299" cy="3429000"/>
+            <a:ext cx="4572300" cy="3429000"/>
           </a:xfrm>
           <a:custGeom>
             <a:pathLst>
@@ -2456,7 +2467,7 @@
       </p:sp>
       <p:sp>
         <p:nvSpPr>
-          <p:cNvPr id="77" name="Shape 77"/>
+          <p:cNvPr id="249" name="Shape 249"/>
           <p:cNvSpPr txBox="1"/>
           <p:nvPr>
             <p:ph idx="1" type="body"/>
@@ -2465,14 +2476,14 @@
         <p:spPr>
           <a:xfrm>
             <a:off x="685800" y="4343400"/>
-            <a:ext cx="5486399" cy="4114800"/>
+            <a:ext cx="5486400" cy="4114800"/>
           </a:xfrm>
           <a:prstGeom prst="rect">
             <a:avLst/>
           </a:prstGeom>
         </p:spPr>
         <p:txBody>
-          <a:bodyPr anchorCtr="0" anchor="t" bIns="91425" lIns="91425" rIns="91425" tIns="91425">
+          <a:bodyPr anchorCtr="0" anchor="t" bIns="91425" lIns="91425" rIns="91425" wrap="square" tIns="91425">
             <a:noAutofit/>
           </a:bodyPr>
           <a:lstStyle/>
@@ -2498,12 +2509,12 @@
 </p:notes>
 </file>
 
-<file path=ppt/notesSlides/notesSlide5.xml><?xml version="1.0" encoding="utf-8"?>
-<p:notes xmlns:a="http://schemas.openxmlformats.org/drawingml/2006/main" xmlns:r="http://schemas.openxmlformats.org/officeDocument/2006/relationships" xmlns:mc="http://schemas.openxmlformats.org/markup-compatibility/2006" xmlns:mv="urn:schemas-microsoft-com:mac:vml" xmlns:p="http://schemas.openxmlformats.org/presentationml/2006/main" xmlns:c="http://schemas.openxmlformats.org/drawingml/2006/chart" xmlns:dgm="http://schemas.openxmlformats.org/drawingml/2006/diagram" xmlns:o="urn:schemas-microsoft-com:office:office" xmlns:v="urn:schemas-microsoft-com:vml" xmlns:pvml="urn:schemas-microsoft-com:office:powerpoint" xmlns:com="http://schemas.openxmlformats.org/drawingml/2006/compatibility" xmlns:p14="http://schemas.microsoft.com/office/powerpoint/2010/main" showMasterPhAnim="0" showMasterSp="0">
+<file path=ppt/notesSlides/notesSlide3.xml><?xml version="1.0" encoding="utf-8"?>
+<p:notes xmlns:a="http://schemas.openxmlformats.org/drawingml/2006/main" xmlns:r="http://schemas.openxmlformats.org/officeDocument/2006/relationships" xmlns:mc="http://schemas.openxmlformats.org/markup-compatibility/2006" xmlns:mv="urn:schemas-microsoft-com:mac:vml" xmlns:p="http://schemas.openxmlformats.org/presentationml/2006/main" xmlns:c="http://schemas.openxmlformats.org/drawingml/2006/chart" xmlns:dgm="http://schemas.openxmlformats.org/drawingml/2006/diagram" xmlns:o="urn:schemas-microsoft-com:office:office" xmlns:v="urn:schemas-microsoft-com:vml" xmlns:pvml="urn:schemas-microsoft-com:office:powerpoint" xmlns:com="http://schemas.openxmlformats.org/drawingml/2006/compatibility" xmlns:p14="http://schemas.microsoft.com/office/powerpoint/2010/main" xmlns:p15="http://schemas.microsoft.com/office/powerpoint/2012/main" showMasterPhAnim="0" showMasterSp="0">
   <p:cSld>
     <p:spTree>
       <p:nvGrpSpPr>
-        <p:cNvPr id="80" name="Shape 80"/>
+        <p:cNvPr id="69" name="Shape 69"/>
         <p:cNvGrpSpPr/>
         <p:nvPr/>
       </p:nvGrpSpPr>
@@ -2517,7 +2528,7 @@
       </p:grpSpPr>
       <p:sp>
         <p:nvSpPr>
-          <p:cNvPr id="81" name="Shape 81"/>
+          <p:cNvPr id="70" name="Shape 70"/>
           <p:cNvSpPr/>
           <p:nvPr>
             <p:ph idx="2" type="sldImg"/>
@@ -2526,7 +2537,7 @@
         <p:spPr>
           <a:xfrm>
             <a:off x="1143225" y="685800"/>
-            <a:ext cx="4572299" cy="3429000"/>
+            <a:ext cx="4572300" cy="3429000"/>
           </a:xfrm>
           <a:custGeom>
             <a:pathLst>
@@ -2551,7 +2562,7 @@
       </p:sp>
       <p:sp>
         <p:nvSpPr>
-          <p:cNvPr id="82" name="Shape 82"/>
+          <p:cNvPr id="71" name="Shape 71"/>
           <p:cNvSpPr txBox="1"/>
           <p:nvPr>
             <p:ph idx="1" type="body"/>
@@ -2560,19 +2571,19 @@
         <p:spPr>
           <a:xfrm>
             <a:off x="685800" y="4343400"/>
-            <a:ext cx="5486399" cy="4114800"/>
+            <a:ext cx="5486400" cy="4114800"/>
           </a:xfrm>
           <a:prstGeom prst="rect">
             <a:avLst/>
           </a:prstGeom>
         </p:spPr>
         <p:txBody>
-          <a:bodyPr anchorCtr="0" anchor="t" bIns="91425" lIns="91425" rIns="91425" tIns="91425">
+          <a:bodyPr anchorCtr="0" anchor="t" bIns="91425" lIns="91425" rIns="91425" wrap="square" tIns="91425">
             <a:noAutofit/>
           </a:bodyPr>
           <a:lstStyle/>
           <a:p>
-            <a:pPr lvl="0" rtl="0">
+            <a:pPr lvl="0">
               <a:spcBef>
                 <a:spcPts val="0"/>
               </a:spcBef>
@@ -2593,12 +2604,12 @@
 </p:notes>
 </file>
 
-<file path=ppt/notesSlides/notesSlide6.xml><?xml version="1.0" encoding="utf-8"?>
-<p:notes xmlns:a="http://schemas.openxmlformats.org/drawingml/2006/main" xmlns:r="http://schemas.openxmlformats.org/officeDocument/2006/relationships" xmlns:mc="http://schemas.openxmlformats.org/markup-compatibility/2006" xmlns:mv="urn:schemas-microsoft-com:mac:vml" xmlns:p="http://schemas.openxmlformats.org/presentationml/2006/main" xmlns:c="http://schemas.openxmlformats.org/drawingml/2006/chart" xmlns:dgm="http://schemas.openxmlformats.org/drawingml/2006/diagram" xmlns:o="urn:schemas-microsoft-com:office:office" xmlns:v="urn:schemas-microsoft-com:vml" xmlns:pvml="urn:schemas-microsoft-com:office:powerpoint" xmlns:com="http://schemas.openxmlformats.org/drawingml/2006/compatibility" xmlns:p14="http://schemas.microsoft.com/office/powerpoint/2010/main" showMasterPhAnim="0" showMasterSp="0">
+<file path=ppt/notesSlides/notesSlide4.xml><?xml version="1.0" encoding="utf-8"?>
+<p:notes xmlns:a="http://schemas.openxmlformats.org/drawingml/2006/main" xmlns:r="http://schemas.openxmlformats.org/officeDocument/2006/relationships" xmlns:mc="http://schemas.openxmlformats.org/markup-compatibility/2006" xmlns:mv="urn:schemas-microsoft-com:mac:vml" xmlns:p="http://schemas.openxmlformats.org/presentationml/2006/main" xmlns:c="http://schemas.openxmlformats.org/drawingml/2006/chart" xmlns:dgm="http://schemas.openxmlformats.org/drawingml/2006/diagram" xmlns:o="urn:schemas-microsoft-com:office:office" xmlns:v="urn:schemas-microsoft-com:vml" xmlns:pvml="urn:schemas-microsoft-com:office:powerpoint" xmlns:com="http://schemas.openxmlformats.org/drawingml/2006/compatibility" xmlns:p14="http://schemas.microsoft.com/office/powerpoint/2010/main" xmlns:p15="http://schemas.microsoft.com/office/powerpoint/2012/main" showMasterPhAnim="0" showMasterSp="0">
   <p:cSld>
     <p:spTree>
       <p:nvGrpSpPr>
-        <p:cNvPr id="89" name="Shape 89"/>
+        <p:cNvPr id="76" name="Shape 76"/>
         <p:cNvGrpSpPr/>
         <p:nvPr/>
       </p:nvGrpSpPr>
@@ -2612,7 +2623,7 @@
       </p:grpSpPr>
       <p:sp>
         <p:nvSpPr>
-          <p:cNvPr id="90" name="Shape 90"/>
+          <p:cNvPr id="77" name="Shape 77"/>
           <p:cNvSpPr/>
           <p:nvPr>
             <p:ph idx="2" type="sldImg"/>
@@ -2621,7 +2632,7 @@
         <p:spPr>
           <a:xfrm>
             <a:off x="1143225" y="685800"/>
-            <a:ext cx="4572299" cy="3429000"/>
+            <a:ext cx="4572300" cy="3429000"/>
           </a:xfrm>
           <a:custGeom>
             <a:pathLst>
@@ -2646,7 +2657,7 @@
       </p:sp>
       <p:sp>
         <p:nvSpPr>
-          <p:cNvPr id="91" name="Shape 91"/>
+          <p:cNvPr id="78" name="Shape 78"/>
           <p:cNvSpPr txBox="1"/>
           <p:nvPr>
             <p:ph idx="1" type="body"/>
@@ -2655,14 +2666,14 @@
         <p:spPr>
           <a:xfrm>
             <a:off x="685800" y="4343400"/>
-            <a:ext cx="5486399" cy="4114800"/>
+            <a:ext cx="5486400" cy="4114800"/>
           </a:xfrm>
           <a:prstGeom prst="rect">
             <a:avLst/>
           </a:prstGeom>
         </p:spPr>
         <p:txBody>
-          <a:bodyPr anchorCtr="0" anchor="t" bIns="91425" lIns="91425" rIns="91425" tIns="91425">
+          <a:bodyPr anchorCtr="0" anchor="t" bIns="91425" lIns="91425" rIns="91425" wrap="square" tIns="91425">
             <a:noAutofit/>
           </a:bodyPr>
           <a:lstStyle/>
@@ -2688,12 +2699,12 @@
 </p:notes>
 </file>
 
-<file path=ppt/notesSlides/notesSlide7.xml><?xml version="1.0" encoding="utf-8"?>
-<p:notes xmlns:a="http://schemas.openxmlformats.org/drawingml/2006/main" xmlns:r="http://schemas.openxmlformats.org/officeDocument/2006/relationships" xmlns:mc="http://schemas.openxmlformats.org/markup-compatibility/2006" xmlns:mv="urn:schemas-microsoft-com:mac:vml" xmlns:p="http://schemas.openxmlformats.org/presentationml/2006/main" xmlns:c="http://schemas.openxmlformats.org/drawingml/2006/chart" xmlns:dgm="http://schemas.openxmlformats.org/drawingml/2006/diagram" xmlns:o="urn:schemas-microsoft-com:office:office" xmlns:v="urn:schemas-microsoft-com:vml" xmlns:pvml="urn:schemas-microsoft-com:office:powerpoint" xmlns:com="http://schemas.openxmlformats.org/drawingml/2006/compatibility" xmlns:p14="http://schemas.microsoft.com/office/powerpoint/2010/main" showMasterPhAnim="0" showMasterSp="0">
+<file path=ppt/notesSlides/notesSlide5.xml><?xml version="1.0" encoding="utf-8"?>
+<p:notes xmlns:a="http://schemas.openxmlformats.org/drawingml/2006/main" xmlns:r="http://schemas.openxmlformats.org/officeDocument/2006/relationships" xmlns:mc="http://schemas.openxmlformats.org/markup-compatibility/2006" xmlns:mv="urn:schemas-microsoft-com:mac:vml" xmlns:p="http://schemas.openxmlformats.org/presentationml/2006/main" xmlns:c="http://schemas.openxmlformats.org/drawingml/2006/chart" xmlns:dgm="http://schemas.openxmlformats.org/drawingml/2006/diagram" xmlns:o="urn:schemas-microsoft-com:office:office" xmlns:v="urn:schemas-microsoft-com:vml" xmlns:pvml="urn:schemas-microsoft-com:office:powerpoint" xmlns:com="http://schemas.openxmlformats.org/drawingml/2006/compatibility" xmlns:p14="http://schemas.microsoft.com/office/powerpoint/2010/main" xmlns:p15="http://schemas.microsoft.com/office/powerpoint/2012/main" showMasterPhAnim="0" showMasterSp="0">
   <p:cSld>
     <p:spTree>
       <p:nvGrpSpPr>
-        <p:cNvPr id="96" name="Shape 96"/>
+        <p:cNvPr id="82" name="Shape 82"/>
         <p:cNvGrpSpPr/>
         <p:nvPr/>
       </p:nvGrpSpPr>
@@ -2707,7 +2718,7 @@
       </p:grpSpPr>
       <p:sp>
         <p:nvSpPr>
-          <p:cNvPr id="97" name="Shape 97"/>
+          <p:cNvPr id="83" name="Shape 83"/>
           <p:cNvSpPr/>
           <p:nvPr>
             <p:ph idx="2" type="sldImg"/>
@@ -2716,7 +2727,7 @@
         <p:spPr>
           <a:xfrm>
             <a:off x="1143225" y="685800"/>
-            <a:ext cx="4572299" cy="3429000"/>
+            <a:ext cx="4572300" cy="3429000"/>
           </a:xfrm>
           <a:custGeom>
             <a:pathLst>
@@ -2741,7 +2752,7 @@
       </p:sp>
       <p:sp>
         <p:nvSpPr>
-          <p:cNvPr id="98" name="Shape 98"/>
+          <p:cNvPr id="84" name="Shape 84"/>
           <p:cNvSpPr txBox="1"/>
           <p:nvPr>
             <p:ph idx="1" type="body"/>
@@ -2750,19 +2761,19 @@
         <p:spPr>
           <a:xfrm>
             <a:off x="685800" y="4343400"/>
-            <a:ext cx="5486399" cy="4114800"/>
+            <a:ext cx="5486400" cy="4114800"/>
           </a:xfrm>
           <a:prstGeom prst="rect">
             <a:avLst/>
           </a:prstGeom>
         </p:spPr>
         <p:txBody>
-          <a:bodyPr anchorCtr="0" anchor="t" bIns="91425" lIns="91425" rIns="91425" tIns="91425">
+          <a:bodyPr anchorCtr="0" anchor="t" bIns="91425" lIns="91425" rIns="91425" wrap="square" tIns="91425">
             <a:noAutofit/>
           </a:bodyPr>
           <a:lstStyle/>
           <a:p>
-            <a:pPr lvl="0">
+            <a:pPr lvl="0" rtl="0">
               <a:spcBef>
                 <a:spcPts val="0"/>
               </a:spcBef>
@@ -2783,12 +2794,12 @@
 </p:notes>
 </file>
 
-<file path=ppt/notesSlides/notesSlide8.xml><?xml version="1.0" encoding="utf-8"?>
-<p:notes xmlns:a="http://schemas.openxmlformats.org/drawingml/2006/main" xmlns:r="http://schemas.openxmlformats.org/officeDocument/2006/relationships" xmlns:mc="http://schemas.openxmlformats.org/markup-compatibility/2006" xmlns:mv="urn:schemas-microsoft-com:mac:vml" xmlns:p="http://schemas.openxmlformats.org/presentationml/2006/main" xmlns:c="http://schemas.openxmlformats.org/drawingml/2006/chart" xmlns:dgm="http://schemas.openxmlformats.org/drawingml/2006/diagram" xmlns:o="urn:schemas-microsoft-com:office:office" xmlns:v="urn:schemas-microsoft-com:vml" xmlns:pvml="urn:schemas-microsoft-com:office:powerpoint" xmlns:com="http://schemas.openxmlformats.org/drawingml/2006/compatibility" xmlns:p14="http://schemas.microsoft.com/office/powerpoint/2010/main" showMasterPhAnim="0" showMasterSp="0">
+<file path=ppt/notesSlides/notesSlide6.xml><?xml version="1.0" encoding="utf-8"?>
+<p:notes xmlns:a="http://schemas.openxmlformats.org/drawingml/2006/main" xmlns:r="http://schemas.openxmlformats.org/officeDocument/2006/relationships" xmlns:mc="http://schemas.openxmlformats.org/markup-compatibility/2006" xmlns:mv="urn:schemas-microsoft-com:mac:vml" xmlns:p="http://schemas.openxmlformats.org/presentationml/2006/main" xmlns:c="http://schemas.openxmlformats.org/drawingml/2006/chart" xmlns:dgm="http://schemas.openxmlformats.org/drawingml/2006/diagram" xmlns:o="urn:schemas-microsoft-com:office:office" xmlns:v="urn:schemas-microsoft-com:vml" xmlns:pvml="urn:schemas-microsoft-com:office:powerpoint" xmlns:com="http://schemas.openxmlformats.org/drawingml/2006/compatibility" xmlns:p14="http://schemas.microsoft.com/office/powerpoint/2010/main" xmlns:p15="http://schemas.microsoft.com/office/powerpoint/2012/main" showMasterPhAnim="0" showMasterSp="0">
   <p:cSld>
     <p:spTree>
       <p:nvGrpSpPr>
-        <p:cNvPr id="102" name="Shape 102"/>
+        <p:cNvPr id="91" name="Shape 91"/>
         <p:cNvGrpSpPr/>
         <p:nvPr/>
       </p:nvGrpSpPr>
@@ -2802,7 +2813,7 @@
       </p:grpSpPr>
       <p:sp>
         <p:nvSpPr>
-          <p:cNvPr id="103" name="Shape 103"/>
+          <p:cNvPr id="92" name="Shape 92"/>
           <p:cNvSpPr/>
           <p:nvPr>
             <p:ph idx="2" type="sldImg"/>
@@ -2811,7 +2822,7 @@
         <p:spPr>
           <a:xfrm>
             <a:off x="1143225" y="685800"/>
-            <a:ext cx="4572299" cy="3429000"/>
+            <a:ext cx="4572300" cy="3429000"/>
           </a:xfrm>
           <a:custGeom>
             <a:pathLst>
@@ -2836,7 +2847,7 @@
       </p:sp>
       <p:sp>
         <p:nvSpPr>
-          <p:cNvPr id="104" name="Shape 104"/>
+          <p:cNvPr id="93" name="Shape 93"/>
           <p:cNvSpPr txBox="1"/>
           <p:nvPr>
             <p:ph idx="1" type="body"/>
@@ -2845,19 +2856,19 @@
         <p:spPr>
           <a:xfrm>
             <a:off x="685800" y="4343400"/>
-            <a:ext cx="5486399" cy="4114800"/>
+            <a:ext cx="5486400" cy="4114800"/>
           </a:xfrm>
           <a:prstGeom prst="rect">
             <a:avLst/>
           </a:prstGeom>
         </p:spPr>
         <p:txBody>
-          <a:bodyPr anchorCtr="0" anchor="t" bIns="91425" lIns="91425" rIns="91425" tIns="91425">
+          <a:bodyPr anchorCtr="0" anchor="t" bIns="91425" lIns="91425" rIns="91425" wrap="square" tIns="91425">
             <a:noAutofit/>
           </a:bodyPr>
           <a:lstStyle/>
           <a:p>
-            <a:pPr lvl="0">
+            <a:pPr lvl="0" rtl="0">
               <a:spcBef>
                 <a:spcPts val="0"/>
               </a:spcBef>
@@ -2878,12 +2889,12 @@
 </p:notes>
 </file>
 
-<file path=ppt/notesSlides/notesSlide9.xml><?xml version="1.0" encoding="utf-8"?>
-<p:notes xmlns:a="http://schemas.openxmlformats.org/drawingml/2006/main" xmlns:r="http://schemas.openxmlformats.org/officeDocument/2006/relationships" xmlns:mc="http://schemas.openxmlformats.org/markup-compatibility/2006" xmlns:mv="urn:schemas-microsoft-com:mac:vml" xmlns:p="http://schemas.openxmlformats.org/presentationml/2006/main" xmlns:c="http://schemas.openxmlformats.org/drawingml/2006/chart" xmlns:dgm="http://schemas.openxmlformats.org/drawingml/2006/diagram" xmlns:o="urn:schemas-microsoft-com:office:office" xmlns:v="urn:schemas-microsoft-com:vml" xmlns:pvml="urn:schemas-microsoft-com:office:powerpoint" xmlns:com="http://schemas.openxmlformats.org/drawingml/2006/compatibility" xmlns:p14="http://schemas.microsoft.com/office/powerpoint/2010/main" showMasterPhAnim="0" showMasterSp="0">
+<file path=ppt/notesSlides/notesSlide7.xml><?xml version="1.0" encoding="utf-8"?>
+<p:notes xmlns:a="http://schemas.openxmlformats.org/drawingml/2006/main" xmlns:r="http://schemas.openxmlformats.org/officeDocument/2006/relationships" xmlns:mc="http://schemas.openxmlformats.org/markup-compatibility/2006" xmlns:mv="urn:schemas-microsoft-com:mac:vml" xmlns:p="http://schemas.openxmlformats.org/presentationml/2006/main" xmlns:c="http://schemas.openxmlformats.org/drawingml/2006/chart" xmlns:dgm="http://schemas.openxmlformats.org/drawingml/2006/diagram" xmlns:o="urn:schemas-microsoft-com:office:office" xmlns:v="urn:schemas-microsoft-com:vml" xmlns:pvml="urn:schemas-microsoft-com:office:powerpoint" xmlns:com="http://schemas.openxmlformats.org/drawingml/2006/compatibility" xmlns:p14="http://schemas.microsoft.com/office/powerpoint/2010/main" xmlns:p15="http://schemas.microsoft.com/office/powerpoint/2012/main" showMasterPhAnim="0" showMasterSp="0">
   <p:cSld>
     <p:spTree>
       <p:nvGrpSpPr>
-        <p:cNvPr id="108" name="Shape 108"/>
+        <p:cNvPr id="98" name="Shape 98"/>
         <p:cNvGrpSpPr/>
         <p:nvPr/>
       </p:nvGrpSpPr>
@@ -2897,7 +2908,7 @@
       </p:grpSpPr>
       <p:sp>
         <p:nvSpPr>
-          <p:cNvPr id="109" name="Shape 109"/>
+          <p:cNvPr id="99" name="Shape 99"/>
           <p:cNvSpPr/>
           <p:nvPr>
             <p:ph idx="2" type="sldImg"/>
@@ -2906,7 +2917,7 @@
         <p:spPr>
           <a:xfrm>
             <a:off x="1143225" y="685800"/>
-            <a:ext cx="4572299" cy="3429000"/>
+            <a:ext cx="4572300" cy="3429000"/>
           </a:xfrm>
           <a:custGeom>
             <a:pathLst>
@@ -2931,7 +2942,7 @@
       </p:sp>
       <p:sp>
         <p:nvSpPr>
-          <p:cNvPr id="110" name="Shape 110"/>
+          <p:cNvPr id="100" name="Shape 100"/>
           <p:cNvSpPr txBox="1"/>
           <p:nvPr>
             <p:ph idx="1" type="body"/>
@@ -2940,14 +2951,204 @@
         <p:spPr>
           <a:xfrm>
             <a:off x="685800" y="4343400"/>
-            <a:ext cx="5486399" cy="4114800"/>
+            <a:ext cx="5486400" cy="4114800"/>
           </a:xfrm>
           <a:prstGeom prst="rect">
             <a:avLst/>
           </a:prstGeom>
         </p:spPr>
         <p:txBody>
-          <a:bodyPr anchorCtr="0" anchor="t" bIns="91425" lIns="91425" rIns="91425" tIns="91425">
+          <a:bodyPr anchorCtr="0" anchor="t" bIns="91425" lIns="91425" rIns="91425" wrap="square" tIns="91425">
+            <a:noAutofit/>
+          </a:bodyPr>
+          <a:lstStyle/>
+          <a:p>
+            <a:pPr lvl="0">
+              <a:spcBef>
+                <a:spcPts val="0"/>
+              </a:spcBef>
+              <a:buNone/>
+            </a:pPr>
+            <a:r>
+              <a:t/>
+            </a:r>
+            <a:endParaRPr/>
+          </a:p>
+        </p:txBody>
+      </p:sp>
+    </p:spTree>
+  </p:cSld>
+  <p:clrMapOvr>
+    <a:masterClrMapping/>
+  </p:clrMapOvr>
+</p:notes>
+</file>
+
+<file path=ppt/notesSlides/notesSlide8.xml><?xml version="1.0" encoding="utf-8"?>
+<p:notes xmlns:a="http://schemas.openxmlformats.org/drawingml/2006/main" xmlns:r="http://schemas.openxmlformats.org/officeDocument/2006/relationships" xmlns:mc="http://schemas.openxmlformats.org/markup-compatibility/2006" xmlns:mv="urn:schemas-microsoft-com:mac:vml" xmlns:p="http://schemas.openxmlformats.org/presentationml/2006/main" xmlns:c="http://schemas.openxmlformats.org/drawingml/2006/chart" xmlns:dgm="http://schemas.openxmlformats.org/drawingml/2006/diagram" xmlns:o="urn:schemas-microsoft-com:office:office" xmlns:v="urn:schemas-microsoft-com:vml" xmlns:pvml="urn:schemas-microsoft-com:office:powerpoint" xmlns:com="http://schemas.openxmlformats.org/drawingml/2006/compatibility" xmlns:p14="http://schemas.microsoft.com/office/powerpoint/2010/main" xmlns:p15="http://schemas.microsoft.com/office/powerpoint/2012/main" showMasterPhAnim="0" showMasterSp="0">
+  <p:cSld>
+    <p:spTree>
+      <p:nvGrpSpPr>
+        <p:cNvPr id="104" name="Shape 104"/>
+        <p:cNvGrpSpPr/>
+        <p:nvPr/>
+      </p:nvGrpSpPr>
+      <p:grpSpPr>
+        <a:xfrm>
+          <a:off x="0" y="0"/>
+          <a:ext cx="0" cy="0"/>
+          <a:chOff x="0" y="0"/>
+          <a:chExt cx="0" cy="0"/>
+        </a:xfrm>
+      </p:grpSpPr>
+      <p:sp>
+        <p:nvSpPr>
+          <p:cNvPr id="105" name="Shape 105"/>
+          <p:cNvSpPr/>
+          <p:nvPr>
+            <p:ph idx="2" type="sldImg"/>
+          </p:nvPr>
+        </p:nvSpPr>
+        <p:spPr>
+          <a:xfrm>
+            <a:off x="1143225" y="685800"/>
+            <a:ext cx="4572300" cy="3429000"/>
+          </a:xfrm>
+          <a:custGeom>
+            <a:pathLst>
+              <a:path extrusionOk="0" h="120000" w="120000">
+                <a:moveTo>
+                  <a:pt x="0" y="0"/>
+                </a:moveTo>
+                <a:lnTo>
+                  <a:pt x="120000" y="0"/>
+                </a:lnTo>
+                <a:lnTo>
+                  <a:pt x="120000" y="120000"/>
+                </a:lnTo>
+                <a:lnTo>
+                  <a:pt x="0" y="120000"/>
+                </a:lnTo>
+                <a:close/>
+              </a:path>
+            </a:pathLst>
+          </a:custGeom>
+        </p:spPr>
+      </p:sp>
+      <p:sp>
+        <p:nvSpPr>
+          <p:cNvPr id="106" name="Shape 106"/>
+          <p:cNvSpPr txBox="1"/>
+          <p:nvPr>
+            <p:ph idx="1" type="body"/>
+          </p:nvPr>
+        </p:nvSpPr>
+        <p:spPr>
+          <a:xfrm>
+            <a:off x="685800" y="4343400"/>
+            <a:ext cx="5486400" cy="4114800"/>
+          </a:xfrm>
+          <a:prstGeom prst="rect">
+            <a:avLst/>
+          </a:prstGeom>
+        </p:spPr>
+        <p:txBody>
+          <a:bodyPr anchorCtr="0" anchor="t" bIns="91425" lIns="91425" rIns="91425" wrap="square" tIns="91425">
+            <a:noAutofit/>
+          </a:bodyPr>
+          <a:lstStyle/>
+          <a:p>
+            <a:pPr lvl="0">
+              <a:spcBef>
+                <a:spcPts val="0"/>
+              </a:spcBef>
+              <a:buNone/>
+            </a:pPr>
+            <a:r>
+              <a:t/>
+            </a:r>
+            <a:endParaRPr/>
+          </a:p>
+        </p:txBody>
+      </p:sp>
+    </p:spTree>
+  </p:cSld>
+  <p:clrMapOvr>
+    <a:masterClrMapping/>
+  </p:clrMapOvr>
+</p:notes>
+</file>
+
+<file path=ppt/notesSlides/notesSlide9.xml><?xml version="1.0" encoding="utf-8"?>
+<p:notes xmlns:a="http://schemas.openxmlformats.org/drawingml/2006/main" xmlns:r="http://schemas.openxmlformats.org/officeDocument/2006/relationships" xmlns:mc="http://schemas.openxmlformats.org/markup-compatibility/2006" xmlns:mv="urn:schemas-microsoft-com:mac:vml" xmlns:p="http://schemas.openxmlformats.org/presentationml/2006/main" xmlns:c="http://schemas.openxmlformats.org/drawingml/2006/chart" xmlns:dgm="http://schemas.openxmlformats.org/drawingml/2006/diagram" xmlns:o="urn:schemas-microsoft-com:office:office" xmlns:v="urn:schemas-microsoft-com:vml" xmlns:pvml="urn:schemas-microsoft-com:office:powerpoint" xmlns:com="http://schemas.openxmlformats.org/drawingml/2006/compatibility" xmlns:p14="http://schemas.microsoft.com/office/powerpoint/2010/main" xmlns:p15="http://schemas.microsoft.com/office/powerpoint/2012/main" showMasterPhAnim="0" showMasterSp="0">
+  <p:cSld>
+    <p:spTree>
+      <p:nvGrpSpPr>
+        <p:cNvPr id="111" name="Shape 111"/>
+        <p:cNvGrpSpPr/>
+        <p:nvPr/>
+      </p:nvGrpSpPr>
+      <p:grpSpPr>
+        <a:xfrm>
+          <a:off x="0" y="0"/>
+          <a:ext cx="0" cy="0"/>
+          <a:chOff x="0" y="0"/>
+          <a:chExt cx="0" cy="0"/>
+        </a:xfrm>
+      </p:grpSpPr>
+      <p:sp>
+        <p:nvSpPr>
+          <p:cNvPr id="112" name="Shape 112"/>
+          <p:cNvSpPr/>
+          <p:nvPr>
+            <p:ph idx="2" type="sldImg"/>
+          </p:nvPr>
+        </p:nvSpPr>
+        <p:spPr>
+          <a:xfrm>
+            <a:off x="1143225" y="685800"/>
+            <a:ext cx="4572300" cy="3429000"/>
+          </a:xfrm>
+          <a:custGeom>
+            <a:pathLst>
+              <a:path extrusionOk="0" h="120000" w="120000">
+                <a:moveTo>
+                  <a:pt x="0" y="0"/>
+                </a:moveTo>
+                <a:lnTo>
+                  <a:pt x="120000" y="0"/>
+                </a:lnTo>
+                <a:lnTo>
+                  <a:pt x="120000" y="120000"/>
+                </a:lnTo>
+                <a:lnTo>
+                  <a:pt x="0" y="120000"/>
+                </a:lnTo>
+                <a:close/>
+              </a:path>
+            </a:pathLst>
+          </a:custGeom>
+        </p:spPr>
+      </p:sp>
+      <p:sp>
+        <p:nvSpPr>
+          <p:cNvPr id="113" name="Shape 113"/>
+          <p:cNvSpPr txBox="1"/>
+          <p:nvPr>
+            <p:ph idx="1" type="body"/>
+          </p:nvPr>
+        </p:nvSpPr>
+        <p:spPr>
+          <a:xfrm>
+            <a:off x="685800" y="4343400"/>
+            <a:ext cx="5486400" cy="4114800"/>
+          </a:xfrm>
+          <a:prstGeom prst="rect">
+            <a:avLst/>
+          </a:prstGeom>
+        </p:spPr>
+        <p:txBody>
+          <a:bodyPr anchorCtr="0" anchor="t" bIns="91425" lIns="91425" rIns="91425" wrap="square" tIns="91425">
             <a:noAutofit/>
           </a:bodyPr>
           <a:lstStyle/>
@@ -2974,7 +3175,7 @@
 </file>
 
 <file path=ppt/slideLayouts/slideLayout1.xml><?xml version="1.0" encoding="utf-8"?>
-<p:sldLayout xmlns:a="http://schemas.openxmlformats.org/drawingml/2006/main" xmlns:r="http://schemas.openxmlformats.org/officeDocument/2006/relationships" xmlns:mc="http://schemas.openxmlformats.org/markup-compatibility/2006" xmlns:mv="urn:schemas-microsoft-com:mac:vml" xmlns:p="http://schemas.openxmlformats.org/presentationml/2006/main" xmlns:c="http://schemas.openxmlformats.org/drawingml/2006/chart" xmlns:dgm="http://schemas.openxmlformats.org/drawingml/2006/diagram" xmlns:o="urn:schemas-microsoft-com:office:office" xmlns:v="urn:schemas-microsoft-com:vml" xmlns:pvml="urn:schemas-microsoft-com:office:powerpoint" xmlns:com="http://schemas.openxmlformats.org/drawingml/2006/compatibility" xmlns:p14="http://schemas.microsoft.com/office/powerpoint/2010/main" type="title">
+<p:sldLayout xmlns:a="http://schemas.openxmlformats.org/drawingml/2006/main" xmlns:r="http://schemas.openxmlformats.org/officeDocument/2006/relationships" xmlns:mc="http://schemas.openxmlformats.org/markup-compatibility/2006" xmlns:mv="urn:schemas-microsoft-com:mac:vml" xmlns:p="http://schemas.openxmlformats.org/presentationml/2006/main" xmlns:c="http://schemas.openxmlformats.org/drawingml/2006/chart" xmlns:dgm="http://schemas.openxmlformats.org/drawingml/2006/diagram" xmlns:o="urn:schemas-microsoft-com:office:office" xmlns:v="urn:schemas-microsoft-com:vml" xmlns:pvml="urn:schemas-microsoft-com:office:powerpoint" xmlns:com="http://schemas.openxmlformats.org/drawingml/2006/compatibility" xmlns:p14="http://schemas.microsoft.com/office/powerpoint/2010/main" xmlns:p15="http://schemas.microsoft.com/office/powerpoint/2012/main" type="title">
   <p:cSld name="Title slide">
     <p:spTree>
       <p:nvGrpSpPr>
@@ -2998,8 +3199,8 @@
         </p:nvSpPr>
         <p:spPr>
           <a:xfrm flipH="1" rot="10800000">
-            <a:off x="0" y="4124512"/>
-            <a:ext cx="8458200" cy="949799"/>
+            <a:off x="0" y="4124513"/>
+            <a:ext cx="8458200" cy="949800"/>
           </a:xfrm>
           <a:prstGeom prst="rect">
             <a:avLst/>
@@ -3012,7 +3213,7 @@
           </a:ln>
         </p:spPr>
         <p:txBody>
-          <a:bodyPr anchorCtr="0" anchor="ctr" bIns="45700" lIns="91425" rIns="91425" tIns="45700">
+          <a:bodyPr anchorCtr="0" anchor="ctr" bIns="45700" lIns="91425" rIns="91425" wrap="square" tIns="45700">
             <a:noAutofit/>
           </a:bodyPr>
           <a:lstStyle/>
@@ -3040,8 +3241,8 @@
         </p:nvSpPr>
         <p:spPr>
           <a:xfrm>
-            <a:off x="685800" y="1734342"/>
-            <a:ext cx="7772400" cy="2245499"/>
+            <a:off x="685800" y="1734343"/>
+            <a:ext cx="7772400" cy="2245500"/>
           </a:xfrm>
           <a:prstGeom prst="rect">
             <a:avLst/>
@@ -3052,7 +3253,7 @@
           </a:ln>
         </p:spPr>
         <p:txBody>
-          <a:bodyPr anchorCtr="0" anchor="b" bIns="91425" lIns="91425" rIns="91425" tIns="91425"/>
+          <a:bodyPr anchorCtr="0" anchor="b" bIns="91425" lIns="91425" rIns="91425" wrap="square" tIns="91425"/>
           <a:lstStyle>
             <a:lvl1pPr lvl="0" rtl="0" algn="l">
               <a:spcBef>
@@ -3249,7 +3450,7 @@
         <p:spPr>
           <a:xfrm>
             <a:off x="685800" y="4124476"/>
-            <a:ext cx="7772400" cy="949799"/>
+            <a:ext cx="7772400" cy="949800"/>
           </a:xfrm>
           <a:prstGeom prst="rect">
             <a:avLst/>
@@ -3260,7 +3461,7 @@
           </a:ln>
         </p:spPr>
         <p:txBody>
-          <a:bodyPr anchorCtr="0" anchor="ctr" bIns="91425" lIns="91425" rIns="91425" tIns="91425"/>
+          <a:bodyPr anchorCtr="0" anchor="ctr" bIns="91425" lIns="91425" rIns="91425" wrap="square" tIns="91425"/>
           <a:lstStyle>
             <a:lvl1pPr lvl="0" rtl="0" algn="l">
               <a:spcBef>
@@ -3455,7 +3656,7 @@
 </file>
 
 <file path=ppt/slideLayouts/slideLayout10.xml><?xml version="1.0" encoding="utf-8"?>
-<p:sldLayout xmlns:a="http://schemas.openxmlformats.org/drawingml/2006/main" xmlns:r="http://schemas.openxmlformats.org/officeDocument/2006/relationships" xmlns:mc="http://schemas.openxmlformats.org/markup-compatibility/2006" xmlns:mv="urn:schemas-microsoft-com:mac:vml" xmlns:p="http://schemas.openxmlformats.org/presentationml/2006/main" xmlns:c="http://schemas.openxmlformats.org/drawingml/2006/chart" xmlns:dgm="http://schemas.openxmlformats.org/drawingml/2006/diagram" xmlns:o="urn:schemas-microsoft-com:office:office" xmlns:v="urn:schemas-microsoft-com:vml" xmlns:pvml="urn:schemas-microsoft-com:office:powerpoint" xmlns:com="http://schemas.openxmlformats.org/drawingml/2006/compatibility" xmlns:p14="http://schemas.microsoft.com/office/powerpoint/2010/main" type="titleOnly">
+<p:sldLayout xmlns:a="http://schemas.openxmlformats.org/drawingml/2006/main" xmlns:r="http://schemas.openxmlformats.org/officeDocument/2006/relationships" xmlns:mc="http://schemas.openxmlformats.org/markup-compatibility/2006" xmlns:mv="urn:schemas-microsoft-com:mac:vml" xmlns:p="http://schemas.openxmlformats.org/presentationml/2006/main" xmlns:c="http://schemas.openxmlformats.org/drawingml/2006/chart" xmlns:dgm="http://schemas.openxmlformats.org/drawingml/2006/diagram" xmlns:o="urn:schemas-microsoft-com:office:office" xmlns:v="urn:schemas-microsoft-com:vml" xmlns:pvml="urn:schemas-microsoft-com:office:powerpoint" xmlns:com="http://schemas.openxmlformats.org/drawingml/2006/compatibility" xmlns:p14="http://schemas.microsoft.com/office/powerpoint/2010/main" xmlns:p15="http://schemas.microsoft.com/office/powerpoint/2012/main" type="titleOnly">
   <p:cSld name="Title only">
     <p:spTree>
       <p:nvGrpSpPr>
@@ -3481,7 +3682,7 @@
         </p:nvSpPr>
         <p:spPr>
           <a:xfrm>
-            <a:off x="457200" y="274637"/>
+            <a:off x="457200" y="274638"/>
             <a:ext cx="8229600" cy="1143300"/>
           </a:xfrm>
           <a:prstGeom prst="rect">
@@ -3489,7 +3690,7 @@
           </a:prstGeom>
         </p:spPr>
         <p:txBody>
-          <a:bodyPr anchorCtr="0" anchor="b" bIns="91425" lIns="91425" rIns="91425" tIns="91425"/>
+          <a:bodyPr anchorCtr="0" anchor="b" bIns="91425" lIns="91425" rIns="91425" wrap="square" tIns="91425"/>
           <a:lstStyle>
             <a:lvl1pPr lvl="0" rtl="0">
               <a:spcBef>
@@ -3584,7 +3785,7 @@
 </file>
 
 <file path=ppt/slideLayouts/slideLayout11.xml><?xml version="1.0" encoding="utf-8"?>
-<p:sldLayout xmlns:a="http://schemas.openxmlformats.org/drawingml/2006/main" xmlns:r="http://schemas.openxmlformats.org/officeDocument/2006/relationships" xmlns:mc="http://schemas.openxmlformats.org/markup-compatibility/2006" xmlns:mv="urn:schemas-microsoft-com:mac:vml" xmlns:p="http://schemas.openxmlformats.org/presentationml/2006/main" xmlns:c="http://schemas.openxmlformats.org/drawingml/2006/chart" xmlns:dgm="http://schemas.openxmlformats.org/drawingml/2006/diagram" xmlns:o="urn:schemas-microsoft-com:office:office" xmlns:v="urn:schemas-microsoft-com:vml" xmlns:pvml="urn:schemas-microsoft-com:office:powerpoint" xmlns:com="http://schemas.openxmlformats.org/drawingml/2006/compatibility" xmlns:p14="http://schemas.microsoft.com/office/powerpoint/2010/main">
+<p:sldLayout xmlns:a="http://schemas.openxmlformats.org/drawingml/2006/main" xmlns:r="http://schemas.openxmlformats.org/officeDocument/2006/relationships" xmlns:mc="http://schemas.openxmlformats.org/markup-compatibility/2006" xmlns:mv="urn:schemas-microsoft-com:mac:vml" xmlns:p="http://schemas.openxmlformats.org/presentationml/2006/main" xmlns:c="http://schemas.openxmlformats.org/drawingml/2006/chart" xmlns:dgm="http://schemas.openxmlformats.org/drawingml/2006/diagram" xmlns:o="urn:schemas-microsoft-com:office:office" xmlns:v="urn:schemas-microsoft-com:vml" xmlns:pvml="urn:schemas-microsoft-com:office:powerpoint" xmlns:com="http://schemas.openxmlformats.org/drawingml/2006/compatibility" xmlns:p14="http://schemas.microsoft.com/office/powerpoint/2010/main" xmlns:p15="http://schemas.microsoft.com/office/powerpoint/2012/main">
   <p:cSld name="Caption">
     <p:spTree>
       <p:nvGrpSpPr>
@@ -3610,7 +3811,7 @@
         </p:nvSpPr>
         <p:spPr>
           <a:xfrm>
-            <a:off x="457200" y="5875078"/>
+            <a:off x="457200" y="5875079"/>
             <a:ext cx="8229600" cy="692700"/>
           </a:xfrm>
           <a:prstGeom prst="rect">
@@ -3618,7 +3819,7 @@
           </a:prstGeom>
         </p:spPr>
         <p:txBody>
-          <a:bodyPr anchorCtr="0" anchor="t" bIns="91425" lIns="91425" rIns="91425" tIns="91425"/>
+          <a:bodyPr anchorCtr="0" anchor="t" bIns="91425" lIns="91425" rIns="91425" wrap="square" tIns="91425"/>
           <a:lstStyle>
             <a:lvl1pPr lvl="0" rtl="0" algn="ctr">
               <a:spcBef>
@@ -3667,7 +3868,7 @@
 </file>
 
 <file path=ppt/slideLayouts/slideLayout12.xml><?xml version="1.0" encoding="utf-8"?>
-<p:sldLayout xmlns:a="http://schemas.openxmlformats.org/drawingml/2006/main" xmlns:r="http://schemas.openxmlformats.org/officeDocument/2006/relationships" xmlns:mc="http://schemas.openxmlformats.org/markup-compatibility/2006" xmlns:mv="urn:schemas-microsoft-com:mac:vml" xmlns:p="http://schemas.openxmlformats.org/presentationml/2006/main" xmlns:c="http://schemas.openxmlformats.org/drawingml/2006/chart" xmlns:dgm="http://schemas.openxmlformats.org/drawingml/2006/diagram" xmlns:o="urn:schemas-microsoft-com:office:office" xmlns:v="urn:schemas-microsoft-com:vml" xmlns:pvml="urn:schemas-microsoft-com:office:powerpoint" xmlns:com="http://schemas.openxmlformats.org/drawingml/2006/compatibility" xmlns:p14="http://schemas.microsoft.com/office/powerpoint/2010/main" type="blank">
+<p:sldLayout xmlns:a="http://schemas.openxmlformats.org/drawingml/2006/main" xmlns:r="http://schemas.openxmlformats.org/officeDocument/2006/relationships" xmlns:mc="http://schemas.openxmlformats.org/markup-compatibility/2006" xmlns:mv="urn:schemas-microsoft-com:mac:vml" xmlns:p="http://schemas.openxmlformats.org/presentationml/2006/main" xmlns:c="http://schemas.openxmlformats.org/drawingml/2006/chart" xmlns:dgm="http://schemas.openxmlformats.org/drawingml/2006/diagram" xmlns:o="urn:schemas-microsoft-com:office:office" xmlns:v="urn:schemas-microsoft-com:vml" xmlns:pvml="urn:schemas-microsoft-com:office:powerpoint" xmlns:com="http://schemas.openxmlformats.org/drawingml/2006/compatibility" xmlns:p14="http://schemas.microsoft.com/office/powerpoint/2010/main" xmlns:p15="http://schemas.microsoft.com/office/powerpoint/2012/main" type="blank">
   <p:cSld name="Blank">
     <p:spTree>
       <p:nvGrpSpPr>
@@ -3718,7 +3919,7 @@
 </file>
 
 <file path=ppt/slideLayouts/slideLayout13.xml><?xml version="1.0" encoding="utf-8"?>
-<p:sldLayout xmlns:a="http://schemas.openxmlformats.org/drawingml/2006/main" xmlns:r="http://schemas.openxmlformats.org/officeDocument/2006/relationships" xmlns:mc="http://schemas.openxmlformats.org/markup-compatibility/2006" xmlns:mv="urn:schemas-microsoft-com:mac:vml" xmlns:p="http://schemas.openxmlformats.org/presentationml/2006/main" xmlns:c="http://schemas.openxmlformats.org/drawingml/2006/chart" xmlns:dgm="http://schemas.openxmlformats.org/drawingml/2006/diagram" xmlns:o="urn:schemas-microsoft-com:office:office" xmlns:v="urn:schemas-microsoft-com:vml" xmlns:pvml="urn:schemas-microsoft-com:office:powerpoint" xmlns:com="http://schemas.openxmlformats.org/drawingml/2006/compatibility" xmlns:p14="http://schemas.microsoft.com/office/powerpoint/2010/main" type="obj">
+<p:sldLayout xmlns:a="http://schemas.openxmlformats.org/drawingml/2006/main" xmlns:r="http://schemas.openxmlformats.org/officeDocument/2006/relationships" xmlns:mc="http://schemas.openxmlformats.org/markup-compatibility/2006" xmlns:mv="urn:schemas-microsoft-com:mac:vml" xmlns:p="http://schemas.openxmlformats.org/presentationml/2006/main" xmlns:c="http://schemas.openxmlformats.org/drawingml/2006/chart" xmlns:dgm="http://schemas.openxmlformats.org/drawingml/2006/diagram" xmlns:o="urn:schemas-microsoft-com:office:office" xmlns:v="urn:schemas-microsoft-com:vml" xmlns:pvml="urn:schemas-microsoft-com:office:powerpoint" xmlns:com="http://schemas.openxmlformats.org/drawingml/2006/compatibility" xmlns:p14="http://schemas.microsoft.com/office/powerpoint/2010/main" xmlns:p15="http://schemas.microsoft.com/office/powerpoint/2012/main" type="obj">
   <p:cSld name="OBJECT">
     <p:spTree>
       <p:nvGrpSpPr>
@@ -3756,7 +3957,7 @@
           </a:ln>
         </p:spPr>
         <p:txBody>
-          <a:bodyPr anchorCtr="0" anchor="t" bIns="91425" lIns="91425" rIns="91425" tIns="91425"/>
+          <a:bodyPr anchorCtr="0" anchor="t" bIns="91425" lIns="91425" rIns="91425" wrap="square" tIns="91425"/>
           <a:lstStyle>
             <a:lvl1pPr lvl="0" rtl="0" algn="ctr">
               <a:spcBef>
@@ -3851,7 +4052,7 @@
           </a:ln>
         </p:spPr>
         <p:txBody>
-          <a:bodyPr anchorCtr="0" anchor="t" bIns="91425" lIns="91425" rIns="91425" tIns="91425"/>
+          <a:bodyPr anchorCtr="0" anchor="t" bIns="91425" lIns="91425" rIns="91425" wrap="square" tIns="91425"/>
           <a:lstStyle>
             <a:lvl1pPr indent="-222250" lvl="0" marL="342900" rtl="0" algn="l">
               <a:spcBef>
@@ -4037,7 +4238,7 @@
 </file>
 
 <file path=ppt/slideLayouts/slideLayout2.xml><?xml version="1.0" encoding="utf-8"?>
-<p:sldLayout xmlns:a="http://schemas.openxmlformats.org/drawingml/2006/main" xmlns:r="http://schemas.openxmlformats.org/officeDocument/2006/relationships" xmlns:mc="http://schemas.openxmlformats.org/markup-compatibility/2006" xmlns:mv="urn:schemas-microsoft-com:mac:vml" xmlns:p="http://schemas.openxmlformats.org/presentationml/2006/main" xmlns:c="http://schemas.openxmlformats.org/drawingml/2006/chart" xmlns:dgm="http://schemas.openxmlformats.org/drawingml/2006/diagram" xmlns:o="urn:schemas-microsoft-com:office:office" xmlns:v="urn:schemas-microsoft-com:vml" xmlns:pvml="urn:schemas-microsoft-com:office:powerpoint" xmlns:com="http://schemas.openxmlformats.org/drawingml/2006/compatibility" xmlns:p14="http://schemas.microsoft.com/office/powerpoint/2010/main" type="tx">
+<p:sldLayout xmlns:a="http://schemas.openxmlformats.org/drawingml/2006/main" xmlns:r="http://schemas.openxmlformats.org/officeDocument/2006/relationships" xmlns:mc="http://schemas.openxmlformats.org/markup-compatibility/2006" xmlns:mv="urn:schemas-microsoft-com:mac:vml" xmlns:p="http://schemas.openxmlformats.org/presentationml/2006/main" xmlns:c="http://schemas.openxmlformats.org/drawingml/2006/chart" xmlns:dgm="http://schemas.openxmlformats.org/drawingml/2006/diagram" xmlns:o="urn:schemas-microsoft-com:office:office" xmlns:v="urn:schemas-microsoft-com:vml" xmlns:pvml="urn:schemas-microsoft-com:office:powerpoint" xmlns:com="http://schemas.openxmlformats.org/drawingml/2006/compatibility" xmlns:p14="http://schemas.microsoft.com/office/powerpoint/2010/main" xmlns:p15="http://schemas.microsoft.com/office/powerpoint/2012/main" type="tx">
   <p:cSld name="Title and body">
     <p:spTree>
       <p:nvGrpSpPr>
@@ -4075,7 +4276,7 @@
           </a:ln>
         </p:spPr>
         <p:txBody>
-          <a:bodyPr anchorCtr="0" anchor="ctr" bIns="45700" lIns="91425" rIns="91425" tIns="45700">
+          <a:bodyPr anchorCtr="0" anchor="ctr" bIns="45700" lIns="91425" rIns="91425" wrap="square" tIns="45700">
             <a:noAutofit/>
           </a:bodyPr>
           <a:lstStyle/>
@@ -4104,7 +4305,7 @@
         <p:spPr>
           <a:xfrm>
             <a:off x="457200" y="274637"/>
-            <a:ext cx="8229600" cy="1522199"/>
+            <a:ext cx="8229600" cy="1522200"/>
           </a:xfrm>
           <a:prstGeom prst="rect">
             <a:avLst/>
@@ -4115,7 +4316,7 @@
           </a:ln>
         </p:spPr>
         <p:txBody>
-          <a:bodyPr anchorCtr="0" anchor="b" bIns="91425" lIns="91425" rIns="91425" tIns="91425"/>
+          <a:bodyPr anchorCtr="0" anchor="b" bIns="91425" lIns="91425" rIns="91425" wrap="square" tIns="91425"/>
           <a:lstStyle>
             <a:lvl1pPr lvl="0" rtl="0">
               <a:spcBef>
@@ -4222,7 +4423,7 @@
         <p:spPr>
           <a:xfrm>
             <a:off x="457200" y="1947332"/>
-            <a:ext cx="8229600" cy="4620299"/>
+            <a:ext cx="8229600" cy="4620300"/>
           </a:xfrm>
           <a:prstGeom prst="rect">
             <a:avLst/>
@@ -4233,7 +4434,7 @@
           </a:ln>
         </p:spPr>
         <p:txBody>
-          <a:bodyPr anchorCtr="0" anchor="t" bIns="91425" lIns="91425" rIns="91425" tIns="91425"/>
+          <a:bodyPr anchorCtr="0" anchor="t" bIns="91425" lIns="91425" rIns="91425" wrap="square" tIns="91425"/>
           <a:lstStyle>
             <a:lvl1pPr lvl="0" rtl="0">
               <a:spcBef>
@@ -4302,7 +4503,7 @@
 </file>
 
 <file path=ppt/slideLayouts/slideLayout3.xml><?xml version="1.0" encoding="utf-8"?>
-<p:sldLayout xmlns:a="http://schemas.openxmlformats.org/drawingml/2006/main" xmlns:r="http://schemas.openxmlformats.org/officeDocument/2006/relationships" xmlns:mc="http://schemas.openxmlformats.org/markup-compatibility/2006" xmlns:mv="urn:schemas-microsoft-com:mac:vml" xmlns:p="http://schemas.openxmlformats.org/presentationml/2006/main" xmlns:c="http://schemas.openxmlformats.org/drawingml/2006/chart" xmlns:dgm="http://schemas.openxmlformats.org/drawingml/2006/diagram" xmlns:o="urn:schemas-microsoft-com:office:office" xmlns:v="urn:schemas-microsoft-com:vml" xmlns:pvml="urn:schemas-microsoft-com:office:powerpoint" xmlns:com="http://schemas.openxmlformats.org/drawingml/2006/compatibility" xmlns:p14="http://schemas.microsoft.com/office/powerpoint/2010/main" type="twoColTx">
+<p:sldLayout xmlns:a="http://schemas.openxmlformats.org/drawingml/2006/main" xmlns:r="http://schemas.openxmlformats.org/officeDocument/2006/relationships" xmlns:mc="http://schemas.openxmlformats.org/markup-compatibility/2006" xmlns:mv="urn:schemas-microsoft-com:mac:vml" xmlns:p="http://schemas.openxmlformats.org/presentationml/2006/main" xmlns:c="http://schemas.openxmlformats.org/drawingml/2006/chart" xmlns:dgm="http://schemas.openxmlformats.org/drawingml/2006/diagram" xmlns:o="urn:schemas-microsoft-com:office:office" xmlns:v="urn:schemas-microsoft-com:vml" xmlns:pvml="urn:schemas-microsoft-com:office:powerpoint" xmlns:com="http://schemas.openxmlformats.org/drawingml/2006/compatibility" xmlns:p14="http://schemas.microsoft.com/office/powerpoint/2010/main" xmlns:p15="http://schemas.microsoft.com/office/powerpoint/2012/main" type="twoColTx">
   <p:cSld name="Title and two columns">
     <p:spTree>
       <p:nvGrpSpPr>
@@ -4340,7 +4541,7 @@
           </a:ln>
         </p:spPr>
         <p:txBody>
-          <a:bodyPr anchorCtr="0" anchor="ctr" bIns="45700" lIns="91425" rIns="91425" tIns="45700">
+          <a:bodyPr anchorCtr="0" anchor="ctr" bIns="45700" lIns="91425" rIns="91425" wrap="square" tIns="45700">
             <a:noAutofit/>
           </a:bodyPr>
           <a:lstStyle/>
@@ -4369,7 +4570,7 @@
         <p:spPr>
           <a:xfrm>
             <a:off x="457200" y="274637"/>
-            <a:ext cx="8229600" cy="1522199"/>
+            <a:ext cx="8229600" cy="1522200"/>
           </a:xfrm>
           <a:prstGeom prst="rect">
             <a:avLst/>
@@ -4380,7 +4581,7 @@
           </a:ln>
         </p:spPr>
         <p:txBody>
-          <a:bodyPr anchorCtr="0" anchor="b" bIns="91425" lIns="91425" rIns="91425" tIns="91425"/>
+          <a:bodyPr anchorCtr="0" anchor="b" bIns="91425" lIns="91425" rIns="91425" wrap="square" tIns="91425"/>
           <a:lstStyle>
             <a:lvl1pPr lvl="0" rtl="0" algn="l">
               <a:spcBef>
@@ -4550,7 +4751,7 @@
         <p:spPr>
           <a:xfrm>
             <a:off x="457200" y="1947332"/>
-            <a:ext cx="4030200" cy="4620299"/>
+            <a:ext cx="4030200" cy="4620300"/>
           </a:xfrm>
           <a:prstGeom prst="rect">
             <a:avLst/>
@@ -4561,7 +4762,7 @@
           </a:ln>
         </p:spPr>
         <p:txBody>
-          <a:bodyPr anchorCtr="0" anchor="t" bIns="91425" lIns="91425" rIns="91425" tIns="91425"/>
+          <a:bodyPr anchorCtr="0" anchor="t" bIns="91425" lIns="91425" rIns="91425" wrap="square" tIns="91425"/>
           <a:lstStyle>
             <a:lvl1pPr lvl="0" rtl="0">
               <a:spcBef>
@@ -4631,8 +4832,8 @@
         </p:nvSpPr>
         <p:spPr>
           <a:xfrm>
-            <a:off x="4656667" y="1949211"/>
-            <a:ext cx="4030200" cy="4620299"/>
+            <a:off x="4656667" y="1949212"/>
+            <a:ext cx="4030200" cy="4620300"/>
           </a:xfrm>
           <a:prstGeom prst="rect">
             <a:avLst/>
@@ -4643,7 +4844,7 @@
           </a:ln>
         </p:spPr>
         <p:txBody>
-          <a:bodyPr anchorCtr="0" anchor="t" bIns="91425" lIns="91425" rIns="91425" tIns="91425"/>
+          <a:bodyPr anchorCtr="0" anchor="t" bIns="91425" lIns="91425" rIns="91425" wrap="square" tIns="91425"/>
           <a:lstStyle>
             <a:lvl1pPr lvl="0" rtl="0">
               <a:spcBef>
@@ -4712,7 +4913,7 @@
 </file>
 
 <file path=ppt/slideLayouts/slideLayout4.xml><?xml version="1.0" encoding="utf-8"?>
-<p:sldLayout xmlns:a="http://schemas.openxmlformats.org/drawingml/2006/main" xmlns:r="http://schemas.openxmlformats.org/officeDocument/2006/relationships" xmlns:mc="http://schemas.openxmlformats.org/markup-compatibility/2006" xmlns:mv="urn:schemas-microsoft-com:mac:vml" xmlns:p="http://schemas.openxmlformats.org/presentationml/2006/main" xmlns:c="http://schemas.openxmlformats.org/drawingml/2006/chart" xmlns:dgm="http://schemas.openxmlformats.org/drawingml/2006/diagram" xmlns:o="urn:schemas-microsoft-com:office:office" xmlns:v="urn:schemas-microsoft-com:vml" xmlns:pvml="urn:schemas-microsoft-com:office:powerpoint" xmlns:com="http://schemas.openxmlformats.org/drawingml/2006/compatibility" xmlns:p14="http://schemas.microsoft.com/office/powerpoint/2010/main" type="titleOnly">
+<p:sldLayout xmlns:a="http://schemas.openxmlformats.org/drawingml/2006/main" xmlns:r="http://schemas.openxmlformats.org/officeDocument/2006/relationships" xmlns:mc="http://schemas.openxmlformats.org/markup-compatibility/2006" xmlns:mv="urn:schemas-microsoft-com:mac:vml" xmlns:p="http://schemas.openxmlformats.org/presentationml/2006/main" xmlns:c="http://schemas.openxmlformats.org/drawingml/2006/chart" xmlns:dgm="http://schemas.openxmlformats.org/drawingml/2006/diagram" xmlns:o="urn:schemas-microsoft-com:office:office" xmlns:v="urn:schemas-microsoft-com:vml" xmlns:pvml="urn:schemas-microsoft-com:office:powerpoint" xmlns:com="http://schemas.openxmlformats.org/drawingml/2006/compatibility" xmlns:p14="http://schemas.microsoft.com/office/powerpoint/2010/main" xmlns:p15="http://schemas.microsoft.com/office/powerpoint/2012/main" type="titleOnly">
   <p:cSld name="Title only">
     <p:spTree>
       <p:nvGrpSpPr>
@@ -4750,7 +4951,7 @@
           </a:ln>
         </p:spPr>
         <p:txBody>
-          <a:bodyPr anchorCtr="0" anchor="ctr" bIns="45700" lIns="91425" rIns="91425" tIns="45700">
+          <a:bodyPr anchorCtr="0" anchor="ctr" bIns="45700" lIns="91425" rIns="91425" wrap="square" tIns="45700">
             <a:noAutofit/>
           </a:bodyPr>
           <a:lstStyle/>
@@ -4779,7 +4980,7 @@
         <p:spPr>
           <a:xfrm>
             <a:off x="457200" y="274637"/>
-            <a:ext cx="8229600" cy="1522199"/>
+            <a:ext cx="8229600" cy="1522200"/>
           </a:xfrm>
           <a:prstGeom prst="rect">
             <a:avLst/>
@@ -4790,7 +4991,7 @@
           </a:ln>
         </p:spPr>
         <p:txBody>
-          <a:bodyPr anchorCtr="0" anchor="b" bIns="91425" lIns="91425" rIns="91425" tIns="91425"/>
+          <a:bodyPr anchorCtr="0" anchor="b" bIns="91425" lIns="91425" rIns="91425" wrap="square" tIns="91425"/>
           <a:lstStyle>
             <a:lvl1pPr lvl="0" rtl="0" algn="l">
               <a:spcBef>
@@ -4958,7 +5159,7 @@
 </file>
 
 <file path=ppt/slideLayouts/slideLayout5.xml><?xml version="1.0" encoding="utf-8"?>
-<p:sldLayout xmlns:a="http://schemas.openxmlformats.org/drawingml/2006/main" xmlns:r="http://schemas.openxmlformats.org/officeDocument/2006/relationships" xmlns:mc="http://schemas.openxmlformats.org/markup-compatibility/2006" xmlns:mv="urn:schemas-microsoft-com:mac:vml" xmlns:p="http://schemas.openxmlformats.org/presentationml/2006/main" xmlns:c="http://schemas.openxmlformats.org/drawingml/2006/chart" xmlns:dgm="http://schemas.openxmlformats.org/drawingml/2006/diagram" xmlns:o="urn:schemas-microsoft-com:office:office" xmlns:v="urn:schemas-microsoft-com:vml" xmlns:pvml="urn:schemas-microsoft-com:office:powerpoint" xmlns:com="http://schemas.openxmlformats.org/drawingml/2006/compatibility" xmlns:p14="http://schemas.microsoft.com/office/powerpoint/2010/main">
+<p:sldLayout xmlns:a="http://schemas.openxmlformats.org/drawingml/2006/main" xmlns:r="http://schemas.openxmlformats.org/officeDocument/2006/relationships" xmlns:mc="http://schemas.openxmlformats.org/markup-compatibility/2006" xmlns:mv="urn:schemas-microsoft-com:mac:vml" xmlns:p="http://schemas.openxmlformats.org/presentationml/2006/main" xmlns:c="http://schemas.openxmlformats.org/drawingml/2006/chart" xmlns:dgm="http://schemas.openxmlformats.org/drawingml/2006/diagram" xmlns:o="urn:schemas-microsoft-com:office:office" xmlns:v="urn:schemas-microsoft-com:vml" xmlns:pvml="urn:schemas-microsoft-com:office:powerpoint" xmlns:com="http://schemas.openxmlformats.org/drawingml/2006/compatibility" xmlns:p14="http://schemas.microsoft.com/office/powerpoint/2010/main" xmlns:p15="http://schemas.microsoft.com/office/powerpoint/2012/main">
   <p:cSld name="Caption">
     <p:spTree>
       <p:nvGrpSpPr>
@@ -4982,7 +5183,7 @@
         </p:nvSpPr>
         <p:spPr>
           <a:xfrm>
-            <a:off x="0" y="5875078"/>
+            <a:off x="0" y="5875079"/>
             <a:ext cx="8686800" cy="692700"/>
           </a:xfrm>
           <a:prstGeom prst="rect">
@@ -4996,7 +5197,7 @@
           </a:ln>
         </p:spPr>
         <p:txBody>
-          <a:bodyPr anchorCtr="0" anchor="ctr" bIns="45700" lIns="91425" rIns="91425" tIns="45700">
+          <a:bodyPr anchorCtr="0" anchor="ctr" bIns="45700" lIns="91425" rIns="91425" wrap="square" tIns="45700">
             <a:noAutofit/>
           </a:bodyPr>
           <a:lstStyle/>
@@ -5024,7 +5225,7 @@
         </p:nvSpPr>
         <p:spPr>
           <a:xfrm>
-            <a:off x="457200" y="5875078"/>
+            <a:off x="457200" y="5875079"/>
             <a:ext cx="8229600" cy="692700"/>
           </a:xfrm>
           <a:prstGeom prst="rect">
@@ -5036,7 +5237,7 @@
           </a:ln>
         </p:spPr>
         <p:txBody>
-          <a:bodyPr anchorCtr="0" anchor="ctr" bIns="91425" lIns="91425" rIns="91425" tIns="91425"/>
+          <a:bodyPr anchorCtr="0" anchor="ctr" bIns="91425" lIns="91425" rIns="91425" wrap="square" tIns="91425"/>
           <a:lstStyle>
             <a:lvl1pPr lvl="0" rtl="0" algn="l">
               <a:lnSpc>
@@ -5249,7 +5450,7 @@
 </file>
 
 <file path=ppt/slideLayouts/slideLayout6.xml><?xml version="1.0" encoding="utf-8"?>
-<p:sldLayout xmlns:a="http://schemas.openxmlformats.org/drawingml/2006/main" xmlns:r="http://schemas.openxmlformats.org/officeDocument/2006/relationships" xmlns:mc="http://schemas.openxmlformats.org/markup-compatibility/2006" xmlns:mv="urn:schemas-microsoft-com:mac:vml" xmlns:p="http://schemas.openxmlformats.org/presentationml/2006/main" xmlns:c="http://schemas.openxmlformats.org/drawingml/2006/chart" xmlns:dgm="http://schemas.openxmlformats.org/drawingml/2006/diagram" xmlns:o="urn:schemas-microsoft-com:office:office" xmlns:v="urn:schemas-microsoft-com:vml" xmlns:pvml="urn:schemas-microsoft-com:office:powerpoint" xmlns:com="http://schemas.openxmlformats.org/drawingml/2006/compatibility" xmlns:p14="http://schemas.microsoft.com/office/powerpoint/2010/main" type="blank">
+<p:sldLayout xmlns:a="http://schemas.openxmlformats.org/drawingml/2006/main" xmlns:r="http://schemas.openxmlformats.org/officeDocument/2006/relationships" xmlns:mc="http://schemas.openxmlformats.org/markup-compatibility/2006" xmlns:mv="urn:schemas-microsoft-com:mac:vml" xmlns:p="http://schemas.openxmlformats.org/presentationml/2006/main" xmlns:c="http://schemas.openxmlformats.org/drawingml/2006/chart" xmlns:dgm="http://schemas.openxmlformats.org/drawingml/2006/diagram" xmlns:o="urn:schemas-microsoft-com:office:office" xmlns:v="urn:schemas-microsoft-com:vml" xmlns:pvml="urn:schemas-microsoft-com:office:powerpoint" xmlns:com="http://schemas.openxmlformats.org/drawingml/2006/compatibility" xmlns:p14="http://schemas.microsoft.com/office/powerpoint/2010/main" xmlns:p15="http://schemas.microsoft.com/office/powerpoint/2012/main" type="blank">
   <p:cSld name="Blank">
     <p:spTree>
       <p:nvGrpSpPr>
@@ -5274,7 +5475,7 @@
 </file>
 
 <file path=ppt/slideLayouts/slideLayout7.xml><?xml version="1.0" encoding="utf-8"?>
-<p:sldLayout xmlns:a="http://schemas.openxmlformats.org/drawingml/2006/main" xmlns:r="http://schemas.openxmlformats.org/officeDocument/2006/relationships" xmlns:mc="http://schemas.openxmlformats.org/markup-compatibility/2006" xmlns:mv="urn:schemas-microsoft-com:mac:vml" xmlns:p="http://schemas.openxmlformats.org/presentationml/2006/main" xmlns:c="http://schemas.openxmlformats.org/drawingml/2006/chart" xmlns:dgm="http://schemas.openxmlformats.org/drawingml/2006/diagram" xmlns:o="urn:schemas-microsoft-com:office:office" xmlns:v="urn:schemas-microsoft-com:vml" xmlns:pvml="urn:schemas-microsoft-com:office:powerpoint" xmlns:com="http://schemas.openxmlformats.org/drawingml/2006/compatibility" xmlns:p14="http://schemas.microsoft.com/office/powerpoint/2010/main" type="title">
+<p:sldLayout xmlns:a="http://schemas.openxmlformats.org/drawingml/2006/main" xmlns:r="http://schemas.openxmlformats.org/officeDocument/2006/relationships" xmlns:mc="http://schemas.openxmlformats.org/markup-compatibility/2006" xmlns:mv="urn:schemas-microsoft-com:mac:vml" xmlns:p="http://schemas.openxmlformats.org/presentationml/2006/main" xmlns:c="http://schemas.openxmlformats.org/drawingml/2006/chart" xmlns:dgm="http://schemas.openxmlformats.org/drawingml/2006/diagram" xmlns:o="urn:schemas-microsoft-com:office:office" xmlns:v="urn:schemas-microsoft-com:vml" xmlns:pvml="urn:schemas-microsoft-com:office:powerpoint" xmlns:com="http://schemas.openxmlformats.org/drawingml/2006/compatibility" xmlns:p14="http://schemas.microsoft.com/office/powerpoint/2010/main" xmlns:p15="http://schemas.microsoft.com/office/powerpoint/2012/main" type="title">
   <p:cSld name="Title slide">
     <p:spTree>
       <p:nvGrpSpPr>
@@ -5300,7 +5501,7 @@
         </p:nvSpPr>
         <p:spPr>
           <a:xfrm>
-            <a:off x="457200" y="751679"/>
+            <a:off x="457200" y="751680"/>
             <a:ext cx="8229600" cy="4012500"/>
           </a:xfrm>
           <a:prstGeom prst="rect">
@@ -5308,7 +5509,7 @@
           </a:prstGeom>
         </p:spPr>
         <p:txBody>
-          <a:bodyPr anchorCtr="0" anchor="t" bIns="91425" lIns="91425" rIns="91425" tIns="91425"/>
+          <a:bodyPr anchorCtr="0" anchor="t" bIns="91425" lIns="91425" rIns="91425" wrap="square" tIns="91425"/>
           <a:lstStyle>
             <a:lvl1pPr lvl="0" rtl="0">
               <a:spcBef>
@@ -5387,15 +5588,15 @@
         </p:nvSpPr>
         <p:spPr>
           <a:xfrm>
-            <a:off x="457200" y="4955189"/>
-            <a:ext cx="8229600" cy="1643699"/>
+            <a:off x="457200" y="4955190"/>
+            <a:ext cx="8229600" cy="1643700"/>
           </a:xfrm>
           <a:prstGeom prst="rect">
             <a:avLst/>
           </a:prstGeom>
         </p:spPr>
         <p:txBody>
-          <a:bodyPr anchorCtr="0" anchor="t" bIns="91425" lIns="91425" rIns="91425" tIns="91425"/>
+          <a:bodyPr anchorCtr="0" anchor="t" bIns="91425" lIns="91425" rIns="91425" wrap="square" tIns="91425"/>
           <a:lstStyle>
             <a:lvl1pPr lvl="0" rtl="0">
               <a:spcBef>
@@ -5544,7 +5745,7 @@
         </p:nvCxnSpPr>
         <p:spPr>
           <a:xfrm>
-            <a:off x="457200" y="548639"/>
+            <a:off x="457200" y="548640"/>
             <a:ext cx="8229600" cy="0"/>
           </a:xfrm>
           <a:prstGeom prst="straightConnector1">
@@ -5597,7 +5798,7 @@
 </file>
 
 <file path=ppt/slideLayouts/slideLayout8.xml><?xml version="1.0" encoding="utf-8"?>
-<p:sldLayout xmlns:a="http://schemas.openxmlformats.org/drawingml/2006/main" xmlns:r="http://schemas.openxmlformats.org/officeDocument/2006/relationships" xmlns:mc="http://schemas.openxmlformats.org/markup-compatibility/2006" xmlns:mv="urn:schemas-microsoft-com:mac:vml" xmlns:p="http://schemas.openxmlformats.org/presentationml/2006/main" xmlns:c="http://schemas.openxmlformats.org/drawingml/2006/chart" xmlns:dgm="http://schemas.openxmlformats.org/drawingml/2006/diagram" xmlns:o="urn:schemas-microsoft-com:office:office" xmlns:v="urn:schemas-microsoft-com:vml" xmlns:pvml="urn:schemas-microsoft-com:office:powerpoint" xmlns:com="http://schemas.openxmlformats.org/drawingml/2006/compatibility" xmlns:p14="http://schemas.microsoft.com/office/powerpoint/2010/main" type="tx">
+<p:sldLayout xmlns:a="http://schemas.openxmlformats.org/drawingml/2006/main" xmlns:r="http://schemas.openxmlformats.org/officeDocument/2006/relationships" xmlns:mc="http://schemas.openxmlformats.org/markup-compatibility/2006" xmlns:mv="urn:schemas-microsoft-com:mac:vml" xmlns:p="http://schemas.openxmlformats.org/presentationml/2006/main" xmlns:c="http://schemas.openxmlformats.org/drawingml/2006/chart" xmlns:dgm="http://schemas.openxmlformats.org/drawingml/2006/diagram" xmlns:o="urn:schemas-microsoft-com:office:office" xmlns:v="urn:schemas-microsoft-com:vml" xmlns:pvml="urn:schemas-microsoft-com:office:powerpoint" xmlns:com="http://schemas.openxmlformats.org/drawingml/2006/compatibility" xmlns:p14="http://schemas.microsoft.com/office/powerpoint/2010/main" xmlns:p15="http://schemas.microsoft.com/office/powerpoint/2012/main" type="tx">
   <p:cSld name="Title and body">
     <p:spTree>
       <p:nvGrpSpPr>
@@ -5623,7 +5824,7 @@
         </p:nvSpPr>
         <p:spPr>
           <a:xfrm>
-            <a:off x="457200" y="274637"/>
+            <a:off x="457200" y="274638"/>
             <a:ext cx="8229600" cy="1143300"/>
           </a:xfrm>
           <a:prstGeom prst="rect">
@@ -5631,7 +5832,7 @@
           </a:prstGeom>
         </p:spPr>
         <p:txBody>
-          <a:bodyPr anchorCtr="0" anchor="b" bIns="91425" lIns="91425" rIns="91425" tIns="91425"/>
+          <a:bodyPr anchorCtr="0" anchor="b" bIns="91425" lIns="91425" rIns="91425" wrap="square" tIns="91425"/>
           <a:lstStyle>
             <a:lvl1pPr lvl="0" rtl="0">
               <a:spcBef>
@@ -5745,7 +5946,7 @@
           </a:prstGeom>
         </p:spPr>
         <p:txBody>
-          <a:bodyPr anchorCtr="0" anchor="t" bIns="91425" lIns="91425" rIns="91425" tIns="91425"/>
+          <a:bodyPr anchorCtr="0" anchor="t" bIns="91425" lIns="91425" rIns="91425" wrap="square" tIns="91425"/>
           <a:lstStyle>
             <a:lvl1pPr lvl="0" rtl="0">
               <a:spcBef>
@@ -5840,7 +6041,7 @@
 </file>
 
 <file path=ppt/slideLayouts/slideLayout9.xml><?xml version="1.0" encoding="utf-8"?>
-<p:sldLayout xmlns:a="http://schemas.openxmlformats.org/drawingml/2006/main" xmlns:r="http://schemas.openxmlformats.org/officeDocument/2006/relationships" xmlns:mc="http://schemas.openxmlformats.org/markup-compatibility/2006" xmlns:mv="urn:schemas-microsoft-com:mac:vml" xmlns:p="http://schemas.openxmlformats.org/presentationml/2006/main" xmlns:c="http://schemas.openxmlformats.org/drawingml/2006/chart" xmlns:dgm="http://schemas.openxmlformats.org/drawingml/2006/diagram" xmlns:o="urn:schemas-microsoft-com:office:office" xmlns:v="urn:schemas-microsoft-com:vml" xmlns:pvml="urn:schemas-microsoft-com:office:powerpoint" xmlns:com="http://schemas.openxmlformats.org/drawingml/2006/compatibility" xmlns:p14="http://schemas.microsoft.com/office/powerpoint/2010/main" type="twoColTx">
+<p:sldLayout xmlns:a="http://schemas.openxmlformats.org/drawingml/2006/main" xmlns:r="http://schemas.openxmlformats.org/officeDocument/2006/relationships" xmlns:mc="http://schemas.openxmlformats.org/markup-compatibility/2006" xmlns:mv="urn:schemas-microsoft-com:mac:vml" xmlns:p="http://schemas.openxmlformats.org/presentationml/2006/main" xmlns:c="http://schemas.openxmlformats.org/drawingml/2006/chart" xmlns:dgm="http://schemas.openxmlformats.org/drawingml/2006/diagram" xmlns:o="urn:schemas-microsoft-com:office:office" xmlns:v="urn:schemas-microsoft-com:vml" xmlns:pvml="urn:schemas-microsoft-com:office:powerpoint" xmlns:com="http://schemas.openxmlformats.org/drawingml/2006/compatibility" xmlns:p14="http://schemas.microsoft.com/office/powerpoint/2010/main" xmlns:p15="http://schemas.microsoft.com/office/powerpoint/2012/main" type="twoColTx">
   <p:cSld name="Title and two columns">
     <p:spTree>
       <p:nvGrpSpPr>
@@ -5866,7 +6067,7 @@
         </p:nvSpPr>
         <p:spPr>
           <a:xfrm>
-            <a:off x="457200" y="274637"/>
+            <a:off x="457200" y="274638"/>
             <a:ext cx="8229600" cy="1143300"/>
           </a:xfrm>
           <a:prstGeom prst="rect">
@@ -5874,7 +6075,7 @@
           </a:prstGeom>
         </p:spPr>
         <p:txBody>
-          <a:bodyPr anchorCtr="0" anchor="b" bIns="91425" lIns="91425" rIns="91425" tIns="91425"/>
+          <a:bodyPr anchorCtr="0" anchor="b" bIns="91425" lIns="91425" rIns="91425" wrap="square" tIns="91425"/>
           <a:lstStyle>
             <a:lvl1pPr lvl="0" rtl="0">
               <a:spcBef>
@@ -5988,7 +6189,7 @@
           </a:prstGeom>
         </p:spPr>
         <p:txBody>
-          <a:bodyPr anchorCtr="0" anchor="t" bIns="91425" lIns="91425" rIns="91425" tIns="91425"/>
+          <a:bodyPr anchorCtr="0" anchor="t" bIns="91425" lIns="91425" rIns="91425" wrap="square" tIns="91425"/>
           <a:lstStyle>
             <a:lvl1pPr lvl="0" rtl="0">
               <a:spcBef>
@@ -6058,7 +6259,7 @@
         </p:nvSpPr>
         <p:spPr>
           <a:xfrm>
-            <a:off x="4692273" y="1600200"/>
+            <a:off x="4692274" y="1600200"/>
             <a:ext cx="3994500" cy="4967700"/>
           </a:xfrm>
           <a:prstGeom prst="rect">
@@ -6066,7 +6267,7 @@
           </a:prstGeom>
         </p:spPr>
         <p:txBody>
-          <a:bodyPr anchorCtr="0" anchor="t" bIns="91425" lIns="91425" rIns="91425" tIns="91425"/>
+          <a:bodyPr anchorCtr="0" anchor="t" bIns="91425" lIns="91425" rIns="91425" wrap="square" tIns="91425"/>
           <a:lstStyle>
             <a:lvl1pPr lvl="0" rtl="0">
               <a:spcBef>
@@ -6161,7 +6362,7 @@
 </file>
 
 <file path=ppt/slideMasters/slideMaster1.xml><?xml version="1.0" encoding="utf-8"?>
-<p:sldMaster xmlns:a="http://schemas.openxmlformats.org/drawingml/2006/main" xmlns:r="http://schemas.openxmlformats.org/officeDocument/2006/relationships" xmlns:mc="http://schemas.openxmlformats.org/markup-compatibility/2006" xmlns:mv="urn:schemas-microsoft-com:mac:vml" xmlns:p="http://schemas.openxmlformats.org/presentationml/2006/main" xmlns:c="http://schemas.openxmlformats.org/drawingml/2006/chart" xmlns:dgm="http://schemas.openxmlformats.org/drawingml/2006/diagram" xmlns:o="urn:schemas-microsoft-com:office:office" xmlns:v="urn:schemas-microsoft-com:vml" xmlns:pvml="urn:schemas-microsoft-com:office:powerpoint" xmlns:com="http://schemas.openxmlformats.org/drawingml/2006/compatibility" xmlns:p14="http://schemas.microsoft.com/office/powerpoint/2010/main">
+<p:sldMaster xmlns:a="http://schemas.openxmlformats.org/drawingml/2006/main" xmlns:r="http://schemas.openxmlformats.org/officeDocument/2006/relationships" xmlns:mc="http://schemas.openxmlformats.org/markup-compatibility/2006" xmlns:mv="urn:schemas-microsoft-com:mac:vml" xmlns:p="http://schemas.openxmlformats.org/presentationml/2006/main" xmlns:c="http://schemas.openxmlformats.org/drawingml/2006/chart" xmlns:dgm="http://schemas.openxmlformats.org/drawingml/2006/diagram" xmlns:o="urn:schemas-microsoft-com:office:office" xmlns:v="urn:schemas-microsoft-com:vml" xmlns:pvml="urn:schemas-microsoft-com:office:powerpoint" xmlns:com="http://schemas.openxmlformats.org/drawingml/2006/compatibility" xmlns:p14="http://schemas.microsoft.com/office/powerpoint/2010/main" xmlns:p15="http://schemas.microsoft.com/office/powerpoint/2012/main">
   <p:cSld>
     <p:bg>
       <p:bgPr>
@@ -6195,7 +6396,7 @@
         <p:spPr>
           <a:xfrm>
             <a:off x="457200" y="274637"/>
-            <a:ext cx="8229600" cy="1522199"/>
+            <a:ext cx="8229600" cy="1522200"/>
           </a:xfrm>
           <a:prstGeom prst="rect">
             <a:avLst/>
@@ -6206,7 +6407,7 @@
           </a:ln>
         </p:spPr>
         <p:txBody>
-          <a:bodyPr anchorCtr="0" anchor="b" bIns="91425" lIns="91425" rIns="91425" tIns="91425"/>
+          <a:bodyPr anchorCtr="0" anchor="b" bIns="91425" lIns="91425" rIns="91425" wrap="square" tIns="91425"/>
           <a:lstStyle>
             <a:lvl1pPr lvl="0" rtl="0" algn="l">
               <a:spcBef>
@@ -6403,7 +6604,7 @@
         <p:spPr>
           <a:xfrm>
             <a:off x="457200" y="1947332"/>
-            <a:ext cx="8229600" cy="4620299"/>
+            <a:ext cx="8229600" cy="4620300"/>
           </a:xfrm>
           <a:prstGeom prst="rect">
             <a:avLst/>
@@ -6414,7 +6615,7 @@
           </a:ln>
         </p:spPr>
         <p:txBody>
-          <a:bodyPr anchorCtr="0" anchor="t" bIns="91425" lIns="91425" rIns="91425" tIns="91425"/>
+          <a:bodyPr anchorCtr="0" anchor="t" bIns="91425" lIns="91425" rIns="91425" wrap="square" tIns="91425"/>
           <a:lstStyle>
             <a:lvl1pPr lvl="0" rtl="0" algn="l">
               <a:spcBef>
@@ -7056,8 +7257,8 @@
 </file>
 
 <file path=ppt/slideMasters/slideMaster2.xml><?xml version="1.0" encoding="utf-8"?>
-<p:sldMaster xmlns:a="http://schemas.openxmlformats.org/drawingml/2006/main" xmlns:r="http://schemas.openxmlformats.org/officeDocument/2006/relationships" xmlns:mc="http://schemas.openxmlformats.org/markup-compatibility/2006" xmlns:mv="urn:schemas-microsoft-com:mac:vml" xmlns:p="http://schemas.openxmlformats.org/presentationml/2006/main" xmlns:c="http://schemas.openxmlformats.org/drawingml/2006/chart" xmlns:dgm="http://schemas.openxmlformats.org/drawingml/2006/diagram" xmlns:o="urn:schemas-microsoft-com:office:office" xmlns:v="urn:schemas-microsoft-com:vml" xmlns:pvml="urn:schemas-microsoft-com:office:powerpoint" xmlns:com="http://schemas.openxmlformats.org/drawingml/2006/compatibility" xmlns:p14="http://schemas.microsoft.com/office/powerpoint/2010/main">
-  <p:cSld>
+<p:sldMaster xmlns:a="http://schemas.openxmlformats.org/drawingml/2006/main" xmlns:r="http://schemas.openxmlformats.org/officeDocument/2006/relationships" xmlns:mc="http://schemas.openxmlformats.org/markup-compatibility/2006" xmlns:mv="urn:schemas-microsoft-com:mac:vml" xmlns:p="http://schemas.openxmlformats.org/presentationml/2006/main" xmlns:c="http://schemas.openxmlformats.org/drawingml/2006/chart" xmlns:dgm="http://schemas.openxmlformats.org/drawingml/2006/diagram" xmlns:o="urn:schemas-microsoft-com:office:office" xmlns:v="urn:schemas-microsoft-com:vml" xmlns:pvml="urn:schemas-microsoft-com:office:powerpoint" xmlns:com="http://schemas.openxmlformats.org/drawingml/2006/compatibility" xmlns:p14="http://schemas.microsoft.com/office/powerpoint/2010/main" xmlns:p15="http://schemas.microsoft.com/office/powerpoint/2012/main">
+  <p:cSld name="swiss">
     <p:bg>
       <p:bgPr>
         <a:solidFill>
@@ -7089,7 +7290,7 @@
         </p:nvSpPr>
         <p:spPr>
           <a:xfrm>
-            <a:off x="457200" y="274637"/>
+            <a:off x="457200" y="274638"/>
             <a:ext cx="8229600" cy="1143300"/>
           </a:xfrm>
           <a:prstGeom prst="rect">
@@ -7101,7 +7302,7 @@
           </a:ln>
         </p:spPr>
         <p:txBody>
-          <a:bodyPr anchorCtr="0" anchor="b" bIns="91425" lIns="91425" rIns="91425" tIns="91425"/>
+          <a:bodyPr anchorCtr="0" anchor="b" bIns="91425" lIns="91425" rIns="91425" wrap="square" tIns="91425"/>
           <a:lstStyle>
             <a:lvl1pPr lvl="0" rtl="0">
               <a:spcBef>
@@ -7264,7 +7465,7 @@
           </a:ln>
         </p:spPr>
         <p:txBody>
-          <a:bodyPr anchorCtr="0" anchor="t" bIns="91425" lIns="91425" rIns="91425" tIns="91425"/>
+          <a:bodyPr anchorCtr="0" anchor="t" bIns="91425" lIns="91425" rIns="91425" wrap="square" tIns="91425"/>
           <a:lstStyle>
             <a:lvl1pPr lvl="0" rtl="0">
               <a:spcBef>
@@ -7274,6 +7475,7 @@
                 <a:schemeClr val="dk1"/>
               </a:buClr>
               <a:buSzPct val="100000"/>
+              <a:buChar char="●"/>
               <a:defRPr sz="3000">
                 <a:solidFill>
                   <a:schemeClr val="dk1"/>
@@ -7288,6 +7490,7 @@
                 <a:schemeClr val="dk1"/>
               </a:buClr>
               <a:buSzPct val="100000"/>
+              <a:buChar char="○"/>
               <a:defRPr sz="2400">
                 <a:solidFill>
                   <a:schemeClr val="dk1"/>
@@ -7302,6 +7505,7 @@
                 <a:schemeClr val="dk1"/>
               </a:buClr>
               <a:buSzPct val="100000"/>
+              <a:buChar char="■"/>
               <a:defRPr sz="2400">
                 <a:solidFill>
                   <a:schemeClr val="dk1"/>
@@ -7316,6 +7520,7 @@
                 <a:schemeClr val="dk1"/>
               </a:buClr>
               <a:buSzPct val="100000"/>
+              <a:buChar char="●"/>
               <a:defRPr sz="1800">
                 <a:solidFill>
                   <a:schemeClr val="dk1"/>
@@ -7330,6 +7535,7 @@
                 <a:schemeClr val="dk1"/>
               </a:buClr>
               <a:buSzPct val="100000"/>
+              <a:buChar char="○"/>
               <a:defRPr sz="1800">
                 <a:solidFill>
                   <a:schemeClr val="dk1"/>
@@ -7344,6 +7550,7 @@
                 <a:schemeClr val="dk1"/>
               </a:buClr>
               <a:buSzPct val="100000"/>
+              <a:buChar char="■"/>
               <a:defRPr sz="1800">
                 <a:solidFill>
                   <a:schemeClr val="dk1"/>
@@ -7358,6 +7565,7 @@
                 <a:schemeClr val="dk1"/>
               </a:buClr>
               <a:buSzPct val="100000"/>
+              <a:buChar char="●"/>
               <a:defRPr sz="1800">
                 <a:solidFill>
                   <a:schemeClr val="dk1"/>
@@ -7372,6 +7580,7 @@
                 <a:schemeClr val="dk1"/>
               </a:buClr>
               <a:buSzPct val="100000"/>
+              <a:buChar char="○"/>
               <a:defRPr sz="1800">
                 <a:solidFill>
                   <a:schemeClr val="dk1"/>
@@ -7386,6 +7595,7 @@
                 <a:schemeClr val="dk1"/>
               </a:buClr>
               <a:buSzPct val="100000"/>
+              <a:buChar char="■"/>
               <a:defRPr sz="1800">
                 <a:solidFill>
                   <a:schemeClr val="dk1"/>
@@ -7404,7 +7614,7 @@
         </p:nvCxnSpPr>
         <p:spPr>
           <a:xfrm>
-            <a:off x="457200" y="6697679"/>
+            <a:off x="457200" y="6697680"/>
             <a:ext cx="8229600" cy="0"/>
           </a:xfrm>
           <a:prstGeom prst="straightConnector1">
@@ -7879,7 +8089,7 @@
 </file>
 
 <file path=ppt/slides/slide1.xml><?xml version="1.0" encoding="utf-8"?>
-<p:sld xmlns:a="http://schemas.openxmlformats.org/drawingml/2006/main" xmlns:r="http://schemas.openxmlformats.org/officeDocument/2006/relationships" xmlns:mc="http://schemas.openxmlformats.org/markup-compatibility/2006" xmlns:mv="urn:schemas-microsoft-com:mac:vml" xmlns:p="http://schemas.openxmlformats.org/presentationml/2006/main" xmlns:c="http://schemas.openxmlformats.org/drawingml/2006/chart" xmlns:dgm="http://schemas.openxmlformats.org/drawingml/2006/diagram" xmlns:o="urn:schemas-microsoft-com:office:office" xmlns:v="urn:schemas-microsoft-com:vml" xmlns:pvml="urn:schemas-microsoft-com:office:powerpoint" xmlns:com="http://schemas.openxmlformats.org/drawingml/2006/compatibility" xmlns:p14="http://schemas.microsoft.com/office/powerpoint/2010/main">
+<p:sld xmlns:a="http://schemas.openxmlformats.org/drawingml/2006/main" xmlns:r="http://schemas.openxmlformats.org/officeDocument/2006/relationships" xmlns:mc="http://schemas.openxmlformats.org/markup-compatibility/2006" xmlns:mv="urn:schemas-microsoft-com:mac:vml" xmlns:p="http://schemas.openxmlformats.org/presentationml/2006/main" xmlns:c="http://schemas.openxmlformats.org/drawingml/2006/chart" xmlns:dgm="http://schemas.openxmlformats.org/drawingml/2006/diagram" xmlns:o="urn:schemas-microsoft-com:office:office" xmlns:v="urn:schemas-microsoft-com:vml" xmlns:pvml="urn:schemas-microsoft-com:office:powerpoint" xmlns:com="http://schemas.openxmlformats.org/drawingml/2006/compatibility" xmlns:p14="http://schemas.microsoft.com/office/powerpoint/2010/main" xmlns:p15="http://schemas.microsoft.com/office/powerpoint/2012/main">
   <p:cSld>
     <p:spTree>
       <p:nvGrpSpPr>
@@ -7905,15 +8115,15 @@
         </p:nvSpPr>
         <p:spPr>
           <a:xfrm>
-            <a:off x="685800" y="1734342"/>
-            <a:ext cx="7772400" cy="2245499"/>
+            <a:off x="685800" y="1734343"/>
+            <a:ext cx="7772400" cy="2245500"/>
           </a:xfrm>
           <a:prstGeom prst="rect">
             <a:avLst/>
           </a:prstGeom>
         </p:spPr>
         <p:txBody>
-          <a:bodyPr anchorCtr="0" anchor="b" bIns="91425" lIns="91425" rIns="91425" tIns="91425">
+          <a:bodyPr anchorCtr="0" anchor="b" bIns="91425" lIns="91425" rIns="91425" wrap="square" tIns="91425">
             <a:noAutofit/>
           </a:bodyPr>
           <a:lstStyle/>
@@ -7926,7 +8136,7 @@
             </a:pPr>
             <a:r>
               <a:rPr lang="en"/>
-              <a:t>Newbies Pro</a:t>
+              <a:t>Newbies [Pro]</a:t>
             </a:r>
           </a:p>
           <a:p>
@@ -7938,7 +8148,11 @@
             </a:pPr>
             <a:r>
               <a:rPr lang="en" sz="2400"/>
-              <a:t>4th Gen - 2016</a:t>
+              <a:t>5</a:t>
+            </a:r>
+            <a:r>
+              <a:rPr lang="en" sz="2400"/>
+              <a:t>th Gen - 2017</a:t>
             </a:r>
           </a:p>
           <a:p>
@@ -7985,7 +8199,7 @@
           </a:prstGeom>
         </p:spPr>
         <p:txBody>
-          <a:bodyPr anchorCtr="0" anchor="ctr" bIns="91425" lIns="91425" rIns="91425" tIns="91425">
+          <a:bodyPr anchorCtr="0" anchor="ctr" bIns="91425" lIns="91425" rIns="91425" wrap="square" tIns="91425">
             <a:noAutofit/>
           </a:bodyPr>
           <a:lstStyle/>
@@ -8019,7 +8233,7 @@
         </p:blipFill>
         <p:spPr>
           <a:xfrm>
-            <a:off x="7417074" y="6402549"/>
+            <a:off x="7417075" y="6402550"/>
             <a:ext cx="1726925" cy="455450"/>
           </a:xfrm>
           <a:prstGeom prst="rect">
@@ -8040,11 +8254,11 @@
 </file>
 
 <file path=ppt/slides/slide10.xml><?xml version="1.0" encoding="utf-8"?>
-<p:sld xmlns:a="http://schemas.openxmlformats.org/drawingml/2006/main" xmlns:r="http://schemas.openxmlformats.org/officeDocument/2006/relationships" xmlns:mc="http://schemas.openxmlformats.org/markup-compatibility/2006" xmlns:mv="urn:schemas-microsoft-com:mac:vml" xmlns:p="http://schemas.openxmlformats.org/presentationml/2006/main" xmlns:c="http://schemas.openxmlformats.org/drawingml/2006/chart" xmlns:dgm="http://schemas.openxmlformats.org/drawingml/2006/diagram" xmlns:o="urn:schemas-microsoft-com:office:office" xmlns:v="urn:schemas-microsoft-com:vml" xmlns:pvml="urn:schemas-microsoft-com:office:powerpoint" xmlns:com="http://schemas.openxmlformats.org/drawingml/2006/compatibility" xmlns:p14="http://schemas.microsoft.com/office/powerpoint/2010/main">
+<p:sld xmlns:a="http://schemas.openxmlformats.org/drawingml/2006/main" xmlns:r="http://schemas.openxmlformats.org/officeDocument/2006/relationships" xmlns:mc="http://schemas.openxmlformats.org/markup-compatibility/2006" xmlns:mv="urn:schemas-microsoft-com:mac:vml" xmlns:p="http://schemas.openxmlformats.org/presentationml/2006/main" xmlns:c="http://schemas.openxmlformats.org/drawingml/2006/chart" xmlns:dgm="http://schemas.openxmlformats.org/drawingml/2006/diagram" xmlns:o="urn:schemas-microsoft-com:office:office" xmlns:v="urn:schemas-microsoft-com:vml" xmlns:pvml="urn:schemas-microsoft-com:office:powerpoint" xmlns:com="http://schemas.openxmlformats.org/drawingml/2006/compatibility" xmlns:p14="http://schemas.microsoft.com/office/powerpoint/2010/main" xmlns:p15="http://schemas.microsoft.com/office/powerpoint/2012/main">
   <p:cSld>
     <p:spTree>
       <p:nvGrpSpPr>
-        <p:cNvPr id="116" name="Shape 116"/>
+        <p:cNvPr id="120" name="Shape 120"/>
         <p:cNvGrpSpPr/>
         <p:nvPr/>
       </p:nvGrpSpPr>
@@ -8058,7 +8272,7 @@
       </p:grpSpPr>
       <p:sp>
         <p:nvSpPr>
-          <p:cNvPr id="117" name="Shape 117"/>
+          <p:cNvPr id="121" name="Shape 121"/>
           <p:cNvSpPr txBox="1"/>
           <p:nvPr/>
         </p:nvSpPr>
@@ -8076,7 +8290,7 @@
           </a:ln>
         </p:spPr>
         <p:txBody>
-          <a:bodyPr anchorCtr="0" anchor="ctr" bIns="45700" lIns="91425" rIns="91425" tIns="45700">
+          <a:bodyPr anchorCtr="0" anchor="ctr" bIns="45700" lIns="91425" rIns="91425" wrap="square" tIns="45700">
             <a:noAutofit/>
           </a:bodyPr>
           <a:lstStyle/>
@@ -8109,7 +8323,7 @@
       </p:sp>
       <p:pic>
         <p:nvPicPr>
-          <p:cNvPr id="118" name="Shape 118"/>
+          <p:cNvPr id="122" name="Shape 122"/>
           <p:cNvPicPr preferRelativeResize="0"/>
           <p:nvPr/>
         </p:nvPicPr>
@@ -8123,8 +8337,36 @@
         </p:blipFill>
         <p:spPr>
           <a:xfrm>
-            <a:off x="2678324" y="1178621"/>
-            <a:ext cx="3787350" cy="5679374"/>
+            <a:off x="2678325" y="1178622"/>
+            <a:ext cx="3787350" cy="5679375"/>
+          </a:xfrm>
+          <a:prstGeom prst="rect">
+            <a:avLst/>
+          </a:prstGeom>
+          <a:noFill/>
+          <a:ln>
+            <a:noFill/>
+          </a:ln>
+        </p:spPr>
+      </p:pic>
+      <p:pic>
+        <p:nvPicPr>
+          <p:cNvPr id="123" name="Shape 123"/>
+          <p:cNvPicPr preferRelativeResize="0"/>
+          <p:nvPr/>
+        </p:nvPicPr>
+        <p:blipFill>
+          <a:blip r:embed="rId4">
+            <a:alphaModFix/>
+          </a:blip>
+          <a:stretch>
+            <a:fillRect/>
+          </a:stretch>
+        </p:blipFill>
+        <p:spPr>
+          <a:xfrm>
+            <a:off x="7417075" y="6402550"/>
+            <a:ext cx="1726925" cy="455450"/>
           </a:xfrm>
           <a:prstGeom prst="rect">
             <a:avLst/>
@@ -8144,11 +8386,11 @@
 </file>
 
 <file path=ppt/slides/slide11.xml><?xml version="1.0" encoding="utf-8"?>
-<p:sld xmlns:a="http://schemas.openxmlformats.org/drawingml/2006/main" xmlns:r="http://schemas.openxmlformats.org/officeDocument/2006/relationships" xmlns:mc="http://schemas.openxmlformats.org/markup-compatibility/2006" xmlns:mv="urn:schemas-microsoft-com:mac:vml" xmlns:p="http://schemas.openxmlformats.org/presentationml/2006/main" xmlns:c="http://schemas.openxmlformats.org/drawingml/2006/chart" xmlns:dgm="http://schemas.openxmlformats.org/drawingml/2006/diagram" xmlns:o="urn:schemas-microsoft-com:office:office" xmlns:v="urn:schemas-microsoft-com:vml" xmlns:pvml="urn:schemas-microsoft-com:office:powerpoint" xmlns:com="http://schemas.openxmlformats.org/drawingml/2006/compatibility" xmlns:p14="http://schemas.microsoft.com/office/powerpoint/2010/main">
+<p:sld xmlns:a="http://schemas.openxmlformats.org/drawingml/2006/main" xmlns:r="http://schemas.openxmlformats.org/officeDocument/2006/relationships" xmlns:mc="http://schemas.openxmlformats.org/markup-compatibility/2006" xmlns:mv="urn:schemas-microsoft-com:mac:vml" xmlns:p="http://schemas.openxmlformats.org/presentationml/2006/main" xmlns:c="http://schemas.openxmlformats.org/drawingml/2006/chart" xmlns:dgm="http://schemas.openxmlformats.org/drawingml/2006/diagram" xmlns:o="urn:schemas-microsoft-com:office:office" xmlns:v="urn:schemas-microsoft-com:vml" xmlns:pvml="urn:schemas-microsoft-com:office:powerpoint" xmlns:com="http://schemas.openxmlformats.org/drawingml/2006/compatibility" xmlns:p14="http://schemas.microsoft.com/office/powerpoint/2010/main" xmlns:p15="http://schemas.microsoft.com/office/powerpoint/2012/main">
   <p:cSld>
     <p:spTree>
       <p:nvGrpSpPr>
-        <p:cNvPr id="122" name="Shape 122"/>
+        <p:cNvPr id="127" name="Shape 127"/>
         <p:cNvGrpSpPr/>
         <p:nvPr/>
       </p:nvGrpSpPr>
@@ -8162,7 +8404,7 @@
       </p:grpSpPr>
       <p:sp>
         <p:nvSpPr>
-          <p:cNvPr id="123" name="Shape 123"/>
+          <p:cNvPr id="128" name="Shape 128"/>
           <p:cNvSpPr/>
           <p:nvPr/>
         </p:nvSpPr>
@@ -8180,7 +8422,7 @@
           </a:ln>
         </p:spPr>
         <p:txBody>
-          <a:bodyPr anchorCtr="0" anchor="ctr" bIns="91425" lIns="91425" rIns="91425" tIns="91425">
+          <a:bodyPr anchorCtr="0" anchor="ctr" bIns="91425" lIns="91425" rIns="91425" wrap="square" tIns="91425">
             <a:noAutofit/>
           </a:bodyPr>
           <a:lstStyle/>
@@ -8200,7 +8442,7 @@
       </p:sp>
       <p:pic>
         <p:nvPicPr>
-          <p:cNvPr id="124" name="Shape 124"/>
+          <p:cNvPr id="129" name="Shape 129"/>
           <p:cNvPicPr preferRelativeResize="0"/>
           <p:nvPr/>
         </p:nvPicPr>
@@ -8214,8 +8456,8 @@
         </p:blipFill>
         <p:spPr>
           <a:xfrm>
-            <a:off x="-646774" y="0"/>
-            <a:ext cx="10286999" cy="6857999"/>
+            <a:off x="-646775" y="0"/>
+            <a:ext cx="10287000" cy="6858000"/>
           </a:xfrm>
           <a:prstGeom prst="rect">
             <a:avLst/>
@@ -8228,7 +8470,7 @@
       </p:pic>
       <p:sp>
         <p:nvSpPr>
-          <p:cNvPr id="125" name="Shape 125"/>
+          <p:cNvPr id="130" name="Shape 130"/>
           <p:cNvSpPr txBox="1"/>
           <p:nvPr/>
         </p:nvSpPr>
@@ -8246,7 +8488,7 @@
           </a:ln>
         </p:spPr>
         <p:txBody>
-          <a:bodyPr anchorCtr="0" anchor="ctr" bIns="45700" lIns="91425" rIns="91425" tIns="45700">
+          <a:bodyPr anchorCtr="0" anchor="ctr" bIns="45700" lIns="91425" rIns="91425" wrap="square" tIns="45700">
             <a:noAutofit/>
           </a:bodyPr>
           <a:lstStyle/>
@@ -8286,11 +8528,11 @@
 </file>
 
 <file path=ppt/slides/slide12.xml><?xml version="1.0" encoding="utf-8"?>
-<p:sld xmlns:a="http://schemas.openxmlformats.org/drawingml/2006/main" xmlns:r="http://schemas.openxmlformats.org/officeDocument/2006/relationships" xmlns:mc="http://schemas.openxmlformats.org/markup-compatibility/2006" xmlns:mv="urn:schemas-microsoft-com:mac:vml" xmlns:p="http://schemas.openxmlformats.org/presentationml/2006/main" xmlns:c="http://schemas.openxmlformats.org/drawingml/2006/chart" xmlns:dgm="http://schemas.openxmlformats.org/drawingml/2006/diagram" xmlns:o="urn:schemas-microsoft-com:office:office" xmlns:v="urn:schemas-microsoft-com:vml" xmlns:pvml="urn:schemas-microsoft-com:office:powerpoint" xmlns:com="http://schemas.openxmlformats.org/drawingml/2006/compatibility" xmlns:p14="http://schemas.microsoft.com/office/powerpoint/2010/main">
+<p:sld xmlns:a="http://schemas.openxmlformats.org/drawingml/2006/main" xmlns:r="http://schemas.openxmlformats.org/officeDocument/2006/relationships" xmlns:mc="http://schemas.openxmlformats.org/markup-compatibility/2006" xmlns:mv="urn:schemas-microsoft-com:mac:vml" xmlns:p="http://schemas.openxmlformats.org/presentationml/2006/main" xmlns:c="http://schemas.openxmlformats.org/drawingml/2006/chart" xmlns:dgm="http://schemas.openxmlformats.org/drawingml/2006/diagram" xmlns:o="urn:schemas-microsoft-com:office:office" xmlns:v="urn:schemas-microsoft-com:vml" xmlns:pvml="urn:schemas-microsoft-com:office:powerpoint" xmlns:com="http://schemas.openxmlformats.org/drawingml/2006/compatibility" xmlns:p14="http://schemas.microsoft.com/office/powerpoint/2010/main" xmlns:p15="http://schemas.microsoft.com/office/powerpoint/2012/main">
   <p:cSld>
     <p:spTree>
       <p:nvGrpSpPr>
-        <p:cNvPr id="129" name="Shape 129"/>
+        <p:cNvPr id="134" name="Shape 134"/>
         <p:cNvGrpSpPr/>
         <p:nvPr/>
       </p:nvGrpSpPr>
@@ -8304,7 +8546,7 @@
       </p:grpSpPr>
       <p:sp>
         <p:nvSpPr>
-          <p:cNvPr id="130" name="Shape 130"/>
+          <p:cNvPr id="135" name="Shape 135"/>
           <p:cNvSpPr txBox="1"/>
           <p:nvPr>
             <p:ph type="title"/>
@@ -8313,14 +8555,14 @@
         <p:spPr>
           <a:xfrm>
             <a:off x="457200" y="274637"/>
-            <a:ext cx="8229600" cy="1522199"/>
+            <a:ext cx="8229600" cy="1522200"/>
           </a:xfrm>
           <a:prstGeom prst="rect">
             <a:avLst/>
           </a:prstGeom>
         </p:spPr>
         <p:txBody>
-          <a:bodyPr anchorCtr="0" anchor="b" bIns="91425" lIns="91425" rIns="91425" tIns="91425">
+          <a:bodyPr anchorCtr="0" anchor="b" bIns="91425" lIns="91425" rIns="91425" wrap="square" tIns="91425">
             <a:noAutofit/>
           </a:bodyPr>
           <a:lstStyle/>
@@ -8340,7 +8582,7 @@
       </p:sp>
       <p:sp>
         <p:nvSpPr>
-          <p:cNvPr id="131" name="Shape 131"/>
+          <p:cNvPr id="136" name="Shape 136"/>
           <p:cNvSpPr txBox="1"/>
           <p:nvPr>
             <p:ph idx="1" type="body"/>
@@ -8349,14 +8591,14 @@
         <p:spPr>
           <a:xfrm>
             <a:off x="457200" y="1947332"/>
-            <a:ext cx="8229600" cy="4620299"/>
+            <a:ext cx="8229600" cy="4620300"/>
           </a:xfrm>
           <a:prstGeom prst="rect">
             <a:avLst/>
           </a:prstGeom>
         </p:spPr>
         <p:txBody>
-          <a:bodyPr anchorCtr="0" anchor="t" bIns="91425" lIns="91425" rIns="91425" tIns="91425">
+          <a:bodyPr anchorCtr="0" anchor="t" bIns="91425" lIns="91425" rIns="91425" wrap="square" tIns="91425">
             <a:noAutofit/>
           </a:bodyPr>
           <a:lstStyle/>
@@ -8501,7 +8743,7 @@
                   <a:srgbClr val="000000"/>
                 </a:solidFill>
               </a:rPr>
-              <a:t>Conocer el uso de Ruby.</a:t>
+              <a:t>Conocer el uso de Python.</a:t>
             </a:r>
           </a:p>
           <a:p>
@@ -8518,6 +8760,34 @@
           </a:p>
         </p:txBody>
       </p:sp>
+      <p:pic>
+        <p:nvPicPr>
+          <p:cNvPr id="137" name="Shape 137"/>
+          <p:cNvPicPr preferRelativeResize="0"/>
+          <p:nvPr/>
+        </p:nvPicPr>
+        <p:blipFill>
+          <a:blip r:embed="rId3">
+            <a:alphaModFix/>
+          </a:blip>
+          <a:stretch>
+            <a:fillRect/>
+          </a:stretch>
+        </p:blipFill>
+        <p:spPr>
+          <a:xfrm>
+            <a:off x="7417075" y="6402550"/>
+            <a:ext cx="1726925" cy="455450"/>
+          </a:xfrm>
+          <a:prstGeom prst="rect">
+            <a:avLst/>
+          </a:prstGeom>
+          <a:noFill/>
+          <a:ln>
+            <a:noFill/>
+          </a:ln>
+        </p:spPr>
+      </p:pic>
     </p:spTree>
   </p:cSld>
   <p:clrMapOvr>
@@ -8527,208 +8797,7 @@
 </file>
 
 <file path=ppt/slides/slide13.xml><?xml version="1.0" encoding="utf-8"?>
-<p:sld xmlns:a="http://schemas.openxmlformats.org/drawingml/2006/main" xmlns:r="http://schemas.openxmlformats.org/officeDocument/2006/relationships" xmlns:mc="http://schemas.openxmlformats.org/markup-compatibility/2006" xmlns:mv="urn:schemas-microsoft-com:mac:vml" xmlns:p="http://schemas.openxmlformats.org/presentationml/2006/main" xmlns:c="http://schemas.openxmlformats.org/drawingml/2006/chart" xmlns:dgm="http://schemas.openxmlformats.org/drawingml/2006/diagram" xmlns:o="urn:schemas-microsoft-com:office:office" xmlns:v="urn:schemas-microsoft-com:vml" xmlns:pvml="urn:schemas-microsoft-com:office:powerpoint" xmlns:com="http://schemas.openxmlformats.org/drawingml/2006/compatibility" xmlns:p14="http://schemas.microsoft.com/office/powerpoint/2010/main">
-  <p:cSld>
-    <p:spTree>
-      <p:nvGrpSpPr>
-        <p:cNvPr id="135" name="Shape 135"/>
-        <p:cNvGrpSpPr/>
-        <p:nvPr/>
-      </p:nvGrpSpPr>
-      <p:grpSpPr>
-        <a:xfrm>
-          <a:off x="0" y="0"/>
-          <a:ext cx="0" cy="0"/>
-          <a:chOff x="0" y="0"/>
-          <a:chExt cx="0" cy="0"/>
-        </a:xfrm>
-      </p:grpSpPr>
-      <p:sp>
-        <p:nvSpPr>
-          <p:cNvPr id="136" name="Shape 136"/>
-          <p:cNvSpPr txBox="1"/>
-          <p:nvPr>
-            <p:ph type="title"/>
-          </p:nvPr>
-        </p:nvSpPr>
-        <p:spPr>
-          <a:xfrm>
-            <a:off x="457200" y="274637"/>
-            <a:ext cx="8229600" cy="1522199"/>
-          </a:xfrm>
-          <a:prstGeom prst="rect">
-            <a:avLst/>
-          </a:prstGeom>
-        </p:spPr>
-        <p:txBody>
-          <a:bodyPr anchorCtr="0" anchor="b" bIns="91425" lIns="91425" rIns="91425" tIns="91425">
-            <a:noAutofit/>
-          </a:bodyPr>
-          <a:lstStyle/>
-          <a:p>
-            <a:pPr lvl="0" rtl="0">
-              <a:spcBef>
-                <a:spcPts val="0"/>
-              </a:spcBef>
-              <a:buNone/>
-            </a:pPr>
-            <a:r>
-              <a:rPr lang="en"/>
-              <a:t>Objetivos</a:t>
-            </a:r>
-          </a:p>
-        </p:txBody>
-      </p:sp>
-      <p:sp>
-        <p:nvSpPr>
-          <p:cNvPr id="137" name="Shape 137"/>
-          <p:cNvSpPr txBox="1"/>
-          <p:nvPr>
-            <p:ph idx="1" type="body"/>
-          </p:nvPr>
-        </p:nvSpPr>
-        <p:spPr>
-          <a:xfrm>
-            <a:off x="457200" y="1947332"/>
-            <a:ext cx="8229600" cy="4620299"/>
-          </a:xfrm>
-          <a:prstGeom prst="rect">
-            <a:avLst/>
-          </a:prstGeom>
-        </p:spPr>
-        <p:txBody>
-          <a:bodyPr anchorCtr="0" anchor="t" bIns="91425" lIns="91425" rIns="91425" tIns="91425">
-            <a:noAutofit/>
-          </a:bodyPr>
-          <a:lstStyle/>
-          <a:p>
-            <a:pPr indent="-431800" lvl="0" marL="457200" rtl="0">
-              <a:lnSpc>
-                <a:spcPct val="115000"/>
-              </a:lnSpc>
-              <a:spcBef>
-                <a:spcPts val="800"/>
-              </a:spcBef>
-              <a:buClr>
-                <a:srgbClr val="000000"/>
-              </a:buClr>
-              <a:buSzPct val="100000"/>
-              <a:buFont typeface="Arial"/>
-              <a:buChar char="●"/>
-            </a:pPr>
-            <a:r>
-              <a:rPr b="1" lang="en" sz="3200">
-                <a:solidFill>
-                  <a:srgbClr val="000000"/>
-                </a:solidFill>
-              </a:rPr>
-              <a:t>De qué SÍ es el curso</a:t>
-            </a:r>
-          </a:p>
-          <a:p>
-            <a:pPr indent="-393700" lvl="1" marL="914400" rtl="0">
-              <a:lnSpc>
-                <a:spcPct val="115000"/>
-              </a:lnSpc>
-              <a:spcBef>
-                <a:spcPts val="700"/>
-              </a:spcBef>
-              <a:buClr>
-                <a:srgbClr val="000000"/>
-              </a:buClr>
-              <a:buSzPct val="92857"/>
-              <a:buFont typeface="Courier New"/>
-              <a:buChar char="o"/>
-            </a:pPr>
-            <a:r>
-              <a:rPr b="1" lang="en" sz="2800">
-                <a:solidFill>
-                  <a:srgbClr val="000000"/>
-                </a:solidFill>
-              </a:rPr>
-              <a:t>Bases de programación elemental.</a:t>
-            </a:r>
-          </a:p>
-          <a:p>
-            <a:pPr indent="-393700" lvl="1" marL="914400" rtl="0">
-              <a:lnSpc>
-                <a:spcPct val="115000"/>
-              </a:lnSpc>
-              <a:spcBef>
-                <a:spcPts val="700"/>
-              </a:spcBef>
-              <a:buClr>
-                <a:srgbClr val="000000"/>
-              </a:buClr>
-              <a:buSzPct val="92857"/>
-              <a:buFont typeface="Courier New"/>
-              <a:buChar char="o"/>
-            </a:pPr>
-            <a:r>
-              <a:rPr b="1" lang="en" sz="2800">
-                <a:solidFill>
-                  <a:srgbClr val="000000"/>
-                </a:solidFill>
-              </a:rPr>
-              <a:t>Lógica de programación para aprender cualquier otro lenguaje sin complicación.</a:t>
-            </a:r>
-          </a:p>
-          <a:p>
-            <a:pPr indent="-393700" lvl="1" marL="914400" rtl="0">
-              <a:lnSpc>
-                <a:spcPct val="115000"/>
-              </a:lnSpc>
-              <a:spcBef>
-                <a:spcPts val="700"/>
-              </a:spcBef>
-              <a:buClr>
-                <a:srgbClr val="000000"/>
-              </a:buClr>
-              <a:buSzPct val="92857"/>
-              <a:buFont typeface="Courier New"/>
-              <a:buChar char="o"/>
-            </a:pPr>
-            <a:r>
-              <a:rPr b="1" lang="en" sz="2800">
-                <a:solidFill>
-                  <a:srgbClr val="000000"/>
-                </a:solidFill>
-              </a:rPr>
-              <a:t>Comprender una parte del por qué y cómo de la tecnología que usamos hoy en día. </a:t>
-            </a:r>
-          </a:p>
-          <a:p>
-            <a:pPr indent="-228600" lvl="1" marL="914400" rtl="0">
-              <a:lnSpc>
-                <a:spcPct val="115000"/>
-              </a:lnSpc>
-              <a:spcBef>
-                <a:spcPts val="700"/>
-              </a:spcBef>
-              <a:buFont typeface="Courier New"/>
-              <a:buChar char="o"/>
-            </a:pPr>
-            <a:r>
-              <a:rPr b="1" lang="en" sz="2800">
-                <a:solidFill>
-                  <a:srgbClr val="000000"/>
-                </a:solidFill>
-              </a:rPr>
-              <a:t>… que su dinero valga la inversión. </a:t>
-            </a:r>
-          </a:p>
-        </p:txBody>
-      </p:sp>
-    </p:spTree>
-  </p:cSld>
-  <p:clrMapOvr>
-    <a:masterClrMapping/>
-  </p:clrMapOvr>
-</p:sld>
-</file>
-
-<file path=ppt/slides/slide14.xml><?xml version="1.0" encoding="utf-8"?>
-<p:sld xmlns:a="http://schemas.openxmlformats.org/drawingml/2006/main" xmlns:r="http://schemas.openxmlformats.org/officeDocument/2006/relationships" xmlns:mc="http://schemas.openxmlformats.org/markup-compatibility/2006" xmlns:mv="urn:schemas-microsoft-com:mac:vml" xmlns:p="http://schemas.openxmlformats.org/presentationml/2006/main" xmlns:c="http://schemas.openxmlformats.org/drawingml/2006/chart" xmlns:dgm="http://schemas.openxmlformats.org/drawingml/2006/diagram" xmlns:o="urn:schemas-microsoft-com:office:office" xmlns:v="urn:schemas-microsoft-com:vml" xmlns:pvml="urn:schemas-microsoft-com:office:powerpoint" xmlns:com="http://schemas.openxmlformats.org/drawingml/2006/compatibility" xmlns:p14="http://schemas.microsoft.com/office/powerpoint/2010/main">
+<p:sld xmlns:a="http://schemas.openxmlformats.org/drawingml/2006/main" xmlns:r="http://schemas.openxmlformats.org/officeDocument/2006/relationships" xmlns:mc="http://schemas.openxmlformats.org/markup-compatibility/2006" xmlns:mv="urn:schemas-microsoft-com:mac:vml" xmlns:p="http://schemas.openxmlformats.org/presentationml/2006/main" xmlns:c="http://schemas.openxmlformats.org/drawingml/2006/chart" xmlns:dgm="http://schemas.openxmlformats.org/drawingml/2006/diagram" xmlns:o="urn:schemas-microsoft-com:office:office" xmlns:v="urn:schemas-microsoft-com:vml" xmlns:pvml="urn:schemas-microsoft-com:office:powerpoint" xmlns:com="http://schemas.openxmlformats.org/drawingml/2006/compatibility" xmlns:p14="http://schemas.microsoft.com/office/powerpoint/2010/main" xmlns:p15="http://schemas.microsoft.com/office/powerpoint/2012/main">
   <p:cSld>
     <p:spTree>
       <p:nvGrpSpPr>
@@ -8755,18 +8824,247 @@
         <p:spPr>
           <a:xfrm>
             <a:off x="457200" y="274637"/>
-            <a:ext cx="8229600" cy="1522199"/>
+            <a:ext cx="8229600" cy="1522200"/>
           </a:xfrm>
           <a:prstGeom prst="rect">
             <a:avLst/>
           </a:prstGeom>
         </p:spPr>
         <p:txBody>
-          <a:bodyPr anchorCtr="0" anchor="b" bIns="91425" lIns="91425" rIns="91425" tIns="91425">
+          <a:bodyPr anchorCtr="0" anchor="b" bIns="91425" lIns="91425" rIns="91425" wrap="square" tIns="91425">
             <a:noAutofit/>
           </a:bodyPr>
           <a:lstStyle/>
           <a:p>
+            <a:pPr lvl="0" rtl="0">
+              <a:spcBef>
+                <a:spcPts val="0"/>
+              </a:spcBef>
+              <a:buNone/>
+            </a:pPr>
+            <a:r>
+              <a:rPr lang="en"/>
+              <a:t>Objetivos</a:t>
+            </a:r>
+          </a:p>
+        </p:txBody>
+      </p:sp>
+      <p:sp>
+        <p:nvSpPr>
+          <p:cNvPr id="143" name="Shape 143"/>
+          <p:cNvSpPr txBox="1"/>
+          <p:nvPr>
+            <p:ph idx="1" type="body"/>
+          </p:nvPr>
+        </p:nvSpPr>
+        <p:spPr>
+          <a:xfrm>
+            <a:off x="457200" y="1947332"/>
+            <a:ext cx="8229600" cy="4620300"/>
+          </a:xfrm>
+          <a:prstGeom prst="rect">
+            <a:avLst/>
+          </a:prstGeom>
+        </p:spPr>
+        <p:txBody>
+          <a:bodyPr anchorCtr="0" anchor="t" bIns="91425" lIns="91425" rIns="91425" wrap="square" tIns="91425">
+            <a:noAutofit/>
+          </a:bodyPr>
+          <a:lstStyle/>
+          <a:p>
+            <a:pPr indent="-431800" lvl="0" marL="457200" rtl="0">
+              <a:lnSpc>
+                <a:spcPct val="115000"/>
+              </a:lnSpc>
+              <a:spcBef>
+                <a:spcPts val="800"/>
+              </a:spcBef>
+              <a:buClr>
+                <a:srgbClr val="000000"/>
+              </a:buClr>
+              <a:buSzPct val="100000"/>
+              <a:buFont typeface="Arial"/>
+              <a:buChar char="●"/>
+            </a:pPr>
+            <a:r>
+              <a:rPr b="1" lang="en" sz="3200">
+                <a:solidFill>
+                  <a:srgbClr val="000000"/>
+                </a:solidFill>
+              </a:rPr>
+              <a:t>De qué SÍ es el curso</a:t>
+            </a:r>
+          </a:p>
+          <a:p>
+            <a:pPr indent="-393700" lvl="1" marL="914400" rtl="0">
+              <a:lnSpc>
+                <a:spcPct val="115000"/>
+              </a:lnSpc>
+              <a:spcBef>
+                <a:spcPts val="700"/>
+              </a:spcBef>
+              <a:buClr>
+                <a:srgbClr val="000000"/>
+              </a:buClr>
+              <a:buSzPct val="92857"/>
+              <a:buFont typeface="Courier New"/>
+              <a:buChar char="o"/>
+            </a:pPr>
+            <a:r>
+              <a:rPr b="1" lang="en" sz="2800">
+                <a:solidFill>
+                  <a:srgbClr val="000000"/>
+                </a:solidFill>
+              </a:rPr>
+              <a:t>Bases de programación elemental.</a:t>
+            </a:r>
+          </a:p>
+          <a:p>
+            <a:pPr indent="-393700" lvl="1" marL="914400" rtl="0">
+              <a:lnSpc>
+                <a:spcPct val="115000"/>
+              </a:lnSpc>
+              <a:spcBef>
+                <a:spcPts val="700"/>
+              </a:spcBef>
+              <a:buClr>
+                <a:srgbClr val="000000"/>
+              </a:buClr>
+              <a:buSzPct val="92857"/>
+              <a:buFont typeface="Courier New"/>
+              <a:buChar char="o"/>
+            </a:pPr>
+            <a:r>
+              <a:rPr b="1" lang="en" sz="2800">
+                <a:solidFill>
+                  <a:srgbClr val="000000"/>
+                </a:solidFill>
+              </a:rPr>
+              <a:t>Lógica de programación para aprender cualquier otro lenguaje sin complicación.</a:t>
+            </a:r>
+          </a:p>
+          <a:p>
+            <a:pPr indent="-393700" lvl="1" marL="914400" rtl="0">
+              <a:lnSpc>
+                <a:spcPct val="115000"/>
+              </a:lnSpc>
+              <a:spcBef>
+                <a:spcPts val="700"/>
+              </a:spcBef>
+              <a:buClr>
+                <a:srgbClr val="000000"/>
+              </a:buClr>
+              <a:buSzPct val="92857"/>
+              <a:buFont typeface="Courier New"/>
+              <a:buChar char="o"/>
+            </a:pPr>
+            <a:r>
+              <a:rPr b="1" lang="en" sz="2800">
+                <a:solidFill>
+                  <a:srgbClr val="000000"/>
+                </a:solidFill>
+              </a:rPr>
+              <a:t>Comprender una parte del por qué y cómo de la tecnología que usamos hoy en día. </a:t>
+            </a:r>
+          </a:p>
+          <a:p>
+            <a:pPr indent="-228600" lvl="1" marL="914400" rtl="0">
+              <a:lnSpc>
+                <a:spcPct val="115000"/>
+              </a:lnSpc>
+              <a:spcBef>
+                <a:spcPts val="700"/>
+              </a:spcBef>
+              <a:buFont typeface="Courier New"/>
+              <a:buChar char="o"/>
+            </a:pPr>
+            <a:r>
+              <a:rPr b="1" lang="en" sz="2800">
+                <a:solidFill>
+                  <a:srgbClr val="000000"/>
+                </a:solidFill>
+              </a:rPr>
+              <a:t>… que su dinero valga la inversión. </a:t>
+            </a:r>
+          </a:p>
+        </p:txBody>
+      </p:sp>
+      <p:pic>
+        <p:nvPicPr>
+          <p:cNvPr id="144" name="Shape 144"/>
+          <p:cNvPicPr preferRelativeResize="0"/>
+          <p:nvPr/>
+        </p:nvPicPr>
+        <p:blipFill>
+          <a:blip r:embed="rId3">
+            <a:alphaModFix/>
+          </a:blip>
+          <a:stretch>
+            <a:fillRect/>
+          </a:stretch>
+        </p:blipFill>
+        <p:spPr>
+          <a:xfrm>
+            <a:off x="7417075" y="6402550"/>
+            <a:ext cx="1726925" cy="455450"/>
+          </a:xfrm>
+          <a:prstGeom prst="rect">
+            <a:avLst/>
+          </a:prstGeom>
+          <a:noFill/>
+          <a:ln>
+            <a:noFill/>
+          </a:ln>
+        </p:spPr>
+      </p:pic>
+    </p:spTree>
+  </p:cSld>
+  <p:clrMapOvr>
+    <a:masterClrMapping/>
+  </p:clrMapOvr>
+</p:sld>
+</file>
+
+<file path=ppt/slides/slide14.xml><?xml version="1.0" encoding="utf-8"?>
+<p:sld xmlns:a="http://schemas.openxmlformats.org/drawingml/2006/main" xmlns:r="http://schemas.openxmlformats.org/officeDocument/2006/relationships" xmlns:mc="http://schemas.openxmlformats.org/markup-compatibility/2006" xmlns:mv="urn:schemas-microsoft-com:mac:vml" xmlns:p="http://schemas.openxmlformats.org/presentationml/2006/main" xmlns:c="http://schemas.openxmlformats.org/drawingml/2006/chart" xmlns:dgm="http://schemas.openxmlformats.org/drawingml/2006/diagram" xmlns:o="urn:schemas-microsoft-com:office:office" xmlns:v="urn:schemas-microsoft-com:vml" xmlns:pvml="urn:schemas-microsoft-com:office:powerpoint" xmlns:com="http://schemas.openxmlformats.org/drawingml/2006/compatibility" xmlns:p14="http://schemas.microsoft.com/office/powerpoint/2010/main" xmlns:p15="http://schemas.microsoft.com/office/powerpoint/2012/main">
+  <p:cSld>
+    <p:spTree>
+      <p:nvGrpSpPr>
+        <p:cNvPr id="148" name="Shape 148"/>
+        <p:cNvGrpSpPr/>
+        <p:nvPr/>
+      </p:nvGrpSpPr>
+      <p:grpSpPr>
+        <a:xfrm>
+          <a:off x="0" y="0"/>
+          <a:ext cx="0" cy="0"/>
+          <a:chOff x="0" y="0"/>
+          <a:chExt cx="0" cy="0"/>
+        </a:xfrm>
+      </p:grpSpPr>
+      <p:sp>
+        <p:nvSpPr>
+          <p:cNvPr id="149" name="Shape 149"/>
+          <p:cNvSpPr txBox="1"/>
+          <p:nvPr>
+            <p:ph type="title"/>
+          </p:nvPr>
+        </p:nvSpPr>
+        <p:spPr>
+          <a:xfrm>
+            <a:off x="457200" y="274637"/>
+            <a:ext cx="8229600" cy="1522200"/>
+          </a:xfrm>
+          <a:prstGeom prst="rect">
+            <a:avLst/>
+          </a:prstGeom>
+        </p:spPr>
+        <p:txBody>
+          <a:bodyPr anchorCtr="0" anchor="b" bIns="91425" lIns="91425" rIns="91425" wrap="square" tIns="91425">
+            <a:noAutofit/>
+          </a:bodyPr>
+          <a:lstStyle/>
+          <a:p>
             <a:pPr lvl="0">
               <a:spcBef>
                 <a:spcPts val="0"/>
@@ -8782,7 +9080,7 @@
       </p:sp>
       <p:sp>
         <p:nvSpPr>
-          <p:cNvPr id="143" name="Shape 143">
+          <p:cNvPr id="150" name="Shape 150">
             <a:hlinkClick r:id="rId3"/>
           </p:cNvPr>
           <p:cNvSpPr/>
@@ -8809,6 +9107,34 @@
           </a:ln>
         </p:spPr>
       </p:sp>
+      <p:pic>
+        <p:nvPicPr>
+          <p:cNvPr id="151" name="Shape 151"/>
+          <p:cNvPicPr preferRelativeResize="0"/>
+          <p:nvPr/>
+        </p:nvPicPr>
+        <p:blipFill>
+          <a:blip r:embed="rId5">
+            <a:alphaModFix/>
+          </a:blip>
+          <a:stretch>
+            <a:fillRect/>
+          </a:stretch>
+        </p:blipFill>
+        <p:spPr>
+          <a:xfrm>
+            <a:off x="7417075" y="6402550"/>
+            <a:ext cx="1726925" cy="455450"/>
+          </a:xfrm>
+          <a:prstGeom prst="rect">
+            <a:avLst/>
+          </a:prstGeom>
+          <a:noFill/>
+          <a:ln>
+            <a:noFill/>
+          </a:ln>
+        </p:spPr>
+      </p:pic>
     </p:spTree>
   </p:cSld>
   <p:clrMapOvr>
@@ -8818,11 +9144,11 @@
 </file>
 
 <file path=ppt/slides/slide15.xml><?xml version="1.0" encoding="utf-8"?>
-<p:sld xmlns:a="http://schemas.openxmlformats.org/drawingml/2006/main" xmlns:r="http://schemas.openxmlformats.org/officeDocument/2006/relationships" xmlns:mc="http://schemas.openxmlformats.org/markup-compatibility/2006" xmlns:mv="urn:schemas-microsoft-com:mac:vml" xmlns:p="http://schemas.openxmlformats.org/presentationml/2006/main" xmlns:c="http://schemas.openxmlformats.org/drawingml/2006/chart" xmlns:dgm="http://schemas.openxmlformats.org/drawingml/2006/diagram" xmlns:o="urn:schemas-microsoft-com:office:office" xmlns:v="urn:schemas-microsoft-com:vml" xmlns:pvml="urn:schemas-microsoft-com:office:powerpoint" xmlns:com="http://schemas.openxmlformats.org/drawingml/2006/compatibility" xmlns:p14="http://schemas.microsoft.com/office/powerpoint/2010/main">
+<p:sld xmlns:a="http://schemas.openxmlformats.org/drawingml/2006/main" xmlns:r="http://schemas.openxmlformats.org/officeDocument/2006/relationships" xmlns:mc="http://schemas.openxmlformats.org/markup-compatibility/2006" xmlns:mv="urn:schemas-microsoft-com:mac:vml" xmlns:p="http://schemas.openxmlformats.org/presentationml/2006/main" xmlns:c="http://schemas.openxmlformats.org/drawingml/2006/chart" xmlns:dgm="http://schemas.openxmlformats.org/drawingml/2006/diagram" xmlns:o="urn:schemas-microsoft-com:office:office" xmlns:v="urn:schemas-microsoft-com:vml" xmlns:pvml="urn:schemas-microsoft-com:office:powerpoint" xmlns:com="http://schemas.openxmlformats.org/drawingml/2006/compatibility" xmlns:p14="http://schemas.microsoft.com/office/powerpoint/2010/main" xmlns:p15="http://schemas.microsoft.com/office/powerpoint/2012/main">
   <p:cSld>
     <p:spTree>
       <p:nvGrpSpPr>
-        <p:cNvPr id="147" name="Shape 147"/>
+        <p:cNvPr id="155" name="Shape 155"/>
         <p:cNvGrpSpPr/>
         <p:nvPr/>
       </p:nvGrpSpPr>
@@ -8836,7 +9162,7 @@
       </p:grpSpPr>
       <p:sp>
         <p:nvSpPr>
-          <p:cNvPr id="148" name="Shape 148"/>
+          <p:cNvPr id="156" name="Shape 156"/>
           <p:cNvSpPr txBox="1"/>
           <p:nvPr>
             <p:ph type="title"/>
@@ -8845,14 +9171,14 @@
         <p:spPr>
           <a:xfrm>
             <a:off x="457200" y="274637"/>
-            <a:ext cx="8229600" cy="1522199"/>
+            <a:ext cx="8229600" cy="1522200"/>
           </a:xfrm>
           <a:prstGeom prst="rect">
             <a:avLst/>
           </a:prstGeom>
         </p:spPr>
         <p:txBody>
-          <a:bodyPr anchorCtr="0" anchor="b" bIns="91425" lIns="91425" rIns="91425" tIns="91425">
+          <a:bodyPr anchorCtr="0" anchor="b" bIns="91425" lIns="91425" rIns="91425" wrap="square" tIns="91425">
             <a:noAutofit/>
           </a:bodyPr>
           <a:lstStyle/>
@@ -8872,7 +9198,7 @@
       </p:sp>
       <p:sp>
         <p:nvSpPr>
-          <p:cNvPr id="149" name="Shape 149"/>
+          <p:cNvPr id="157" name="Shape 157"/>
           <p:cNvSpPr txBox="1"/>
           <p:nvPr>
             <p:ph idx="1" type="body"/>
@@ -8881,14 +9207,14 @@
         <p:spPr>
           <a:xfrm>
             <a:off x="457200" y="1947332"/>
-            <a:ext cx="8229600" cy="4620299"/>
+            <a:ext cx="8229600" cy="4620300"/>
           </a:xfrm>
           <a:prstGeom prst="rect">
             <a:avLst/>
           </a:prstGeom>
         </p:spPr>
         <p:txBody>
-          <a:bodyPr anchorCtr="0" anchor="t" bIns="91425" lIns="91425" rIns="91425" tIns="91425">
+          <a:bodyPr anchorCtr="0" anchor="t" bIns="91425" lIns="91425" rIns="91425" wrap="square" tIns="91425">
             <a:noAutofit/>
           </a:bodyPr>
           <a:lstStyle/>
@@ -8951,7 +9277,7 @@
                   <a:srgbClr val="000000"/>
                 </a:solidFill>
               </a:rPr>
-              <a:t>Cualquier persona puede (debiera) </a:t>
+              <a:t>Cualquier persona debiera</a:t>
             </a:r>
           </a:p>
           <a:p>
@@ -8993,7 +9319,7 @@
                   <a:srgbClr val="000000"/>
                 </a:solidFill>
               </a:rPr>
-              <a:t>Alguien, 2016</a:t>
+              <a:t>Alguien, 2017</a:t>
             </a:r>
           </a:p>
           <a:p>
@@ -9010,6 +9336,34 @@
           </a:p>
         </p:txBody>
       </p:sp>
+      <p:pic>
+        <p:nvPicPr>
+          <p:cNvPr id="158" name="Shape 158"/>
+          <p:cNvPicPr preferRelativeResize="0"/>
+          <p:nvPr/>
+        </p:nvPicPr>
+        <p:blipFill>
+          <a:blip r:embed="rId3">
+            <a:alphaModFix/>
+          </a:blip>
+          <a:stretch>
+            <a:fillRect/>
+          </a:stretch>
+        </p:blipFill>
+        <p:spPr>
+          <a:xfrm>
+            <a:off x="7417075" y="6402550"/>
+            <a:ext cx="1726925" cy="455450"/>
+          </a:xfrm>
+          <a:prstGeom prst="rect">
+            <a:avLst/>
+          </a:prstGeom>
+          <a:noFill/>
+          <a:ln>
+            <a:noFill/>
+          </a:ln>
+        </p:spPr>
+      </p:pic>
     </p:spTree>
   </p:cSld>
   <p:clrMapOvr>
@@ -9019,11 +9373,11 @@
 </file>
 
 <file path=ppt/slides/slide16.xml><?xml version="1.0" encoding="utf-8"?>
-<p:sld xmlns:a="http://schemas.openxmlformats.org/drawingml/2006/main" xmlns:r="http://schemas.openxmlformats.org/officeDocument/2006/relationships" xmlns:mc="http://schemas.openxmlformats.org/markup-compatibility/2006" xmlns:mv="urn:schemas-microsoft-com:mac:vml" xmlns:p="http://schemas.openxmlformats.org/presentationml/2006/main" xmlns:c="http://schemas.openxmlformats.org/drawingml/2006/chart" xmlns:dgm="http://schemas.openxmlformats.org/drawingml/2006/diagram" xmlns:o="urn:schemas-microsoft-com:office:office" xmlns:v="urn:schemas-microsoft-com:vml" xmlns:pvml="urn:schemas-microsoft-com:office:powerpoint" xmlns:com="http://schemas.openxmlformats.org/drawingml/2006/compatibility" xmlns:p14="http://schemas.microsoft.com/office/powerpoint/2010/main">
+<p:sld xmlns:a="http://schemas.openxmlformats.org/drawingml/2006/main" xmlns:r="http://schemas.openxmlformats.org/officeDocument/2006/relationships" xmlns:mc="http://schemas.openxmlformats.org/markup-compatibility/2006" xmlns:mv="urn:schemas-microsoft-com:mac:vml" xmlns:p="http://schemas.openxmlformats.org/presentationml/2006/main" xmlns:c="http://schemas.openxmlformats.org/drawingml/2006/chart" xmlns:dgm="http://schemas.openxmlformats.org/drawingml/2006/diagram" xmlns:o="urn:schemas-microsoft-com:office:office" xmlns:v="urn:schemas-microsoft-com:vml" xmlns:pvml="urn:schemas-microsoft-com:office:powerpoint" xmlns:com="http://schemas.openxmlformats.org/drawingml/2006/compatibility" xmlns:p14="http://schemas.microsoft.com/office/powerpoint/2010/main" xmlns:p15="http://schemas.microsoft.com/office/powerpoint/2012/main">
   <p:cSld>
     <p:spTree>
       <p:nvGrpSpPr>
-        <p:cNvPr id="153" name="Shape 153"/>
+        <p:cNvPr id="162" name="Shape 162"/>
         <p:cNvGrpSpPr/>
         <p:nvPr/>
       </p:nvGrpSpPr>
@@ -9037,7 +9391,7 @@
       </p:grpSpPr>
       <p:sp>
         <p:nvSpPr>
-          <p:cNvPr id="154" name="Shape 154"/>
+          <p:cNvPr id="163" name="Shape 163"/>
           <p:cNvSpPr txBox="1"/>
           <p:nvPr>
             <p:ph type="ctrTitle"/>
@@ -9045,15 +9399,15 @@
         </p:nvSpPr>
         <p:spPr>
           <a:xfrm>
-            <a:off x="685800" y="1734342"/>
-            <a:ext cx="7772400" cy="2245499"/>
+            <a:off x="685800" y="1734343"/>
+            <a:ext cx="7772400" cy="2245500"/>
           </a:xfrm>
           <a:prstGeom prst="rect">
             <a:avLst/>
           </a:prstGeom>
         </p:spPr>
         <p:txBody>
-          <a:bodyPr anchorCtr="0" anchor="b" bIns="91425" lIns="91425" rIns="91425" tIns="91425">
+          <a:bodyPr anchorCtr="0" anchor="b" bIns="91425" lIns="91425" rIns="91425" wrap="square" tIns="91425">
             <a:noAutofit/>
           </a:bodyPr>
           <a:lstStyle/>
@@ -9073,7 +9427,7 @@
       </p:sp>
       <p:sp>
         <p:nvSpPr>
-          <p:cNvPr id="155" name="Shape 155"/>
+          <p:cNvPr id="164" name="Shape 164"/>
           <p:cNvSpPr txBox="1"/>
           <p:nvPr>
             <p:ph idx="1" type="subTitle"/>
@@ -9082,14 +9436,14 @@
         <p:spPr>
           <a:xfrm>
             <a:off x="685800" y="4124476"/>
-            <a:ext cx="7772400" cy="949799"/>
+            <a:ext cx="7772400" cy="949800"/>
           </a:xfrm>
           <a:prstGeom prst="rect">
             <a:avLst/>
           </a:prstGeom>
         </p:spPr>
         <p:txBody>
-          <a:bodyPr anchorCtr="0" anchor="ctr" bIns="91425" lIns="91425" rIns="91425" tIns="91425">
+          <a:bodyPr anchorCtr="0" anchor="ctr" bIns="91425" lIns="91425" rIns="91425" wrap="square" tIns="91425">
             <a:noAutofit/>
           </a:bodyPr>
           <a:lstStyle/>
@@ -9107,6 +9461,34 @@
           </a:p>
         </p:txBody>
       </p:sp>
+      <p:pic>
+        <p:nvPicPr>
+          <p:cNvPr id="165" name="Shape 165"/>
+          <p:cNvPicPr preferRelativeResize="0"/>
+          <p:nvPr/>
+        </p:nvPicPr>
+        <p:blipFill>
+          <a:blip r:embed="rId3">
+            <a:alphaModFix/>
+          </a:blip>
+          <a:stretch>
+            <a:fillRect/>
+          </a:stretch>
+        </p:blipFill>
+        <p:spPr>
+          <a:xfrm>
+            <a:off x="7417075" y="6402550"/>
+            <a:ext cx="1726925" cy="455450"/>
+          </a:xfrm>
+          <a:prstGeom prst="rect">
+            <a:avLst/>
+          </a:prstGeom>
+          <a:noFill/>
+          <a:ln>
+            <a:noFill/>
+          </a:ln>
+        </p:spPr>
+      </p:pic>
     </p:spTree>
   </p:cSld>
   <p:clrMapOvr>
@@ -9116,11 +9498,11 @@
 </file>
 
 <file path=ppt/slides/slide17.xml><?xml version="1.0" encoding="utf-8"?>
-<p:sld xmlns:a="http://schemas.openxmlformats.org/drawingml/2006/main" xmlns:r="http://schemas.openxmlformats.org/officeDocument/2006/relationships" xmlns:mc="http://schemas.openxmlformats.org/markup-compatibility/2006" xmlns:mv="urn:schemas-microsoft-com:mac:vml" xmlns:p="http://schemas.openxmlformats.org/presentationml/2006/main" xmlns:c="http://schemas.openxmlformats.org/drawingml/2006/chart" xmlns:dgm="http://schemas.openxmlformats.org/drawingml/2006/diagram" xmlns:o="urn:schemas-microsoft-com:office:office" xmlns:v="urn:schemas-microsoft-com:vml" xmlns:pvml="urn:schemas-microsoft-com:office:powerpoint" xmlns:com="http://schemas.openxmlformats.org/drawingml/2006/compatibility" xmlns:p14="http://schemas.microsoft.com/office/powerpoint/2010/main">
+<p:sld xmlns:a="http://schemas.openxmlformats.org/drawingml/2006/main" xmlns:r="http://schemas.openxmlformats.org/officeDocument/2006/relationships" xmlns:mc="http://schemas.openxmlformats.org/markup-compatibility/2006" xmlns:mv="urn:schemas-microsoft-com:mac:vml" xmlns:p="http://schemas.openxmlformats.org/presentationml/2006/main" xmlns:c="http://schemas.openxmlformats.org/drawingml/2006/chart" xmlns:dgm="http://schemas.openxmlformats.org/drawingml/2006/diagram" xmlns:o="urn:schemas-microsoft-com:office:office" xmlns:v="urn:schemas-microsoft-com:vml" xmlns:pvml="urn:schemas-microsoft-com:office:powerpoint" xmlns:com="http://schemas.openxmlformats.org/drawingml/2006/compatibility" xmlns:p14="http://schemas.microsoft.com/office/powerpoint/2010/main" xmlns:p15="http://schemas.microsoft.com/office/powerpoint/2012/main">
   <p:cSld>
     <p:spTree>
       <p:nvGrpSpPr>
-        <p:cNvPr id="159" name="Shape 159"/>
+        <p:cNvPr id="169" name="Shape 169"/>
         <p:cNvGrpSpPr/>
         <p:nvPr/>
       </p:nvGrpSpPr>
@@ -9134,7 +9516,7 @@
       </p:grpSpPr>
       <p:sp>
         <p:nvSpPr>
-          <p:cNvPr id="160" name="Shape 160"/>
+          <p:cNvPr id="170" name="Shape 170"/>
           <p:cNvSpPr txBox="1"/>
           <p:nvPr>
             <p:ph type="title"/>
@@ -9143,14 +9525,14 @@
         <p:spPr>
           <a:xfrm>
             <a:off x="457200" y="274637"/>
-            <a:ext cx="8229600" cy="1522199"/>
+            <a:ext cx="8229600" cy="1522200"/>
           </a:xfrm>
           <a:prstGeom prst="rect">
             <a:avLst/>
           </a:prstGeom>
         </p:spPr>
         <p:txBody>
-          <a:bodyPr anchorCtr="0" anchor="b" bIns="91425" lIns="91425" rIns="91425" tIns="91425">
+          <a:bodyPr anchorCtr="0" anchor="b" bIns="91425" lIns="91425" rIns="91425" wrap="square" tIns="91425">
             <a:noAutofit/>
           </a:bodyPr>
           <a:lstStyle/>
@@ -9170,7 +9552,7 @@
       </p:sp>
       <p:sp>
         <p:nvSpPr>
-          <p:cNvPr id="161" name="Shape 161"/>
+          <p:cNvPr id="171" name="Shape 171"/>
           <p:cNvSpPr txBox="1"/>
           <p:nvPr>
             <p:ph idx="1" type="body"/>
@@ -9179,14 +9561,14 @@
         <p:spPr>
           <a:xfrm>
             <a:off x="457200" y="1947332"/>
-            <a:ext cx="8229600" cy="4620299"/>
+            <a:ext cx="8229600" cy="4620300"/>
           </a:xfrm>
           <a:prstGeom prst="rect">
             <a:avLst/>
           </a:prstGeom>
         </p:spPr>
         <p:txBody>
-          <a:bodyPr anchorCtr="0" anchor="t" bIns="91425" lIns="91425" rIns="91425" tIns="91425">
+          <a:bodyPr anchorCtr="0" anchor="t" bIns="91425" lIns="91425" rIns="91425" wrap="square" tIns="91425">
             <a:noAutofit/>
           </a:bodyPr>
           <a:lstStyle/>
@@ -9231,7 +9613,7 @@
                   <a:srgbClr val="000000"/>
                 </a:solidFill>
               </a:rPr>
-              <a:t>Pensamiento computacional, resolución de problemas y programación.</a:t>
+              <a:t>Álgebra booleana y lógica computacional</a:t>
             </a:r>
           </a:p>
           <a:p>
@@ -9253,7 +9635,7 @@
                   <a:srgbClr val="000000"/>
                 </a:solidFill>
               </a:rPr>
-              <a:t>Lógica de programación en Scratch.</a:t>
+              <a:t>Algoritmos: Pseudocódigo y diagramas de flujo</a:t>
             </a:r>
           </a:p>
           <a:p>
@@ -9327,6 +9709,34 @@
           </a:p>
         </p:txBody>
       </p:sp>
+      <p:pic>
+        <p:nvPicPr>
+          <p:cNvPr id="172" name="Shape 172"/>
+          <p:cNvPicPr preferRelativeResize="0"/>
+          <p:nvPr/>
+        </p:nvPicPr>
+        <p:blipFill>
+          <a:blip r:embed="rId3">
+            <a:alphaModFix/>
+          </a:blip>
+          <a:stretch>
+            <a:fillRect/>
+          </a:stretch>
+        </p:blipFill>
+        <p:spPr>
+          <a:xfrm>
+            <a:off x="7417075" y="6402550"/>
+            <a:ext cx="1726925" cy="455450"/>
+          </a:xfrm>
+          <a:prstGeom prst="rect">
+            <a:avLst/>
+          </a:prstGeom>
+          <a:noFill/>
+          <a:ln>
+            <a:noFill/>
+          </a:ln>
+        </p:spPr>
+      </p:pic>
     </p:spTree>
   </p:cSld>
   <p:clrMapOvr>
@@ -9336,11 +9746,11 @@
 </file>
 
 <file path=ppt/slides/slide18.xml><?xml version="1.0" encoding="utf-8"?>
-<p:sld xmlns:a="http://schemas.openxmlformats.org/drawingml/2006/main" xmlns:r="http://schemas.openxmlformats.org/officeDocument/2006/relationships" xmlns:mc="http://schemas.openxmlformats.org/markup-compatibility/2006" xmlns:mv="urn:schemas-microsoft-com:mac:vml" xmlns:p="http://schemas.openxmlformats.org/presentationml/2006/main" xmlns:c="http://schemas.openxmlformats.org/drawingml/2006/chart" xmlns:dgm="http://schemas.openxmlformats.org/drawingml/2006/diagram" xmlns:o="urn:schemas-microsoft-com:office:office" xmlns:v="urn:schemas-microsoft-com:vml" xmlns:pvml="urn:schemas-microsoft-com:office:powerpoint" xmlns:com="http://schemas.openxmlformats.org/drawingml/2006/compatibility" xmlns:p14="http://schemas.microsoft.com/office/powerpoint/2010/main">
+<p:sld xmlns:a="http://schemas.openxmlformats.org/drawingml/2006/main" xmlns:r="http://schemas.openxmlformats.org/officeDocument/2006/relationships" xmlns:mc="http://schemas.openxmlformats.org/markup-compatibility/2006" xmlns:mv="urn:schemas-microsoft-com:mac:vml" xmlns:p="http://schemas.openxmlformats.org/presentationml/2006/main" xmlns:c="http://schemas.openxmlformats.org/drawingml/2006/chart" xmlns:dgm="http://schemas.openxmlformats.org/drawingml/2006/diagram" xmlns:o="urn:schemas-microsoft-com:office:office" xmlns:v="urn:schemas-microsoft-com:vml" xmlns:pvml="urn:schemas-microsoft-com:office:powerpoint" xmlns:com="http://schemas.openxmlformats.org/drawingml/2006/compatibility" xmlns:p14="http://schemas.microsoft.com/office/powerpoint/2010/main" xmlns:p15="http://schemas.microsoft.com/office/powerpoint/2012/main">
   <p:cSld>
     <p:spTree>
       <p:nvGrpSpPr>
-        <p:cNvPr id="165" name="Shape 165"/>
+        <p:cNvPr id="176" name="Shape 176"/>
         <p:cNvGrpSpPr/>
         <p:nvPr/>
       </p:nvGrpSpPr>
@@ -9354,7 +9764,7 @@
       </p:grpSpPr>
       <p:pic>
         <p:nvPicPr>
-          <p:cNvPr id="166" name="Shape 166"/>
+          <p:cNvPr id="177" name="Shape 177"/>
           <p:cNvPicPr preferRelativeResize="0"/>
           <p:nvPr/>
         </p:nvPicPr>
@@ -9369,7 +9779,7 @@
         <p:spPr>
           <a:xfrm>
             <a:off x="0" y="0"/>
-            <a:ext cx="6816924" cy="6858000"/>
+            <a:ext cx="6816925" cy="6858000"/>
           </a:xfrm>
           <a:prstGeom prst="rect">
             <a:avLst/>
@@ -9382,7 +9792,7 @@
       </p:pic>
       <p:pic>
         <p:nvPicPr>
-          <p:cNvPr id="167" name="Shape 167"/>
+          <p:cNvPr id="178" name="Shape 178"/>
           <p:cNvPicPr preferRelativeResize="0"/>
           <p:nvPr/>
         </p:nvPicPr>
@@ -9410,7 +9820,7 @@
       </p:pic>
       <p:pic>
         <p:nvPicPr>
-          <p:cNvPr id="168" name="Shape 168"/>
+          <p:cNvPr id="179" name="Shape 179"/>
           <p:cNvPicPr preferRelativeResize="0"/>
           <p:nvPr/>
         </p:nvPicPr>
@@ -9438,7 +9848,7 @@
       </p:pic>
       <p:pic>
         <p:nvPicPr>
-          <p:cNvPr id="169" name="Shape 169"/>
+          <p:cNvPr id="180" name="Shape 180"/>
           <p:cNvPicPr preferRelativeResize="0"/>
           <p:nvPr/>
         </p:nvPicPr>
@@ -9453,7 +9863,7 @@
         <p:spPr>
           <a:xfrm>
             <a:off x="7362700" y="1689550"/>
-            <a:ext cx="794399" cy="789775"/>
+            <a:ext cx="794400" cy="789775"/>
           </a:xfrm>
           <a:prstGeom prst="rect">
             <a:avLst/>
@@ -9466,14 +9876,14 @@
       </p:pic>
       <p:sp>
         <p:nvSpPr>
-          <p:cNvPr id="170" name="Shape 170"/>
+          <p:cNvPr id="181" name="Shape 181"/>
           <p:cNvSpPr txBox="1"/>
           <p:nvPr/>
         </p:nvSpPr>
         <p:spPr>
           <a:xfrm>
             <a:off x="7050725" y="4657125"/>
-            <a:ext cx="2423399" cy="1380899"/>
+            <a:ext cx="2423400" cy="1380900"/>
           </a:xfrm>
           <a:prstGeom prst="rect">
             <a:avLst/>
@@ -9484,7 +9894,7 @@
           </a:ln>
         </p:spPr>
         <p:txBody>
-          <a:bodyPr anchorCtr="0" anchor="t" bIns="91425" lIns="91425" rIns="91425" tIns="91425">
+          <a:bodyPr anchorCtr="0" anchor="t" bIns="91425" lIns="91425" rIns="91425" wrap="square" tIns="91425">
             <a:noAutofit/>
           </a:bodyPr>
           <a:lstStyle/>
@@ -9511,11 +9921,11 @@
 </file>
 
 <file path=ppt/slides/slide19.xml><?xml version="1.0" encoding="utf-8"?>
-<p:sld xmlns:a="http://schemas.openxmlformats.org/drawingml/2006/main" xmlns:r="http://schemas.openxmlformats.org/officeDocument/2006/relationships" xmlns:mc="http://schemas.openxmlformats.org/markup-compatibility/2006" xmlns:mv="urn:schemas-microsoft-com:mac:vml" xmlns:p="http://schemas.openxmlformats.org/presentationml/2006/main" xmlns:c="http://schemas.openxmlformats.org/drawingml/2006/chart" xmlns:dgm="http://schemas.openxmlformats.org/drawingml/2006/diagram" xmlns:o="urn:schemas-microsoft-com:office:office" xmlns:v="urn:schemas-microsoft-com:vml" xmlns:pvml="urn:schemas-microsoft-com:office:powerpoint" xmlns:com="http://schemas.openxmlformats.org/drawingml/2006/compatibility" xmlns:p14="http://schemas.microsoft.com/office/powerpoint/2010/main">
+<p:sld xmlns:a="http://schemas.openxmlformats.org/drawingml/2006/main" xmlns:r="http://schemas.openxmlformats.org/officeDocument/2006/relationships" xmlns:mc="http://schemas.openxmlformats.org/markup-compatibility/2006" xmlns:mv="urn:schemas-microsoft-com:mac:vml" xmlns:p="http://schemas.openxmlformats.org/presentationml/2006/main" xmlns:c="http://schemas.openxmlformats.org/drawingml/2006/chart" xmlns:dgm="http://schemas.openxmlformats.org/drawingml/2006/diagram" xmlns:o="urn:schemas-microsoft-com:office:office" xmlns:v="urn:schemas-microsoft-com:vml" xmlns:pvml="urn:schemas-microsoft-com:office:powerpoint" xmlns:com="http://schemas.openxmlformats.org/drawingml/2006/compatibility" xmlns:p14="http://schemas.microsoft.com/office/powerpoint/2010/main" xmlns:p15="http://schemas.microsoft.com/office/powerpoint/2012/main">
   <p:cSld>
     <p:spTree>
       <p:nvGrpSpPr>
-        <p:cNvPr id="174" name="Shape 174"/>
+        <p:cNvPr id="185" name="Shape 185"/>
         <p:cNvGrpSpPr/>
         <p:nvPr/>
       </p:nvGrpSpPr>
@@ -9529,13 +9939,13 @@
       </p:grpSpPr>
       <p:sp>
         <p:nvSpPr>
-          <p:cNvPr id="175" name="Shape 175"/>
+          <p:cNvPr id="186" name="Shape 186"/>
           <p:cNvSpPr txBox="1"/>
           <p:nvPr/>
         </p:nvSpPr>
         <p:spPr>
           <a:xfrm>
-            <a:off x="2181800" y="4883450"/>
+            <a:off x="1312975" y="4883450"/>
             <a:ext cx="5372100" cy="649200"/>
           </a:xfrm>
           <a:prstGeom prst="rect">
@@ -9547,7 +9957,7 @@
           </a:ln>
         </p:spPr>
         <p:txBody>
-          <a:bodyPr anchorCtr="0" anchor="t" bIns="91425" lIns="91425" rIns="91425" tIns="91425">
+          <a:bodyPr anchorCtr="0" anchor="t" bIns="91425" lIns="91425" rIns="91425" wrap="square" tIns="91425">
             <a:noAutofit/>
           </a:bodyPr>
           <a:lstStyle/>
@@ -9562,16 +9972,12 @@
               <a:rPr lang="en" sz="2800"/>
               <a:t>Nosotros usaremos </a:t>
             </a:r>
-            <a:r>
-              <a:rPr b="1" lang="en" sz="2800"/>
-              <a:t>Scratch</a:t>
-            </a:r>
           </a:p>
         </p:txBody>
       </p:sp>
       <p:pic>
         <p:nvPicPr>
-          <p:cNvPr id="176" name="Shape 176"/>
+          <p:cNvPr id="187" name="Shape 187"/>
           <p:cNvPicPr preferRelativeResize="0"/>
           <p:nvPr/>
         </p:nvPicPr>
@@ -9585,8 +9991,8 @@
         </p:blipFill>
         <p:spPr>
           <a:xfrm>
-            <a:off x="340825" y="4646595"/>
-            <a:ext cx="1724700" cy="1122900"/>
+            <a:off x="5044925" y="4700325"/>
+            <a:ext cx="3006325" cy="1015450"/>
           </a:xfrm>
           <a:prstGeom prst="rect">
             <a:avLst/>
@@ -9606,7 +10012,7 @@
 </file>
 
 <file path=ppt/slides/slide2.xml><?xml version="1.0" encoding="utf-8"?>
-<p:sld xmlns:a="http://schemas.openxmlformats.org/drawingml/2006/main" xmlns:r="http://schemas.openxmlformats.org/officeDocument/2006/relationships" xmlns:mc="http://schemas.openxmlformats.org/markup-compatibility/2006" xmlns:mv="urn:schemas-microsoft-com:mac:vml" xmlns:p="http://schemas.openxmlformats.org/presentationml/2006/main" xmlns:c="http://schemas.openxmlformats.org/drawingml/2006/chart" xmlns:dgm="http://schemas.openxmlformats.org/drawingml/2006/diagram" xmlns:o="urn:schemas-microsoft-com:office:office" xmlns:v="urn:schemas-microsoft-com:vml" xmlns:pvml="urn:schemas-microsoft-com:office:powerpoint" xmlns:com="http://schemas.openxmlformats.org/drawingml/2006/compatibility" xmlns:p14="http://schemas.microsoft.com/office/powerpoint/2010/main">
+<p:sld xmlns:a="http://schemas.openxmlformats.org/drawingml/2006/main" xmlns:r="http://schemas.openxmlformats.org/officeDocument/2006/relationships" xmlns:mc="http://schemas.openxmlformats.org/markup-compatibility/2006" xmlns:mv="urn:schemas-microsoft-com:mac:vml" xmlns:p="http://schemas.openxmlformats.org/presentationml/2006/main" xmlns:c="http://schemas.openxmlformats.org/drawingml/2006/chart" xmlns:dgm="http://schemas.openxmlformats.org/drawingml/2006/diagram" xmlns:o="urn:schemas-microsoft-com:office:office" xmlns:v="urn:schemas-microsoft-com:vml" xmlns:pvml="urn:schemas-microsoft-com:office:powerpoint" xmlns:com="http://schemas.openxmlformats.org/drawingml/2006/compatibility" xmlns:p14="http://schemas.microsoft.com/office/powerpoint/2010/main" xmlns:p15="http://schemas.microsoft.com/office/powerpoint/2012/main">
   <p:cSld>
     <p:spTree>
       <p:nvGrpSpPr>
@@ -9638,8 +10044,8 @@
         </p:blipFill>
         <p:spPr>
           <a:xfrm>
-            <a:off x="1507850" y="664087"/>
-            <a:ext cx="6128299" cy="5529824"/>
+            <a:off x="1507850" y="664088"/>
+            <a:ext cx="6128300" cy="5529825"/>
           </a:xfrm>
           <a:prstGeom prst="rect">
             <a:avLst/>
@@ -9659,72 +10065,11 @@
 </file>
 
 <file path=ppt/slides/slide20.xml><?xml version="1.0" encoding="utf-8"?>
-<p:sld xmlns:a="http://schemas.openxmlformats.org/drawingml/2006/main" xmlns:r="http://schemas.openxmlformats.org/officeDocument/2006/relationships" xmlns:mc="http://schemas.openxmlformats.org/markup-compatibility/2006" xmlns:mv="urn:schemas-microsoft-com:mac:vml" xmlns:p="http://schemas.openxmlformats.org/presentationml/2006/main" xmlns:c="http://schemas.openxmlformats.org/drawingml/2006/chart" xmlns:dgm="http://schemas.openxmlformats.org/drawingml/2006/diagram" xmlns:o="urn:schemas-microsoft-com:office:office" xmlns:v="urn:schemas-microsoft-com:vml" xmlns:pvml="urn:schemas-microsoft-com:office:powerpoint" xmlns:com="http://schemas.openxmlformats.org/drawingml/2006/compatibility" xmlns:p14="http://schemas.microsoft.com/office/powerpoint/2010/main">
+<p:sld xmlns:a="http://schemas.openxmlformats.org/drawingml/2006/main" xmlns:r="http://schemas.openxmlformats.org/officeDocument/2006/relationships" xmlns:mc="http://schemas.openxmlformats.org/markup-compatibility/2006" xmlns:mv="urn:schemas-microsoft-com:mac:vml" xmlns:p="http://schemas.openxmlformats.org/presentationml/2006/main" xmlns:c="http://schemas.openxmlformats.org/drawingml/2006/chart" xmlns:dgm="http://schemas.openxmlformats.org/drawingml/2006/diagram" xmlns:o="urn:schemas-microsoft-com:office:office" xmlns:v="urn:schemas-microsoft-com:vml" xmlns:pvml="urn:schemas-microsoft-com:office:powerpoint" xmlns:com="http://schemas.openxmlformats.org/drawingml/2006/compatibility" xmlns:p14="http://schemas.microsoft.com/office/powerpoint/2010/main" xmlns:p15="http://schemas.microsoft.com/office/powerpoint/2012/main">
   <p:cSld>
     <p:spTree>
       <p:nvGrpSpPr>
-        <p:cNvPr id="180" name="Shape 180"/>
-        <p:cNvGrpSpPr/>
-        <p:nvPr/>
-      </p:nvGrpSpPr>
-      <p:grpSpPr>
-        <a:xfrm>
-          <a:off x="0" y="0"/>
-          <a:ext cx="0" cy="0"/>
-          <a:chOff x="0" y="0"/>
-          <a:chExt cx="0" cy="0"/>
-        </a:xfrm>
-      </p:grpSpPr>
-      <p:sp>
-        <p:nvSpPr>
-          <p:cNvPr id="181" name="Shape 181"/>
-          <p:cNvSpPr txBox="1"/>
-          <p:nvPr>
-            <p:ph type="title"/>
-          </p:nvPr>
-        </p:nvSpPr>
-        <p:spPr>
-          <a:xfrm>
-            <a:off x="457200" y="274637"/>
-            <a:ext cx="8229600" cy="1522199"/>
-          </a:xfrm>
-          <a:prstGeom prst="rect">
-            <a:avLst/>
-          </a:prstGeom>
-        </p:spPr>
-        <p:txBody>
-          <a:bodyPr anchorCtr="0" anchor="b" bIns="91425" lIns="91425" rIns="91425" tIns="91425">
-            <a:noAutofit/>
-          </a:bodyPr>
-          <a:lstStyle/>
-          <a:p>
-            <a:pPr lvl="0" rtl="0">
-              <a:spcBef>
-                <a:spcPts val="0"/>
-              </a:spcBef>
-              <a:buNone/>
-            </a:pPr>
-            <a:r>
-              <a:rPr lang="en"/>
-              <a:t>¿Quiénes más usan Scratch?</a:t>
-            </a:r>
-          </a:p>
-        </p:txBody>
-      </p:sp>
-    </p:spTree>
-  </p:cSld>
-  <p:clrMapOvr>
-    <a:masterClrMapping/>
-  </p:clrMapOvr>
-</p:sld>
-</file>
-
-<file path=ppt/slides/slide21.xml><?xml version="1.0" encoding="utf-8"?>
-<p:sld xmlns:a="http://schemas.openxmlformats.org/drawingml/2006/main" xmlns:r="http://schemas.openxmlformats.org/officeDocument/2006/relationships" xmlns:mc="http://schemas.openxmlformats.org/markup-compatibility/2006" xmlns:mv="urn:schemas-microsoft-com:mac:vml" xmlns:p="http://schemas.openxmlformats.org/presentationml/2006/main" xmlns:c="http://schemas.openxmlformats.org/drawingml/2006/chart" xmlns:dgm="http://schemas.openxmlformats.org/drawingml/2006/diagram" xmlns:o="urn:schemas-microsoft-com:office:office" xmlns:v="urn:schemas-microsoft-com:vml" xmlns:pvml="urn:schemas-microsoft-com:office:powerpoint" xmlns:com="http://schemas.openxmlformats.org/drawingml/2006/compatibility" xmlns:p14="http://schemas.microsoft.com/office/powerpoint/2010/main">
-  <p:cSld>
-    <p:spTree>
-      <p:nvGrpSpPr>
-        <p:cNvPr id="185" name="Shape 185"/>
+        <p:cNvPr id="191" name="Shape 191"/>
         <p:cNvGrpSpPr/>
         <p:nvPr/>
       </p:nvGrpSpPr>
@@ -9738,22 +10083,21 @@
       </p:grpSpPr>
       <p:pic>
         <p:nvPicPr>
-          <p:cNvPr id="186" name="Shape 186"/>
+          <p:cNvPr id="192" name="Shape 192"/>
           <p:cNvPicPr preferRelativeResize="0"/>
           <p:nvPr/>
         </p:nvPicPr>
-        <p:blipFill>
+        <p:blipFill rotWithShape="1">
           <a:blip r:embed="rId3">
             <a:alphaModFix/>
           </a:blip>
-          <a:stretch>
-            <a:fillRect/>
-          </a:stretch>
+          <a:srcRect b="8549" l="0" r="0" t="10571"/>
+          <a:stretch/>
         </p:blipFill>
         <p:spPr>
           <a:xfrm>
-            <a:off x="0" y="857250"/>
-            <a:ext cx="9144000" cy="5143500"/>
+            <a:off x="-2118675" y="0"/>
+            <a:ext cx="13566694" cy="6858000"/>
           </a:xfrm>
           <a:prstGeom prst="rect">
             <a:avLst/>
@@ -9772,229 +10116,8 @@
 </p:sld>
 </file>
 
-<file path=ppt/slides/slide22.xml><?xml version="1.0" encoding="utf-8"?>
-<p:sld xmlns:a="http://schemas.openxmlformats.org/drawingml/2006/main" xmlns:r="http://schemas.openxmlformats.org/officeDocument/2006/relationships" xmlns:mc="http://schemas.openxmlformats.org/markup-compatibility/2006" xmlns:mv="urn:schemas-microsoft-com:mac:vml" xmlns:p="http://schemas.openxmlformats.org/presentationml/2006/main" xmlns:c="http://schemas.openxmlformats.org/drawingml/2006/chart" xmlns:dgm="http://schemas.openxmlformats.org/drawingml/2006/diagram" xmlns:o="urn:schemas-microsoft-com:office:office" xmlns:v="urn:schemas-microsoft-com:vml" xmlns:pvml="urn:schemas-microsoft-com:office:powerpoint" xmlns:com="http://schemas.openxmlformats.org/drawingml/2006/compatibility" xmlns:p14="http://schemas.microsoft.com/office/powerpoint/2010/main">
-  <p:cSld>
-    <p:spTree>
-      <p:nvGrpSpPr>
-        <p:cNvPr id="190" name="Shape 190"/>
-        <p:cNvGrpSpPr/>
-        <p:nvPr/>
-      </p:nvGrpSpPr>
-      <p:grpSpPr>
-        <a:xfrm>
-          <a:off x="0" y="0"/>
-          <a:ext cx="0" cy="0"/>
-          <a:chOff x="0" y="0"/>
-          <a:chExt cx="0" cy="0"/>
-        </a:xfrm>
-      </p:grpSpPr>
-      <p:sp>
-        <p:nvSpPr>
-          <p:cNvPr id="191" name="Shape 191"/>
-          <p:cNvSpPr txBox="1"/>
-          <p:nvPr>
-            <p:ph type="title"/>
-          </p:nvPr>
-        </p:nvSpPr>
-        <p:spPr>
-          <a:xfrm>
-            <a:off x="457200" y="274637"/>
-            <a:ext cx="8229600" cy="1522199"/>
-          </a:xfrm>
-          <a:prstGeom prst="rect">
-            <a:avLst/>
-          </a:prstGeom>
-        </p:spPr>
-        <p:txBody>
-          <a:bodyPr anchorCtr="0" anchor="b" bIns="91425" lIns="91425" rIns="91425" tIns="91425">
-            <a:noAutofit/>
-          </a:bodyPr>
-          <a:lstStyle/>
-          <a:p>
-            <a:pPr lvl="0" rtl="0">
-              <a:spcBef>
-                <a:spcPts val="0"/>
-              </a:spcBef>
-              <a:buNone/>
-            </a:pPr>
-            <a:r>
-              <a:rPr lang="en"/>
-              <a:t>Temas implícitos</a:t>
-            </a:r>
-          </a:p>
-        </p:txBody>
-      </p:sp>
-      <p:sp>
-        <p:nvSpPr>
-          <p:cNvPr id="192" name="Shape 192"/>
-          <p:cNvSpPr txBox="1"/>
-          <p:nvPr>
-            <p:ph idx="1" type="body"/>
-          </p:nvPr>
-        </p:nvSpPr>
-        <p:spPr>
-          <a:xfrm>
-            <a:off x="457200" y="1947332"/>
-            <a:ext cx="8229600" cy="4620299"/>
-          </a:xfrm>
-          <a:prstGeom prst="rect">
-            <a:avLst/>
-          </a:prstGeom>
-        </p:spPr>
-        <p:txBody>
-          <a:bodyPr anchorCtr="0" anchor="t" bIns="91425" lIns="91425" rIns="91425" tIns="91425">
-            <a:noAutofit/>
-          </a:bodyPr>
-          <a:lstStyle/>
-          <a:p>
-            <a:pPr indent="-431800" lvl="0" marL="457200" rtl="0">
-              <a:lnSpc>
-                <a:spcPct val="115000"/>
-              </a:lnSpc>
-              <a:spcBef>
-                <a:spcPts val="800"/>
-              </a:spcBef>
-              <a:buClr>
-                <a:srgbClr val="000000"/>
-              </a:buClr>
-              <a:buSzPct val="100000"/>
-              <a:buFont typeface="Arial"/>
-              <a:buChar char="●"/>
-            </a:pPr>
-            <a:r>
-              <a:rPr b="1" lang="en" sz="3200">
-                <a:solidFill>
-                  <a:srgbClr val="000000"/>
-                </a:solidFill>
-              </a:rPr>
-              <a:t>Controlador de versiones: Git en </a:t>
-            </a:r>
-            <a:r>
-              <a:rPr b="1" lang="en" sz="3200" u="sng">
-                <a:solidFill>
-                  <a:schemeClr val="hlink"/>
-                </a:solidFill>
-                <a:hlinkClick r:id="rId3"/>
-              </a:rPr>
-              <a:t>http://github.com</a:t>
-            </a:r>
-          </a:p>
-          <a:p>
-            <a:pPr indent="-431800" lvl="0" marL="457200" rtl="0">
-              <a:lnSpc>
-                <a:spcPct val="115000"/>
-              </a:lnSpc>
-              <a:spcBef>
-                <a:spcPts val="800"/>
-              </a:spcBef>
-              <a:buClr>
-                <a:srgbClr val="000000"/>
-              </a:buClr>
-              <a:buSzPct val="100000"/>
-              <a:buFont typeface="Arial"/>
-              <a:buChar char="●"/>
-            </a:pPr>
-            <a:r>
-              <a:rPr b="1" lang="en" sz="3200">
-                <a:solidFill>
-                  <a:srgbClr val="000000"/>
-                </a:solidFill>
-              </a:rPr>
-              <a:t>Pair programming</a:t>
-            </a:r>
-          </a:p>
-          <a:p>
-            <a:pPr indent="-431800" lvl="0" marL="457200" rtl="0">
-              <a:lnSpc>
-                <a:spcPct val="115000"/>
-              </a:lnSpc>
-              <a:spcBef>
-                <a:spcPts val="800"/>
-              </a:spcBef>
-              <a:buClr>
-                <a:srgbClr val="000000"/>
-              </a:buClr>
-              <a:buSzPct val="100000"/>
-              <a:buFont typeface="Arial"/>
-              <a:buChar char="●"/>
-            </a:pPr>
-            <a:r>
-              <a:rPr b="1" lang="en" sz="3200">
-                <a:solidFill>
-                  <a:srgbClr val="000000"/>
-                </a:solidFill>
-              </a:rPr>
-              <a:t>Test Driven Development</a:t>
-            </a:r>
-          </a:p>
-          <a:p>
-            <a:pPr indent="-431800" lvl="0" marL="457200" rtl="0">
-              <a:lnSpc>
-                <a:spcPct val="115000"/>
-              </a:lnSpc>
-              <a:spcBef>
-                <a:spcPts val="800"/>
-              </a:spcBef>
-              <a:buClr>
-                <a:srgbClr val="000000"/>
-              </a:buClr>
-              <a:buSzPct val="100000"/>
-              <a:buFont typeface="Arial"/>
-              <a:buChar char="●"/>
-            </a:pPr>
-            <a:r>
-              <a:rPr b="1" lang="en" sz="3200">
-                <a:solidFill>
-                  <a:srgbClr val="000000"/>
-                </a:solidFill>
-              </a:rPr>
-              <a:t>Lean thinking, lean processes, lean software development. </a:t>
-            </a:r>
-          </a:p>
-          <a:p>
-            <a:pPr indent="0" lvl="0" marL="0" rtl="0" algn="ctr">
-              <a:lnSpc>
-                <a:spcPct val="115000"/>
-              </a:lnSpc>
-              <a:spcBef>
-                <a:spcPts val="800"/>
-              </a:spcBef>
-              <a:buNone/>
-            </a:pPr>
-            <a:r>
-              <a:t/>
-            </a:r>
-            <a:endParaRPr b="1" i="1" sz="3800">
-              <a:solidFill>
-                <a:srgbClr val="000000"/>
-              </a:solidFill>
-            </a:endParaRPr>
-          </a:p>
-          <a:p>
-            <a:pPr lvl="0" rtl="0">
-              <a:spcBef>
-                <a:spcPts val="0"/>
-              </a:spcBef>
-              <a:buNone/>
-            </a:pPr>
-            <a:r>
-              <a:t/>
-            </a:r>
-            <a:endParaRPr i="1"/>
-          </a:p>
-        </p:txBody>
-      </p:sp>
-    </p:spTree>
-  </p:cSld>
-  <p:clrMapOvr>
-    <a:masterClrMapping/>
-  </p:clrMapOvr>
-</p:sld>
-</file>
-
-<file path=ppt/slides/slide23.xml><?xml version="1.0" encoding="utf-8"?>
-<p:sld xmlns:a="http://schemas.openxmlformats.org/drawingml/2006/main" xmlns:r="http://schemas.openxmlformats.org/officeDocument/2006/relationships" xmlns:mc="http://schemas.openxmlformats.org/markup-compatibility/2006" xmlns:mv="urn:schemas-microsoft-com:mac:vml" xmlns:p="http://schemas.openxmlformats.org/presentationml/2006/main" xmlns:c="http://schemas.openxmlformats.org/drawingml/2006/chart" xmlns:dgm="http://schemas.openxmlformats.org/drawingml/2006/diagram" xmlns:o="urn:schemas-microsoft-com:office:office" xmlns:v="urn:schemas-microsoft-com:vml" xmlns:pvml="urn:schemas-microsoft-com:office:powerpoint" xmlns:com="http://schemas.openxmlformats.org/drawingml/2006/compatibility" xmlns:p14="http://schemas.microsoft.com/office/powerpoint/2010/main">
+<file path=ppt/slides/slide21.xml><?xml version="1.0" encoding="utf-8"?>
+<p:sld xmlns:a="http://schemas.openxmlformats.org/drawingml/2006/main" xmlns:r="http://schemas.openxmlformats.org/officeDocument/2006/relationships" xmlns:mc="http://schemas.openxmlformats.org/markup-compatibility/2006" xmlns:mv="urn:schemas-microsoft-com:mac:vml" xmlns:p="http://schemas.openxmlformats.org/presentationml/2006/main" xmlns:c="http://schemas.openxmlformats.org/drawingml/2006/chart" xmlns:dgm="http://schemas.openxmlformats.org/drawingml/2006/diagram" xmlns:o="urn:schemas-microsoft-com:office:office" xmlns:v="urn:schemas-microsoft-com:vml" xmlns:pvml="urn:schemas-microsoft-com:office:powerpoint" xmlns:com="http://schemas.openxmlformats.org/drawingml/2006/compatibility" xmlns:p14="http://schemas.microsoft.com/office/powerpoint/2010/main" xmlns:p15="http://schemas.microsoft.com/office/powerpoint/2012/main">
   <p:cSld>
     <p:spTree>
       <p:nvGrpSpPr>
@@ -10015,20 +10138,20 @@
           <p:cNvPr id="197" name="Shape 197"/>
           <p:cNvSpPr txBox="1"/>
           <p:nvPr>
-            <p:ph idx="1" type="subTitle"/>
+            <p:ph type="title"/>
           </p:nvPr>
         </p:nvSpPr>
         <p:spPr>
           <a:xfrm>
-            <a:off x="685800" y="4124476"/>
-            <a:ext cx="7772400" cy="949799"/>
+            <a:off x="457200" y="274637"/>
+            <a:ext cx="8229600" cy="1522200"/>
           </a:xfrm>
           <a:prstGeom prst="rect">
             <a:avLst/>
           </a:prstGeom>
         </p:spPr>
         <p:txBody>
-          <a:bodyPr anchorCtr="0" anchor="ctr" bIns="91425" lIns="91425" rIns="91425" tIns="91425">
+          <a:bodyPr anchorCtr="0" anchor="b" bIns="91425" lIns="91425" rIns="91425" wrap="square" tIns="91425">
             <a:noAutofit/>
           </a:bodyPr>
           <a:lstStyle/>
@@ -10041,7 +10164,7 @@
             </a:pPr>
             <a:r>
               <a:rPr lang="en"/>
-              <a:t>Forma de trabajo</a:t>
+              <a:t>¿Quienes más usan Python?</a:t>
             </a:r>
           </a:p>
         </p:txBody>
@@ -10054,8 +10177,8 @@
 </p:sld>
 </file>
 
-<file path=ppt/slides/slide24.xml><?xml version="1.0" encoding="utf-8"?>
-<p:sld xmlns:a="http://schemas.openxmlformats.org/drawingml/2006/main" xmlns:r="http://schemas.openxmlformats.org/officeDocument/2006/relationships" xmlns:mc="http://schemas.openxmlformats.org/markup-compatibility/2006" xmlns:mv="urn:schemas-microsoft-com:mac:vml" xmlns:p="http://schemas.openxmlformats.org/presentationml/2006/main" xmlns:c="http://schemas.openxmlformats.org/drawingml/2006/chart" xmlns:dgm="http://schemas.openxmlformats.org/drawingml/2006/diagram" xmlns:o="urn:schemas-microsoft-com:office:office" xmlns:v="urn:schemas-microsoft-com:vml" xmlns:pvml="urn:schemas-microsoft-com:office:powerpoint" xmlns:com="http://schemas.openxmlformats.org/drawingml/2006/compatibility" xmlns:p14="http://schemas.microsoft.com/office/powerpoint/2010/main">
+<file path=ppt/slides/slide22.xml><?xml version="1.0" encoding="utf-8"?>
+<p:sld xmlns:a="http://schemas.openxmlformats.org/drawingml/2006/main" xmlns:r="http://schemas.openxmlformats.org/officeDocument/2006/relationships" xmlns:mc="http://schemas.openxmlformats.org/markup-compatibility/2006" xmlns:mv="urn:schemas-microsoft-com:mac:vml" xmlns:p="http://schemas.openxmlformats.org/presentationml/2006/main" xmlns:c="http://schemas.openxmlformats.org/drawingml/2006/chart" xmlns:dgm="http://schemas.openxmlformats.org/drawingml/2006/diagram" xmlns:o="urn:schemas-microsoft-com:office:office" xmlns:v="urn:schemas-microsoft-com:vml" xmlns:pvml="urn:schemas-microsoft-com:office:powerpoint" xmlns:com="http://schemas.openxmlformats.org/drawingml/2006/compatibility" xmlns:p14="http://schemas.microsoft.com/office/powerpoint/2010/main" xmlns:p15="http://schemas.microsoft.com/office/powerpoint/2012/main">
   <p:cSld>
     <p:spTree>
       <p:nvGrpSpPr>
@@ -10071,145 +10194,34 @@
           <a:chExt cx="0" cy="0"/>
         </a:xfrm>
       </p:grpSpPr>
-      <p:sp>
-        <p:nvSpPr>
+      <p:pic>
+        <p:nvPicPr>
           <p:cNvPr id="202" name="Shape 202"/>
-          <p:cNvSpPr txBox="1"/>
-          <p:nvPr>
-            <p:ph type="title"/>
-          </p:nvPr>
-        </p:nvSpPr>
-        <p:spPr>
-          <a:xfrm>
-            <a:off x="457200" y="274637"/>
-            <a:ext cx="8229600" cy="1522199"/>
-          </a:xfrm>
-          <a:prstGeom prst="rect">
-            <a:avLst/>
-          </a:prstGeom>
-        </p:spPr>
-        <p:txBody>
-          <a:bodyPr anchorCtr="0" anchor="b" bIns="91425" lIns="91425" rIns="91425" tIns="91425">
-            <a:noAutofit/>
-          </a:bodyPr>
-          <a:lstStyle/>
-          <a:p>
-            <a:pPr lvl="0" rtl="0">
-              <a:spcBef>
-                <a:spcPts val="0"/>
-              </a:spcBef>
-              <a:buNone/>
-            </a:pPr>
-            <a:r>
-              <a:rPr lang="en"/>
-              <a:t>Forma de trabajo</a:t>
-            </a:r>
-          </a:p>
-        </p:txBody>
-      </p:sp>
-      <p:sp>
-        <p:nvSpPr>
-          <p:cNvPr id="203" name="Shape 203"/>
-          <p:cNvSpPr txBox="1"/>
-          <p:nvPr>
-            <p:ph idx="1" type="body"/>
-          </p:nvPr>
-        </p:nvSpPr>
-        <p:spPr>
-          <a:xfrm>
-            <a:off x="457200" y="1947332"/>
-            <a:ext cx="8229600" cy="4620299"/>
-          </a:xfrm>
-          <a:prstGeom prst="rect">
-            <a:avLst/>
-          </a:prstGeom>
-        </p:spPr>
-        <p:txBody>
-          <a:bodyPr anchorCtr="0" anchor="t" bIns="91425" lIns="91425" rIns="91425" tIns="91425">
-            <a:noAutofit/>
-          </a:bodyPr>
-          <a:lstStyle/>
-          <a:p>
-            <a:pPr indent="-431800" lvl="0" marL="457200" rtl="0">
-              <a:lnSpc>
-                <a:spcPct val="115000"/>
-              </a:lnSpc>
-              <a:spcBef>
-                <a:spcPts val="800"/>
-              </a:spcBef>
-              <a:buClr>
-                <a:srgbClr val="000000"/>
-              </a:buClr>
-              <a:buSzPct val="100000"/>
-              <a:buFont typeface="Arial"/>
-              <a:buChar char="●"/>
-            </a:pPr>
-            <a:r>
-              <a:rPr b="1" lang="en" sz="3200">
-                <a:solidFill>
-                  <a:srgbClr val="000000"/>
-                </a:solidFill>
-              </a:rPr>
-              <a:t>No asistencia = te desconozco eventualmente.</a:t>
-            </a:r>
-          </a:p>
-          <a:p>
-            <a:pPr indent="-431800" lvl="0" marL="457200" rtl="0">
-              <a:lnSpc>
-                <a:spcPct val="115000"/>
-              </a:lnSpc>
-              <a:spcBef>
-                <a:spcPts val="800"/>
-              </a:spcBef>
-              <a:buClr>
-                <a:srgbClr val="000000"/>
-              </a:buClr>
-              <a:buSzPct val="100000"/>
-              <a:buFont typeface="Arial"/>
-              <a:buChar char="●"/>
-            </a:pPr>
-            <a:r>
-              <a:rPr b="1" lang="en" sz="3200">
-                <a:solidFill>
-                  <a:srgbClr val="000000"/>
-                </a:solidFill>
-              </a:rPr>
-              <a:t>Slack para comunicación constante y compartición de artículos. </a:t>
-            </a:r>
-          </a:p>
-          <a:p>
-            <a:pPr indent="0" lvl="0" marL="0" rtl="0" algn="ctr">
-              <a:lnSpc>
-                <a:spcPct val="115000"/>
-              </a:lnSpc>
-              <a:spcBef>
-                <a:spcPts val="800"/>
-              </a:spcBef>
-              <a:buNone/>
-            </a:pPr>
-            <a:r>
-              <a:t/>
-            </a:r>
-            <a:endParaRPr b="1" i="1" sz="3800">
-              <a:solidFill>
-                <a:srgbClr val="000000"/>
-              </a:solidFill>
-            </a:endParaRPr>
-          </a:p>
-          <a:p>
-            <a:pPr lvl="0" rtl="0">
-              <a:spcBef>
-                <a:spcPts val="0"/>
-              </a:spcBef>
-              <a:buNone/>
-            </a:pPr>
-            <a:r>
-              <a:t/>
-            </a:r>
-            <a:endParaRPr i="1"/>
-          </a:p>
-        </p:txBody>
-      </p:sp>
+          <p:cNvPicPr preferRelativeResize="0"/>
+          <p:nvPr/>
+        </p:nvPicPr>
+        <p:blipFill>
+          <a:blip r:embed="rId3">
+            <a:alphaModFix/>
+          </a:blip>
+          <a:stretch>
+            <a:fillRect/>
+          </a:stretch>
+        </p:blipFill>
+        <p:spPr>
+          <a:xfrm>
+            <a:off x="1428750" y="1857387"/>
+            <a:ext cx="6286500" cy="3143250"/>
+          </a:xfrm>
+          <a:prstGeom prst="rect">
+            <a:avLst/>
+          </a:prstGeom>
+          <a:noFill/>
+          <a:ln>
+            <a:noFill/>
+          </a:ln>
+        </p:spPr>
+      </p:pic>
     </p:spTree>
   </p:cSld>
   <p:clrMapOvr>
@@ -10218,12 +10230,12 @@
 </p:sld>
 </file>
 
-<file path=ppt/slides/slide25.xml><?xml version="1.0" encoding="utf-8"?>
-<p:sld xmlns:a="http://schemas.openxmlformats.org/drawingml/2006/main" xmlns:r="http://schemas.openxmlformats.org/officeDocument/2006/relationships" xmlns:mc="http://schemas.openxmlformats.org/markup-compatibility/2006" xmlns:mv="urn:schemas-microsoft-com:mac:vml" xmlns:p="http://schemas.openxmlformats.org/presentationml/2006/main" xmlns:c="http://schemas.openxmlformats.org/drawingml/2006/chart" xmlns:dgm="http://schemas.openxmlformats.org/drawingml/2006/diagram" xmlns:o="urn:schemas-microsoft-com:office:office" xmlns:v="urn:schemas-microsoft-com:vml" xmlns:pvml="urn:schemas-microsoft-com:office:powerpoint" xmlns:com="http://schemas.openxmlformats.org/drawingml/2006/compatibility" xmlns:p14="http://schemas.microsoft.com/office/powerpoint/2010/main">
+<file path=ppt/slides/slide23.xml><?xml version="1.0" encoding="utf-8"?>
+<p:sld xmlns:a="http://schemas.openxmlformats.org/drawingml/2006/main" xmlns:r="http://schemas.openxmlformats.org/officeDocument/2006/relationships" xmlns:mc="http://schemas.openxmlformats.org/markup-compatibility/2006" xmlns:mv="urn:schemas-microsoft-com:mac:vml" xmlns:p="http://schemas.openxmlformats.org/presentationml/2006/main" xmlns:c="http://schemas.openxmlformats.org/drawingml/2006/chart" xmlns:dgm="http://schemas.openxmlformats.org/drawingml/2006/diagram" xmlns:o="urn:schemas-microsoft-com:office:office" xmlns:v="urn:schemas-microsoft-com:vml" xmlns:pvml="urn:schemas-microsoft-com:office:powerpoint" xmlns:com="http://schemas.openxmlformats.org/drawingml/2006/compatibility" xmlns:p14="http://schemas.microsoft.com/office/powerpoint/2010/main" xmlns:p15="http://schemas.microsoft.com/office/powerpoint/2012/main">
   <p:cSld>
     <p:spTree>
       <p:nvGrpSpPr>
-        <p:cNvPr id="207" name="Shape 207"/>
+        <p:cNvPr id="206" name="Shape 206"/>
         <p:cNvGrpSpPr/>
         <p:nvPr/>
       </p:nvGrpSpPr>
@@ -10235,25 +10247,55 @@
           <a:chExt cx="0" cy="0"/>
         </a:xfrm>
       </p:grpSpPr>
+      <p:pic>
+        <p:nvPicPr>
+          <p:cNvPr id="207" name="Shape 207"/>
+          <p:cNvPicPr preferRelativeResize="0"/>
+          <p:nvPr/>
+        </p:nvPicPr>
+        <p:blipFill>
+          <a:blip r:embed="rId3">
+            <a:alphaModFix/>
+          </a:blip>
+          <a:stretch>
+            <a:fillRect/>
+          </a:stretch>
+        </p:blipFill>
+        <p:spPr>
+          <a:xfrm>
+            <a:off x="1428750" y="1857387"/>
+            <a:ext cx="6286500" cy="3143250"/>
+          </a:xfrm>
+          <a:prstGeom prst="rect">
+            <a:avLst/>
+          </a:prstGeom>
+          <a:noFill/>
+          <a:ln>
+            <a:noFill/>
+          </a:ln>
+        </p:spPr>
+      </p:pic>
       <p:sp>
         <p:nvSpPr>
           <p:cNvPr id="208" name="Shape 208"/>
           <p:cNvSpPr txBox="1"/>
-          <p:nvPr>
-            <p:ph type="title"/>
-          </p:nvPr>
-        </p:nvSpPr>
-        <p:spPr>
-          <a:xfrm>
-            <a:off x="457200" y="274637"/>
-            <a:ext cx="8229600" cy="1522199"/>
-          </a:xfrm>
-          <a:prstGeom prst="rect">
-            <a:avLst/>
-          </a:prstGeom>
+          <p:nvPr/>
+        </p:nvSpPr>
+        <p:spPr>
+          <a:xfrm>
+            <a:off x="602425" y="643975"/>
+            <a:ext cx="2629500" cy="451800"/>
+          </a:xfrm>
+          <a:prstGeom prst="rect">
+            <a:avLst/>
+          </a:prstGeom>
+          <a:noFill/>
+          <a:ln>
+            <a:noFill/>
+          </a:ln>
         </p:spPr>
         <p:txBody>
-          <a:bodyPr anchorCtr="0" anchor="b" bIns="91425" lIns="91425" rIns="91425" tIns="91425">
+          <a:bodyPr anchorCtr="0" anchor="t" bIns="91425" lIns="91425" rIns="91425" wrap="square" tIns="91425">
             <a:noAutofit/>
           </a:bodyPr>
           <a:lstStyle/>
@@ -10265,8 +10307,8 @@
               <a:buNone/>
             </a:pPr>
             <a:r>
-              <a:rPr lang="en"/>
-              <a:t>Bonus	</a:t>
+              <a:rPr lang="en" sz="2200"/>
+              <a:t>Ciencia de Datos</a:t>
             </a:r>
           </a:p>
         </p:txBody>
@@ -10275,61 +10317,188 @@
         <p:nvSpPr>
           <p:cNvPr id="209" name="Shape 209"/>
           <p:cNvSpPr txBox="1"/>
-          <p:nvPr>
-            <p:ph idx="1" type="body"/>
-          </p:nvPr>
-        </p:nvSpPr>
-        <p:spPr>
-          <a:xfrm>
-            <a:off x="457200" y="1947332"/>
-            <a:ext cx="8229600" cy="4620299"/>
-          </a:xfrm>
-          <a:prstGeom prst="rect">
-            <a:avLst/>
-          </a:prstGeom>
+          <p:nvPr/>
+        </p:nvSpPr>
+        <p:spPr>
+          <a:xfrm>
+            <a:off x="801200" y="5791100"/>
+            <a:ext cx="2629500" cy="451800"/>
+          </a:xfrm>
+          <a:prstGeom prst="rect">
+            <a:avLst/>
+          </a:prstGeom>
+          <a:noFill/>
+          <a:ln>
+            <a:noFill/>
+          </a:ln>
         </p:spPr>
         <p:txBody>
-          <a:bodyPr anchorCtr="0" anchor="t" bIns="91425" lIns="91425" rIns="91425" tIns="91425">
+          <a:bodyPr anchorCtr="0" anchor="t" bIns="91425" lIns="91425" rIns="91425" wrap="square" tIns="91425">
             <a:noAutofit/>
           </a:bodyPr>
           <a:lstStyle/>
           <a:p>
-            <a:pPr indent="-228600" lvl="0" marL="457200" rtl="0">
-              <a:spcBef>
-                <a:spcPts val="0"/>
-              </a:spcBef>
-              <a:buFont typeface="Arial"/>
-              <a:buChar char="●"/>
-            </a:pPr>
-            <a:r>
-              <a:rPr b="1" lang="en"/>
-              <a:t>Libros de interés cada semana o quincena.</a:t>
-            </a:r>
-          </a:p>
-          <a:p>
-            <a:pPr indent="-228600" lvl="0" marL="457200" rtl="0">
-              <a:spcBef>
-                <a:spcPts val="0"/>
-              </a:spcBef>
-              <a:buFont typeface="Arial"/>
-              <a:buChar char="●"/>
-            </a:pPr>
-            <a:r>
-              <a:rPr b="1" lang="en"/>
-              <a:t>Artículos y publicaciones de tecnología al inicio de la semana.</a:t>
-            </a:r>
-          </a:p>
-          <a:p>
-            <a:pPr indent="-228600" lvl="0" marL="457200" rtl="0">
-              <a:spcBef>
-                <a:spcPts val="0"/>
-              </a:spcBef>
-              <a:buFont typeface="Arial"/>
-              <a:buChar char="●"/>
-            </a:pPr>
-            <a:r>
-              <a:rPr b="1" lang="en"/>
-              <a:t>Invitación a eventos tecnológicos: Hackathons, Startup Weekend, Meetups. </a:t>
+            <a:pPr lvl="0" rtl="0">
+              <a:spcBef>
+                <a:spcPts val="0"/>
+              </a:spcBef>
+              <a:buNone/>
+            </a:pPr>
+            <a:r>
+              <a:rPr lang="en" sz="2200"/>
+              <a:t>Simulaciones</a:t>
+            </a:r>
+          </a:p>
+        </p:txBody>
+      </p:sp>
+      <p:sp>
+        <p:nvSpPr>
+          <p:cNvPr id="210" name="Shape 210"/>
+          <p:cNvSpPr txBox="1"/>
+          <p:nvPr/>
+        </p:nvSpPr>
+        <p:spPr>
+          <a:xfrm>
+            <a:off x="3231925" y="5444025"/>
+            <a:ext cx="2880900" cy="451800"/>
+          </a:xfrm>
+          <a:prstGeom prst="rect">
+            <a:avLst/>
+          </a:prstGeom>
+          <a:noFill/>
+          <a:ln>
+            <a:noFill/>
+          </a:ln>
+        </p:spPr>
+        <p:txBody>
+          <a:bodyPr anchorCtr="0" anchor="t" bIns="91425" lIns="91425" rIns="91425" wrap="square" tIns="91425">
+            <a:noAutofit/>
+          </a:bodyPr>
+          <a:lstStyle/>
+          <a:p>
+            <a:pPr lvl="0" rtl="0">
+              <a:spcBef>
+                <a:spcPts val="0"/>
+              </a:spcBef>
+              <a:buNone/>
+            </a:pPr>
+            <a:r>
+              <a:rPr lang="en" sz="2200"/>
+              <a:t>Inteligencia Artificial</a:t>
+            </a:r>
+          </a:p>
+        </p:txBody>
+      </p:sp>
+      <p:sp>
+        <p:nvSpPr>
+          <p:cNvPr id="211" name="Shape 211"/>
+          <p:cNvSpPr txBox="1"/>
+          <p:nvPr/>
+        </p:nvSpPr>
+        <p:spPr>
+          <a:xfrm>
+            <a:off x="5901950" y="1080513"/>
+            <a:ext cx="2880900" cy="451800"/>
+          </a:xfrm>
+          <a:prstGeom prst="rect">
+            <a:avLst/>
+          </a:prstGeom>
+          <a:noFill/>
+          <a:ln>
+            <a:noFill/>
+          </a:ln>
+        </p:spPr>
+        <p:txBody>
+          <a:bodyPr anchorCtr="0" anchor="t" bIns="91425" lIns="91425" rIns="91425" wrap="square" tIns="91425">
+            <a:noAutofit/>
+          </a:bodyPr>
+          <a:lstStyle/>
+          <a:p>
+            <a:pPr lvl="0" rtl="0">
+              <a:spcBef>
+                <a:spcPts val="0"/>
+              </a:spcBef>
+              <a:buNone/>
+            </a:pPr>
+            <a:r>
+              <a:rPr lang="en" sz="2200"/>
+              <a:t>Aplicaciones Web</a:t>
+            </a:r>
+          </a:p>
+        </p:txBody>
+      </p:sp>
+      <p:sp>
+        <p:nvSpPr>
+          <p:cNvPr id="212" name="Shape 212"/>
+          <p:cNvSpPr txBox="1"/>
+          <p:nvPr/>
+        </p:nvSpPr>
+        <p:spPr>
+          <a:xfrm>
+            <a:off x="5994650" y="6175650"/>
+            <a:ext cx="3215100" cy="451800"/>
+          </a:xfrm>
+          <a:prstGeom prst="rect">
+            <a:avLst/>
+          </a:prstGeom>
+          <a:noFill/>
+          <a:ln>
+            <a:noFill/>
+          </a:ln>
+        </p:spPr>
+        <p:txBody>
+          <a:bodyPr anchorCtr="0" anchor="t" bIns="91425" lIns="91425" rIns="91425" wrap="square" tIns="91425">
+            <a:noAutofit/>
+          </a:bodyPr>
+          <a:lstStyle/>
+          <a:p>
+            <a:pPr lvl="0" rtl="0">
+              <a:spcBef>
+                <a:spcPts val="0"/>
+              </a:spcBef>
+              <a:buNone/>
+            </a:pPr>
+            <a:r>
+              <a:rPr lang="en" sz="2200"/>
+              <a:t>Algoritmos Científicos</a:t>
+            </a:r>
+          </a:p>
+        </p:txBody>
+      </p:sp>
+      <p:sp>
+        <p:nvSpPr>
+          <p:cNvPr id="213" name="Shape 213"/>
+          <p:cNvSpPr txBox="1"/>
+          <p:nvPr/>
+        </p:nvSpPr>
+        <p:spPr>
+          <a:xfrm>
+            <a:off x="3633200" y="303650"/>
+            <a:ext cx="3711300" cy="451800"/>
+          </a:xfrm>
+          <a:prstGeom prst="rect">
+            <a:avLst/>
+          </a:prstGeom>
+          <a:noFill/>
+          <a:ln>
+            <a:noFill/>
+          </a:ln>
+        </p:spPr>
+        <p:txBody>
+          <a:bodyPr anchorCtr="0" anchor="t" bIns="91425" lIns="91425" rIns="91425" wrap="square" tIns="91425">
+            <a:noAutofit/>
+          </a:bodyPr>
+          <a:lstStyle/>
+          <a:p>
+            <a:pPr lvl="0" rtl="0">
+              <a:spcBef>
+                <a:spcPts val="0"/>
+              </a:spcBef>
+              <a:buNone/>
+            </a:pPr>
+            <a:r>
+              <a:rPr lang="en" sz="2200"/>
+              <a:t>Gráficas computacionales</a:t>
             </a:r>
           </a:p>
         </p:txBody>
@@ -10342,12 +10511,12 @@
 </p:sld>
 </file>
 
-<file path=ppt/slides/slide26.xml><?xml version="1.0" encoding="utf-8"?>
-<p:sld xmlns:a="http://schemas.openxmlformats.org/drawingml/2006/main" xmlns:r="http://schemas.openxmlformats.org/officeDocument/2006/relationships" xmlns:mc="http://schemas.openxmlformats.org/markup-compatibility/2006" xmlns:mv="urn:schemas-microsoft-com:mac:vml" xmlns:p="http://schemas.openxmlformats.org/presentationml/2006/main" xmlns:c="http://schemas.openxmlformats.org/drawingml/2006/chart" xmlns:dgm="http://schemas.openxmlformats.org/drawingml/2006/diagram" xmlns:o="urn:schemas-microsoft-com:office:office" xmlns:v="urn:schemas-microsoft-com:vml" xmlns:pvml="urn:schemas-microsoft-com:office:powerpoint" xmlns:com="http://schemas.openxmlformats.org/drawingml/2006/compatibility" xmlns:p14="http://schemas.microsoft.com/office/powerpoint/2010/main">
+<file path=ppt/slides/slide24.xml><?xml version="1.0" encoding="utf-8"?>
+<p:sld xmlns:a="http://schemas.openxmlformats.org/drawingml/2006/main" xmlns:r="http://schemas.openxmlformats.org/officeDocument/2006/relationships" xmlns:mc="http://schemas.openxmlformats.org/markup-compatibility/2006" xmlns:mv="urn:schemas-microsoft-com:mac:vml" xmlns:p="http://schemas.openxmlformats.org/presentationml/2006/main" xmlns:c="http://schemas.openxmlformats.org/drawingml/2006/chart" xmlns:dgm="http://schemas.openxmlformats.org/drawingml/2006/diagram" xmlns:o="urn:schemas-microsoft-com:office:office" xmlns:v="urn:schemas-microsoft-com:vml" xmlns:pvml="urn:schemas-microsoft-com:office:powerpoint" xmlns:com="http://schemas.openxmlformats.org/drawingml/2006/compatibility" xmlns:p14="http://schemas.microsoft.com/office/powerpoint/2010/main" xmlns:p15="http://schemas.microsoft.com/office/powerpoint/2012/main">
   <p:cSld>
     <p:spTree>
       <p:nvGrpSpPr>
-        <p:cNvPr id="213" name="Shape 213"/>
+        <p:cNvPr id="217" name="Shape 217"/>
         <p:cNvGrpSpPr/>
         <p:nvPr/>
       </p:nvGrpSpPr>
@@ -10361,23 +10530,23 @@
       </p:grpSpPr>
       <p:sp>
         <p:nvSpPr>
-          <p:cNvPr id="214" name="Shape 214"/>
+          <p:cNvPr id="218" name="Shape 218"/>
           <p:cNvSpPr txBox="1"/>
           <p:nvPr>
-            <p:ph idx="1" type="subTitle"/>
+            <p:ph type="title"/>
           </p:nvPr>
         </p:nvSpPr>
         <p:spPr>
           <a:xfrm>
-            <a:off x="685800" y="4124476"/>
-            <a:ext cx="7772400" cy="949799"/>
+            <a:off x="457200" y="274637"/>
+            <a:ext cx="8229600" cy="1522200"/>
           </a:xfrm>
           <a:prstGeom prst="rect">
             <a:avLst/>
           </a:prstGeom>
         </p:spPr>
         <p:txBody>
-          <a:bodyPr anchorCtr="0" anchor="ctr" bIns="91425" lIns="91425" rIns="91425" tIns="91425">
+          <a:bodyPr anchorCtr="0" anchor="b" bIns="91425" lIns="91425" rIns="91425" wrap="square" tIns="91425">
             <a:noAutofit/>
           </a:bodyPr>
           <a:lstStyle/>
@@ -10390,11 +10559,223 @@
             </a:pPr>
             <a:r>
               <a:rPr lang="en"/>
-              <a:t>¿Preguntas?</a:t>
+              <a:t>Temas implícitos</a:t>
             </a:r>
           </a:p>
         </p:txBody>
       </p:sp>
+      <p:sp>
+        <p:nvSpPr>
+          <p:cNvPr id="219" name="Shape 219"/>
+          <p:cNvSpPr txBox="1"/>
+          <p:nvPr>
+            <p:ph idx="1" type="body"/>
+          </p:nvPr>
+        </p:nvSpPr>
+        <p:spPr>
+          <a:xfrm>
+            <a:off x="457200" y="1947332"/>
+            <a:ext cx="8229600" cy="4620300"/>
+          </a:xfrm>
+          <a:prstGeom prst="rect">
+            <a:avLst/>
+          </a:prstGeom>
+        </p:spPr>
+        <p:txBody>
+          <a:bodyPr anchorCtr="0" anchor="t" bIns="91425" lIns="91425" rIns="91425" wrap="square" tIns="91425">
+            <a:noAutofit/>
+          </a:bodyPr>
+          <a:lstStyle/>
+          <a:p>
+            <a:pPr indent="-431800" lvl="0" marL="457200" rtl="0">
+              <a:lnSpc>
+                <a:spcPct val="115000"/>
+              </a:lnSpc>
+              <a:spcBef>
+                <a:spcPts val="800"/>
+              </a:spcBef>
+              <a:buClr>
+                <a:srgbClr val="000000"/>
+              </a:buClr>
+              <a:buSzPct val="100000"/>
+              <a:buFont typeface="Arial"/>
+              <a:buChar char="●"/>
+            </a:pPr>
+            <a:r>
+              <a:rPr b="1" lang="en" sz="3200">
+                <a:solidFill>
+                  <a:srgbClr val="000000"/>
+                </a:solidFill>
+              </a:rPr>
+              <a:t>Controlador de versiones: Git en </a:t>
+            </a:r>
+            <a:r>
+              <a:rPr b="1" lang="en" sz="3200" u="sng">
+                <a:solidFill>
+                  <a:schemeClr val="hlink"/>
+                </a:solidFill>
+                <a:hlinkClick r:id="rId3"/>
+              </a:rPr>
+              <a:t>http://github.com</a:t>
+            </a:r>
+          </a:p>
+          <a:p>
+            <a:pPr indent="-431800" lvl="0" marL="457200" rtl="0">
+              <a:lnSpc>
+                <a:spcPct val="115000"/>
+              </a:lnSpc>
+              <a:spcBef>
+                <a:spcPts val="800"/>
+              </a:spcBef>
+              <a:buClr>
+                <a:srgbClr val="000000"/>
+              </a:buClr>
+              <a:buSzPct val="100000"/>
+              <a:buFont typeface="Arial"/>
+              <a:buChar char="●"/>
+            </a:pPr>
+            <a:r>
+              <a:rPr b="1" lang="en" sz="3200">
+                <a:solidFill>
+                  <a:srgbClr val="000000"/>
+                </a:solidFill>
+              </a:rPr>
+              <a:t>Uso de terminal</a:t>
+            </a:r>
+          </a:p>
+          <a:p>
+            <a:pPr indent="-431800" lvl="0" marL="457200" rtl="0">
+              <a:lnSpc>
+                <a:spcPct val="115000"/>
+              </a:lnSpc>
+              <a:spcBef>
+                <a:spcPts val="800"/>
+              </a:spcBef>
+              <a:buClr>
+                <a:srgbClr val="000000"/>
+              </a:buClr>
+              <a:buSzPct val="100000"/>
+              <a:buFont typeface="Arial"/>
+              <a:buChar char="●"/>
+            </a:pPr>
+            <a:r>
+              <a:rPr b="1" lang="en" sz="3200">
+                <a:solidFill>
+                  <a:srgbClr val="000000"/>
+                </a:solidFill>
+              </a:rPr>
+              <a:t>Pair programming</a:t>
+            </a:r>
+          </a:p>
+          <a:p>
+            <a:pPr indent="-431800" lvl="0" marL="457200" rtl="0">
+              <a:lnSpc>
+                <a:spcPct val="115000"/>
+              </a:lnSpc>
+              <a:spcBef>
+                <a:spcPts val="800"/>
+              </a:spcBef>
+              <a:buClr>
+                <a:srgbClr val="000000"/>
+              </a:buClr>
+              <a:buSzPct val="100000"/>
+              <a:buFont typeface="Arial"/>
+              <a:buChar char="●"/>
+            </a:pPr>
+            <a:r>
+              <a:rPr b="1" lang="en" sz="3200">
+                <a:solidFill>
+                  <a:srgbClr val="000000"/>
+                </a:solidFill>
+              </a:rPr>
+              <a:t>Test Driven Development</a:t>
+            </a:r>
+          </a:p>
+          <a:p>
+            <a:pPr indent="-431800" lvl="0" marL="457200" rtl="0">
+              <a:lnSpc>
+                <a:spcPct val="115000"/>
+              </a:lnSpc>
+              <a:spcBef>
+                <a:spcPts val="800"/>
+              </a:spcBef>
+              <a:buClr>
+                <a:srgbClr val="000000"/>
+              </a:buClr>
+              <a:buSzPct val="100000"/>
+              <a:buFont typeface="Arial"/>
+              <a:buChar char="●"/>
+            </a:pPr>
+            <a:r>
+              <a:rPr b="1" lang="en" sz="3200">
+                <a:solidFill>
+                  <a:srgbClr val="000000"/>
+                </a:solidFill>
+              </a:rPr>
+              <a:t>Lean thinking, lean processes, lean software development. </a:t>
+            </a:r>
+          </a:p>
+          <a:p>
+            <a:pPr indent="0" lvl="0" marL="0" rtl="0" algn="ctr">
+              <a:lnSpc>
+                <a:spcPct val="115000"/>
+              </a:lnSpc>
+              <a:spcBef>
+                <a:spcPts val="800"/>
+              </a:spcBef>
+              <a:buNone/>
+            </a:pPr>
+            <a:r>
+              <a:t/>
+            </a:r>
+            <a:endParaRPr b="1" i="1" sz="3800">
+              <a:solidFill>
+                <a:srgbClr val="000000"/>
+              </a:solidFill>
+            </a:endParaRPr>
+          </a:p>
+          <a:p>
+            <a:pPr lvl="0" rtl="0">
+              <a:spcBef>
+                <a:spcPts val="0"/>
+              </a:spcBef>
+              <a:buNone/>
+            </a:pPr>
+            <a:r>
+              <a:t/>
+            </a:r>
+            <a:endParaRPr i="1"/>
+          </a:p>
+        </p:txBody>
+      </p:sp>
+      <p:pic>
+        <p:nvPicPr>
+          <p:cNvPr id="220" name="Shape 220"/>
+          <p:cNvPicPr preferRelativeResize="0"/>
+          <p:nvPr/>
+        </p:nvPicPr>
+        <p:blipFill>
+          <a:blip r:embed="rId4">
+            <a:alphaModFix/>
+          </a:blip>
+          <a:stretch>
+            <a:fillRect/>
+          </a:stretch>
+        </p:blipFill>
+        <p:spPr>
+          <a:xfrm>
+            <a:off x="7417075" y="6402550"/>
+            <a:ext cx="1726925" cy="455450"/>
+          </a:xfrm>
+          <a:prstGeom prst="rect">
+            <a:avLst/>
+          </a:prstGeom>
+          <a:noFill/>
+          <a:ln>
+            <a:noFill/>
+          </a:ln>
+        </p:spPr>
+      </p:pic>
     </p:spTree>
   </p:cSld>
   <p:clrMapOvr>
@@ -10403,12 +10784,12 @@
 </p:sld>
 </file>
 
-<file path=ppt/slides/slide27.xml><?xml version="1.0" encoding="utf-8"?>
-<p:sld xmlns:a="http://schemas.openxmlformats.org/drawingml/2006/main" xmlns:r="http://schemas.openxmlformats.org/officeDocument/2006/relationships" xmlns:mc="http://schemas.openxmlformats.org/markup-compatibility/2006" xmlns:mv="urn:schemas-microsoft-com:mac:vml" xmlns:p="http://schemas.openxmlformats.org/presentationml/2006/main" xmlns:c="http://schemas.openxmlformats.org/drawingml/2006/chart" xmlns:dgm="http://schemas.openxmlformats.org/drawingml/2006/diagram" xmlns:o="urn:schemas-microsoft-com:office:office" xmlns:v="urn:schemas-microsoft-com:vml" xmlns:pvml="urn:schemas-microsoft-com:office:powerpoint" xmlns:com="http://schemas.openxmlformats.org/drawingml/2006/compatibility" xmlns:p14="http://schemas.microsoft.com/office/powerpoint/2010/main">
+<file path=ppt/slides/slide25.xml><?xml version="1.0" encoding="utf-8"?>
+<p:sld xmlns:a="http://schemas.openxmlformats.org/drawingml/2006/main" xmlns:r="http://schemas.openxmlformats.org/officeDocument/2006/relationships" xmlns:mc="http://schemas.openxmlformats.org/markup-compatibility/2006" xmlns:mv="urn:schemas-microsoft-com:mac:vml" xmlns:p="http://schemas.openxmlformats.org/presentationml/2006/main" xmlns:c="http://schemas.openxmlformats.org/drawingml/2006/chart" xmlns:dgm="http://schemas.openxmlformats.org/drawingml/2006/diagram" xmlns:o="urn:schemas-microsoft-com:office:office" xmlns:v="urn:schemas-microsoft-com:vml" xmlns:pvml="urn:schemas-microsoft-com:office:powerpoint" xmlns:com="http://schemas.openxmlformats.org/drawingml/2006/compatibility" xmlns:p14="http://schemas.microsoft.com/office/powerpoint/2010/main" xmlns:p15="http://schemas.microsoft.com/office/powerpoint/2012/main">
   <p:cSld>
     <p:spTree>
       <p:nvGrpSpPr>
-        <p:cNvPr id="218" name="Shape 218"/>
+        <p:cNvPr id="224" name="Shape 224"/>
         <p:cNvGrpSpPr/>
         <p:nvPr/>
       </p:nvGrpSpPr>
@@ -10422,7 +10803,564 @@
       </p:grpSpPr>
       <p:sp>
         <p:nvSpPr>
-          <p:cNvPr id="219" name="Shape 219"/>
+          <p:cNvPr id="225" name="Shape 225"/>
+          <p:cNvSpPr txBox="1"/>
+          <p:nvPr>
+            <p:ph idx="1" type="subTitle"/>
+          </p:nvPr>
+        </p:nvSpPr>
+        <p:spPr>
+          <a:xfrm>
+            <a:off x="685800" y="4124476"/>
+            <a:ext cx="7772400" cy="949800"/>
+          </a:xfrm>
+          <a:prstGeom prst="rect">
+            <a:avLst/>
+          </a:prstGeom>
+        </p:spPr>
+        <p:txBody>
+          <a:bodyPr anchorCtr="0" anchor="ctr" bIns="91425" lIns="91425" rIns="91425" wrap="square" tIns="91425">
+            <a:noAutofit/>
+          </a:bodyPr>
+          <a:lstStyle/>
+          <a:p>
+            <a:pPr lvl="0" rtl="0">
+              <a:spcBef>
+                <a:spcPts val="0"/>
+              </a:spcBef>
+              <a:buNone/>
+            </a:pPr>
+            <a:r>
+              <a:rPr lang="en"/>
+              <a:t>Forma de trabajo</a:t>
+            </a:r>
+          </a:p>
+        </p:txBody>
+      </p:sp>
+      <p:pic>
+        <p:nvPicPr>
+          <p:cNvPr id="226" name="Shape 226"/>
+          <p:cNvPicPr preferRelativeResize="0"/>
+          <p:nvPr/>
+        </p:nvPicPr>
+        <p:blipFill>
+          <a:blip r:embed="rId3">
+            <a:alphaModFix/>
+          </a:blip>
+          <a:stretch>
+            <a:fillRect/>
+          </a:stretch>
+        </p:blipFill>
+        <p:spPr>
+          <a:xfrm>
+            <a:off x="7417075" y="6402550"/>
+            <a:ext cx="1726925" cy="455450"/>
+          </a:xfrm>
+          <a:prstGeom prst="rect">
+            <a:avLst/>
+          </a:prstGeom>
+          <a:noFill/>
+          <a:ln>
+            <a:noFill/>
+          </a:ln>
+        </p:spPr>
+      </p:pic>
+    </p:spTree>
+  </p:cSld>
+  <p:clrMapOvr>
+    <a:masterClrMapping/>
+  </p:clrMapOvr>
+</p:sld>
+</file>
+
+<file path=ppt/slides/slide26.xml><?xml version="1.0" encoding="utf-8"?>
+<p:sld xmlns:a="http://schemas.openxmlformats.org/drawingml/2006/main" xmlns:r="http://schemas.openxmlformats.org/officeDocument/2006/relationships" xmlns:mc="http://schemas.openxmlformats.org/markup-compatibility/2006" xmlns:mv="urn:schemas-microsoft-com:mac:vml" xmlns:p="http://schemas.openxmlformats.org/presentationml/2006/main" xmlns:c="http://schemas.openxmlformats.org/drawingml/2006/chart" xmlns:dgm="http://schemas.openxmlformats.org/drawingml/2006/diagram" xmlns:o="urn:schemas-microsoft-com:office:office" xmlns:v="urn:schemas-microsoft-com:vml" xmlns:pvml="urn:schemas-microsoft-com:office:powerpoint" xmlns:com="http://schemas.openxmlformats.org/drawingml/2006/compatibility" xmlns:p14="http://schemas.microsoft.com/office/powerpoint/2010/main" xmlns:p15="http://schemas.microsoft.com/office/powerpoint/2012/main">
+  <p:cSld>
+    <p:spTree>
+      <p:nvGrpSpPr>
+        <p:cNvPr id="230" name="Shape 230"/>
+        <p:cNvGrpSpPr/>
+        <p:nvPr/>
+      </p:nvGrpSpPr>
+      <p:grpSpPr>
+        <a:xfrm>
+          <a:off x="0" y="0"/>
+          <a:ext cx="0" cy="0"/>
+          <a:chOff x="0" y="0"/>
+          <a:chExt cx="0" cy="0"/>
+        </a:xfrm>
+      </p:grpSpPr>
+      <p:sp>
+        <p:nvSpPr>
+          <p:cNvPr id="231" name="Shape 231"/>
+          <p:cNvSpPr txBox="1"/>
+          <p:nvPr>
+            <p:ph type="title"/>
+          </p:nvPr>
+        </p:nvSpPr>
+        <p:spPr>
+          <a:xfrm>
+            <a:off x="457200" y="274637"/>
+            <a:ext cx="8229600" cy="1522200"/>
+          </a:xfrm>
+          <a:prstGeom prst="rect">
+            <a:avLst/>
+          </a:prstGeom>
+        </p:spPr>
+        <p:txBody>
+          <a:bodyPr anchorCtr="0" anchor="b" bIns="91425" lIns="91425" rIns="91425" wrap="square" tIns="91425">
+            <a:noAutofit/>
+          </a:bodyPr>
+          <a:lstStyle/>
+          <a:p>
+            <a:pPr lvl="0" rtl="0">
+              <a:spcBef>
+                <a:spcPts val="0"/>
+              </a:spcBef>
+              <a:buNone/>
+            </a:pPr>
+            <a:r>
+              <a:rPr lang="en"/>
+              <a:t>Forma de trabajo</a:t>
+            </a:r>
+          </a:p>
+        </p:txBody>
+      </p:sp>
+      <p:sp>
+        <p:nvSpPr>
+          <p:cNvPr id="232" name="Shape 232"/>
+          <p:cNvSpPr txBox="1"/>
+          <p:nvPr>
+            <p:ph idx="1" type="body"/>
+          </p:nvPr>
+        </p:nvSpPr>
+        <p:spPr>
+          <a:xfrm>
+            <a:off x="457200" y="1947332"/>
+            <a:ext cx="8229600" cy="4620300"/>
+          </a:xfrm>
+          <a:prstGeom prst="rect">
+            <a:avLst/>
+          </a:prstGeom>
+        </p:spPr>
+        <p:txBody>
+          <a:bodyPr anchorCtr="0" anchor="t" bIns="91425" lIns="91425" rIns="91425" wrap="square" tIns="91425">
+            <a:noAutofit/>
+          </a:bodyPr>
+          <a:lstStyle/>
+          <a:p>
+            <a:pPr indent="-431800" lvl="0" marL="457200" rtl="0">
+              <a:lnSpc>
+                <a:spcPct val="115000"/>
+              </a:lnSpc>
+              <a:spcBef>
+                <a:spcPts val="800"/>
+              </a:spcBef>
+              <a:buClr>
+                <a:srgbClr val="000000"/>
+              </a:buClr>
+              <a:buSzPct val="100000"/>
+              <a:buFont typeface="Arial"/>
+              <a:buChar char="●"/>
+            </a:pPr>
+            <a:r>
+              <a:rPr b="1" lang="en" sz="3200">
+                <a:solidFill>
+                  <a:srgbClr val="000000"/>
+                </a:solidFill>
+              </a:rPr>
+              <a:t>Slack para comunicación constante y compartición de artículos. </a:t>
+            </a:r>
+          </a:p>
+          <a:p>
+            <a:pPr indent="-431800" lvl="0" marL="457200" rtl="0">
+              <a:lnSpc>
+                <a:spcPct val="115000"/>
+              </a:lnSpc>
+              <a:spcBef>
+                <a:spcPts val="800"/>
+              </a:spcBef>
+              <a:buClr>
+                <a:srgbClr val="000000"/>
+              </a:buClr>
+              <a:buSzPct val="100000"/>
+              <a:buFont typeface="Arial"/>
+              <a:buChar char="●"/>
+            </a:pPr>
+            <a:r>
+              <a:rPr b="1" lang="en" sz="3200">
+                <a:solidFill>
+                  <a:srgbClr val="000000"/>
+                </a:solidFill>
+              </a:rPr>
+              <a:t>1 mentor por semana</a:t>
+            </a:r>
+          </a:p>
+          <a:p>
+            <a:pPr indent="-431800" lvl="0" marL="457200" rtl="0">
+              <a:lnSpc>
+                <a:spcPct val="115000"/>
+              </a:lnSpc>
+              <a:spcBef>
+                <a:spcPts val="800"/>
+              </a:spcBef>
+              <a:buClr>
+                <a:srgbClr val="000000"/>
+              </a:buClr>
+              <a:buSzPct val="100000"/>
+              <a:buFont typeface="Arial"/>
+              <a:buChar char="●"/>
+            </a:pPr>
+            <a:r>
+              <a:rPr b="1" lang="en" sz="3200">
+                <a:solidFill>
+                  <a:srgbClr val="000000"/>
+                </a:solidFill>
+              </a:rPr>
+              <a:t>Chuy como facilitador</a:t>
+            </a:r>
+          </a:p>
+          <a:p>
+            <a:pPr indent="-431800" lvl="0" marL="457200" rtl="0">
+              <a:lnSpc>
+                <a:spcPct val="115000"/>
+              </a:lnSpc>
+              <a:spcBef>
+                <a:spcPts val="800"/>
+              </a:spcBef>
+              <a:buClr>
+                <a:srgbClr val="000000"/>
+              </a:buClr>
+              <a:buSzPct val="100000"/>
+              <a:buFont typeface="Arial"/>
+              <a:buChar char="●"/>
+            </a:pPr>
+            <a:r>
+              <a:rPr b="1" lang="en" sz="3200">
+                <a:solidFill>
+                  <a:srgbClr val="000000"/>
+                </a:solidFill>
+              </a:rPr>
+              <a:t>Algunos ejercicios son “para llevar”</a:t>
+            </a:r>
+          </a:p>
+          <a:p>
+            <a:pPr indent="0" lvl="0" marL="0" rtl="0" algn="ctr">
+              <a:lnSpc>
+                <a:spcPct val="115000"/>
+              </a:lnSpc>
+              <a:spcBef>
+                <a:spcPts val="800"/>
+              </a:spcBef>
+              <a:buNone/>
+            </a:pPr>
+            <a:r>
+              <a:t/>
+            </a:r>
+            <a:endParaRPr b="1" i="1" sz="3800">
+              <a:solidFill>
+                <a:srgbClr val="000000"/>
+              </a:solidFill>
+            </a:endParaRPr>
+          </a:p>
+          <a:p>
+            <a:pPr lvl="0" rtl="0">
+              <a:spcBef>
+                <a:spcPts val="0"/>
+              </a:spcBef>
+              <a:buNone/>
+            </a:pPr>
+            <a:r>
+              <a:t/>
+            </a:r>
+            <a:endParaRPr i="1"/>
+          </a:p>
+        </p:txBody>
+      </p:sp>
+      <p:pic>
+        <p:nvPicPr>
+          <p:cNvPr id="233" name="Shape 233"/>
+          <p:cNvPicPr preferRelativeResize="0"/>
+          <p:nvPr/>
+        </p:nvPicPr>
+        <p:blipFill>
+          <a:blip r:embed="rId3">
+            <a:alphaModFix/>
+          </a:blip>
+          <a:stretch>
+            <a:fillRect/>
+          </a:stretch>
+        </p:blipFill>
+        <p:spPr>
+          <a:xfrm>
+            <a:off x="7417075" y="6402550"/>
+            <a:ext cx="1726925" cy="455450"/>
+          </a:xfrm>
+          <a:prstGeom prst="rect">
+            <a:avLst/>
+          </a:prstGeom>
+          <a:noFill/>
+          <a:ln>
+            <a:noFill/>
+          </a:ln>
+        </p:spPr>
+      </p:pic>
+    </p:spTree>
+  </p:cSld>
+  <p:clrMapOvr>
+    <a:masterClrMapping/>
+  </p:clrMapOvr>
+</p:sld>
+</file>
+
+<file path=ppt/slides/slide27.xml><?xml version="1.0" encoding="utf-8"?>
+<p:sld xmlns:a="http://schemas.openxmlformats.org/drawingml/2006/main" xmlns:r="http://schemas.openxmlformats.org/officeDocument/2006/relationships" xmlns:mc="http://schemas.openxmlformats.org/markup-compatibility/2006" xmlns:mv="urn:schemas-microsoft-com:mac:vml" xmlns:p="http://schemas.openxmlformats.org/presentationml/2006/main" xmlns:c="http://schemas.openxmlformats.org/drawingml/2006/chart" xmlns:dgm="http://schemas.openxmlformats.org/drawingml/2006/diagram" xmlns:o="urn:schemas-microsoft-com:office:office" xmlns:v="urn:schemas-microsoft-com:vml" xmlns:pvml="urn:schemas-microsoft-com:office:powerpoint" xmlns:com="http://schemas.openxmlformats.org/drawingml/2006/compatibility" xmlns:p14="http://schemas.microsoft.com/office/powerpoint/2010/main" xmlns:p15="http://schemas.microsoft.com/office/powerpoint/2012/main">
+  <p:cSld>
+    <p:spTree>
+      <p:nvGrpSpPr>
+        <p:cNvPr id="237" name="Shape 237"/>
+        <p:cNvGrpSpPr/>
+        <p:nvPr/>
+      </p:nvGrpSpPr>
+      <p:grpSpPr>
+        <a:xfrm>
+          <a:off x="0" y="0"/>
+          <a:ext cx="0" cy="0"/>
+          <a:chOff x="0" y="0"/>
+          <a:chExt cx="0" cy="0"/>
+        </a:xfrm>
+      </p:grpSpPr>
+      <p:sp>
+        <p:nvSpPr>
+          <p:cNvPr id="238" name="Shape 238"/>
+          <p:cNvSpPr txBox="1"/>
+          <p:nvPr>
+            <p:ph type="title"/>
+          </p:nvPr>
+        </p:nvSpPr>
+        <p:spPr>
+          <a:xfrm>
+            <a:off x="457200" y="274637"/>
+            <a:ext cx="8229600" cy="1522200"/>
+          </a:xfrm>
+          <a:prstGeom prst="rect">
+            <a:avLst/>
+          </a:prstGeom>
+        </p:spPr>
+        <p:txBody>
+          <a:bodyPr anchorCtr="0" anchor="b" bIns="91425" lIns="91425" rIns="91425" wrap="square" tIns="91425">
+            <a:noAutofit/>
+          </a:bodyPr>
+          <a:lstStyle/>
+          <a:p>
+            <a:pPr lvl="0" rtl="0">
+              <a:spcBef>
+                <a:spcPts val="0"/>
+              </a:spcBef>
+              <a:buNone/>
+            </a:pPr>
+            <a:r>
+              <a:rPr lang="en"/>
+              <a:t>Bonus	</a:t>
+            </a:r>
+          </a:p>
+        </p:txBody>
+      </p:sp>
+      <p:sp>
+        <p:nvSpPr>
+          <p:cNvPr id="239" name="Shape 239"/>
+          <p:cNvSpPr txBox="1"/>
+          <p:nvPr>
+            <p:ph idx="1" type="body"/>
+          </p:nvPr>
+        </p:nvSpPr>
+        <p:spPr>
+          <a:xfrm>
+            <a:off x="457200" y="1947332"/>
+            <a:ext cx="8229600" cy="4620300"/>
+          </a:xfrm>
+          <a:prstGeom prst="rect">
+            <a:avLst/>
+          </a:prstGeom>
+        </p:spPr>
+        <p:txBody>
+          <a:bodyPr anchorCtr="0" anchor="t" bIns="91425" lIns="91425" rIns="91425" wrap="square" tIns="91425">
+            <a:noAutofit/>
+          </a:bodyPr>
+          <a:lstStyle/>
+          <a:p>
+            <a:pPr indent="-228600" lvl="0" marL="457200" rtl="0">
+              <a:spcBef>
+                <a:spcPts val="0"/>
+              </a:spcBef>
+              <a:buFont typeface="Arial"/>
+              <a:buChar char="●"/>
+            </a:pPr>
+            <a:r>
+              <a:rPr b="1" lang="en"/>
+              <a:t>Conferencias de interés sobre lo que está sucediendo en la industria</a:t>
+            </a:r>
+          </a:p>
+          <a:p>
+            <a:pPr indent="-228600" lvl="0" marL="457200" rtl="0">
+              <a:spcBef>
+                <a:spcPts val="0"/>
+              </a:spcBef>
+              <a:buFont typeface="Arial"/>
+              <a:buChar char="●"/>
+            </a:pPr>
+            <a:r>
+              <a:rPr b="1" lang="en"/>
+              <a:t>Invitación a eventos tecnológicos: Hackathons, Startup Weekend, Meetups. </a:t>
+            </a:r>
+          </a:p>
+        </p:txBody>
+      </p:sp>
+      <p:pic>
+        <p:nvPicPr>
+          <p:cNvPr id="240" name="Shape 240"/>
+          <p:cNvPicPr preferRelativeResize="0"/>
+          <p:nvPr/>
+        </p:nvPicPr>
+        <p:blipFill>
+          <a:blip r:embed="rId3">
+            <a:alphaModFix/>
+          </a:blip>
+          <a:stretch>
+            <a:fillRect/>
+          </a:stretch>
+        </p:blipFill>
+        <p:spPr>
+          <a:xfrm>
+            <a:off x="7417075" y="6402550"/>
+            <a:ext cx="1726925" cy="455450"/>
+          </a:xfrm>
+          <a:prstGeom prst="rect">
+            <a:avLst/>
+          </a:prstGeom>
+          <a:noFill/>
+          <a:ln>
+            <a:noFill/>
+          </a:ln>
+        </p:spPr>
+      </p:pic>
+    </p:spTree>
+  </p:cSld>
+  <p:clrMapOvr>
+    <a:masterClrMapping/>
+  </p:clrMapOvr>
+</p:sld>
+</file>
+
+<file path=ppt/slides/slide28.xml><?xml version="1.0" encoding="utf-8"?>
+<p:sld xmlns:a="http://schemas.openxmlformats.org/drawingml/2006/main" xmlns:r="http://schemas.openxmlformats.org/officeDocument/2006/relationships" xmlns:mc="http://schemas.openxmlformats.org/markup-compatibility/2006" xmlns:mv="urn:schemas-microsoft-com:mac:vml" xmlns:p="http://schemas.openxmlformats.org/presentationml/2006/main" xmlns:c="http://schemas.openxmlformats.org/drawingml/2006/chart" xmlns:dgm="http://schemas.openxmlformats.org/drawingml/2006/diagram" xmlns:o="urn:schemas-microsoft-com:office:office" xmlns:v="urn:schemas-microsoft-com:vml" xmlns:pvml="urn:schemas-microsoft-com:office:powerpoint" xmlns:com="http://schemas.openxmlformats.org/drawingml/2006/compatibility" xmlns:p14="http://schemas.microsoft.com/office/powerpoint/2010/main" xmlns:p15="http://schemas.microsoft.com/office/powerpoint/2012/main">
+  <p:cSld>
+    <p:spTree>
+      <p:nvGrpSpPr>
+        <p:cNvPr id="244" name="Shape 244"/>
+        <p:cNvGrpSpPr/>
+        <p:nvPr/>
+      </p:nvGrpSpPr>
+      <p:grpSpPr>
+        <a:xfrm>
+          <a:off x="0" y="0"/>
+          <a:ext cx="0" cy="0"/>
+          <a:chOff x="0" y="0"/>
+          <a:chExt cx="0" cy="0"/>
+        </a:xfrm>
+      </p:grpSpPr>
+      <p:sp>
+        <p:nvSpPr>
+          <p:cNvPr id="245" name="Shape 245"/>
+          <p:cNvSpPr txBox="1"/>
+          <p:nvPr>
+            <p:ph idx="1" type="subTitle"/>
+          </p:nvPr>
+        </p:nvSpPr>
+        <p:spPr>
+          <a:xfrm>
+            <a:off x="685800" y="4124476"/>
+            <a:ext cx="7772400" cy="949800"/>
+          </a:xfrm>
+          <a:prstGeom prst="rect">
+            <a:avLst/>
+          </a:prstGeom>
+        </p:spPr>
+        <p:txBody>
+          <a:bodyPr anchorCtr="0" anchor="ctr" bIns="91425" lIns="91425" rIns="91425" wrap="square" tIns="91425">
+            <a:noAutofit/>
+          </a:bodyPr>
+          <a:lstStyle/>
+          <a:p>
+            <a:pPr lvl="0" rtl="0">
+              <a:spcBef>
+                <a:spcPts val="0"/>
+              </a:spcBef>
+              <a:buNone/>
+            </a:pPr>
+            <a:r>
+              <a:rPr lang="en"/>
+              <a:t>¿Preguntas?</a:t>
+            </a:r>
+          </a:p>
+        </p:txBody>
+      </p:sp>
+      <p:pic>
+        <p:nvPicPr>
+          <p:cNvPr id="246" name="Shape 246"/>
+          <p:cNvPicPr preferRelativeResize="0"/>
+          <p:nvPr/>
+        </p:nvPicPr>
+        <p:blipFill>
+          <a:blip r:embed="rId3">
+            <a:alphaModFix/>
+          </a:blip>
+          <a:stretch>
+            <a:fillRect/>
+          </a:stretch>
+        </p:blipFill>
+        <p:spPr>
+          <a:xfrm>
+            <a:off x="7417075" y="6402550"/>
+            <a:ext cx="1726925" cy="455450"/>
+          </a:xfrm>
+          <a:prstGeom prst="rect">
+            <a:avLst/>
+          </a:prstGeom>
+          <a:noFill/>
+          <a:ln>
+            <a:noFill/>
+          </a:ln>
+        </p:spPr>
+      </p:pic>
+    </p:spTree>
+  </p:cSld>
+  <p:clrMapOvr>
+    <a:masterClrMapping/>
+  </p:clrMapOvr>
+</p:sld>
+</file>
+
+<file path=ppt/slides/slide29.xml><?xml version="1.0" encoding="utf-8"?>
+<p:sld xmlns:a="http://schemas.openxmlformats.org/drawingml/2006/main" xmlns:r="http://schemas.openxmlformats.org/officeDocument/2006/relationships" xmlns:mc="http://schemas.openxmlformats.org/markup-compatibility/2006" xmlns:mv="urn:schemas-microsoft-com:mac:vml" xmlns:p="http://schemas.openxmlformats.org/presentationml/2006/main" xmlns:c="http://schemas.openxmlformats.org/drawingml/2006/chart" xmlns:dgm="http://schemas.openxmlformats.org/drawingml/2006/diagram" xmlns:o="urn:schemas-microsoft-com:office:office" xmlns:v="urn:schemas-microsoft-com:vml" xmlns:pvml="urn:schemas-microsoft-com:office:powerpoint" xmlns:com="http://schemas.openxmlformats.org/drawingml/2006/compatibility" xmlns:p14="http://schemas.microsoft.com/office/powerpoint/2010/main" xmlns:p15="http://schemas.microsoft.com/office/powerpoint/2012/main">
+  <p:cSld>
+    <p:spTree>
+      <p:nvGrpSpPr>
+        <p:cNvPr id="250" name="Shape 250"/>
+        <p:cNvGrpSpPr/>
+        <p:nvPr/>
+      </p:nvGrpSpPr>
+      <p:grpSpPr>
+        <a:xfrm>
+          <a:off x="0" y="0"/>
+          <a:ext cx="0" cy="0"/>
+          <a:chOff x="0" y="0"/>
+          <a:chExt cx="0" cy="0"/>
+        </a:xfrm>
+      </p:grpSpPr>
+      <p:sp>
+        <p:nvSpPr>
+          <p:cNvPr id="251" name="Shape 251"/>
           <p:cNvSpPr txBox="1"/>
           <p:nvPr>
             <p:ph type="ctrTitle"/>
@@ -10430,15 +11368,15 @@
         </p:nvSpPr>
         <p:spPr>
           <a:xfrm>
-            <a:off x="685800" y="1734342"/>
-            <a:ext cx="7772400" cy="2245499"/>
+            <a:off x="685800" y="1734343"/>
+            <a:ext cx="7772400" cy="2245500"/>
           </a:xfrm>
           <a:prstGeom prst="rect">
             <a:avLst/>
           </a:prstGeom>
         </p:spPr>
         <p:txBody>
-          <a:bodyPr anchorCtr="0" anchor="b" bIns="91425" lIns="91425" rIns="91425" tIns="91425">
+          <a:bodyPr anchorCtr="0" anchor="b" bIns="91425" lIns="91425" rIns="91425" wrap="square" tIns="91425">
             <a:noAutofit/>
           </a:bodyPr>
           <a:lstStyle/>
@@ -10458,7 +11396,7 @@
       </p:sp>
       <p:sp>
         <p:nvSpPr>
-          <p:cNvPr id="220" name="Shape 220"/>
+          <p:cNvPr id="252" name="Shape 252"/>
           <p:cNvSpPr txBox="1"/>
           <p:nvPr>
             <p:ph idx="1" type="subTitle"/>
@@ -10467,14 +11405,14 @@
         <p:spPr>
           <a:xfrm>
             <a:off x="685800" y="4124476"/>
-            <a:ext cx="7772400" cy="949799"/>
+            <a:ext cx="7772400" cy="949800"/>
           </a:xfrm>
           <a:prstGeom prst="rect">
             <a:avLst/>
           </a:prstGeom>
         </p:spPr>
         <p:txBody>
-          <a:bodyPr anchorCtr="0" anchor="ctr" bIns="91425" lIns="91425" rIns="91425" tIns="91425">
+          <a:bodyPr anchorCtr="0" anchor="ctr" bIns="91425" lIns="91425" rIns="91425" wrap="square" tIns="91425">
             <a:noAutofit/>
           </a:bodyPr>
           <a:lstStyle/>
@@ -10494,14 +11432,14 @@
       </p:sp>
       <p:sp>
         <p:nvSpPr>
-          <p:cNvPr id="221" name="Shape 221"/>
+          <p:cNvPr id="253" name="Shape 253"/>
           <p:cNvSpPr txBox="1"/>
           <p:nvPr/>
         </p:nvSpPr>
         <p:spPr>
           <a:xfrm>
             <a:off x="520050" y="789100"/>
-            <a:ext cx="8103899" cy="1299299"/>
+            <a:ext cx="8103900" cy="1299300"/>
           </a:xfrm>
           <a:prstGeom prst="rect">
             <a:avLst/>
@@ -10512,7 +11450,7 @@
           </a:ln>
         </p:spPr>
         <p:txBody>
-          <a:bodyPr anchorCtr="0" anchor="t" bIns="91425" lIns="91425" rIns="91425" tIns="91425">
+          <a:bodyPr anchorCtr="0" anchor="t" bIns="91425" lIns="91425" rIns="91425" wrap="square" tIns="91425">
             <a:noAutofit/>
           </a:bodyPr>
           <a:lstStyle/>
@@ -10551,7 +11489,7 @@
 </file>
 
 <file path=ppt/slides/slide3.xml><?xml version="1.0" encoding="utf-8"?>
-<p:sld xmlns:a="http://schemas.openxmlformats.org/drawingml/2006/main" xmlns:r="http://schemas.openxmlformats.org/officeDocument/2006/relationships" xmlns:mc="http://schemas.openxmlformats.org/markup-compatibility/2006" xmlns:mv="urn:schemas-microsoft-com:mac:vml" xmlns:p="http://schemas.openxmlformats.org/presentationml/2006/main" xmlns:c="http://schemas.openxmlformats.org/drawingml/2006/chart" xmlns:dgm="http://schemas.openxmlformats.org/drawingml/2006/diagram" xmlns:o="urn:schemas-microsoft-com:office:office" xmlns:v="urn:schemas-microsoft-com:vml" xmlns:pvml="urn:schemas-microsoft-com:office:powerpoint" xmlns:com="http://schemas.openxmlformats.org/drawingml/2006/compatibility" xmlns:p14="http://schemas.microsoft.com/office/powerpoint/2010/main">
+<p:sld xmlns:a="http://schemas.openxmlformats.org/drawingml/2006/main" xmlns:r="http://schemas.openxmlformats.org/officeDocument/2006/relationships" xmlns:mc="http://schemas.openxmlformats.org/markup-compatibility/2006" xmlns:mv="urn:schemas-microsoft-com:mac:vml" xmlns:p="http://schemas.openxmlformats.org/presentationml/2006/main" xmlns:c="http://schemas.openxmlformats.org/drawingml/2006/chart" xmlns:dgm="http://schemas.openxmlformats.org/drawingml/2006/diagram" xmlns:o="urn:schemas-microsoft-com:office:office" xmlns:v="urn:schemas-microsoft-com:vml" xmlns:pvml="urn:schemas-microsoft-com:office:powerpoint" xmlns:com="http://schemas.openxmlformats.org/drawingml/2006/compatibility" xmlns:p14="http://schemas.microsoft.com/office/powerpoint/2010/main" xmlns:p15="http://schemas.microsoft.com/office/powerpoint/2012/main">
   <p:cSld>
     <p:spTree>
       <p:nvGrpSpPr>
@@ -10578,14 +11516,14 @@
         <p:spPr>
           <a:xfrm>
             <a:off x="457200" y="274637"/>
-            <a:ext cx="8229600" cy="1522199"/>
+            <a:ext cx="8229600" cy="1522200"/>
           </a:xfrm>
           <a:prstGeom prst="rect">
             <a:avLst/>
           </a:prstGeom>
         </p:spPr>
         <p:txBody>
-          <a:bodyPr anchorCtr="0" anchor="b" bIns="91425" lIns="91425" rIns="91425" tIns="91425">
+          <a:bodyPr anchorCtr="0" anchor="b" bIns="91425" lIns="91425" rIns="91425" wrap="square" tIns="91425">
             <a:noAutofit/>
           </a:bodyPr>
           <a:lstStyle/>
@@ -10614,14 +11552,14 @@
         <p:spPr>
           <a:xfrm>
             <a:off x="457200" y="1947332"/>
-            <a:ext cx="8229600" cy="4620299"/>
+            <a:ext cx="8229600" cy="4620300"/>
           </a:xfrm>
           <a:prstGeom prst="rect">
             <a:avLst/>
           </a:prstGeom>
         </p:spPr>
         <p:txBody>
-          <a:bodyPr anchorCtr="0" anchor="t" bIns="91425" lIns="91425" rIns="91425" tIns="91425">
+          <a:bodyPr anchorCtr="0" anchor="t" bIns="91425" lIns="91425" rIns="91425" wrap="square" tIns="91425">
             <a:noAutofit/>
           </a:bodyPr>
           <a:lstStyle/>
@@ -10634,7 +11572,7 @@
             </a:pPr>
             <a:r>
               <a:rPr lang="en"/>
-              <a:t>Sobre el profesor</a:t>
+              <a:t>Sobre el mentor</a:t>
             </a:r>
           </a:p>
           <a:p>
@@ -10723,6 +11661,34 @@
           </a:p>
         </p:txBody>
       </p:sp>
+      <p:pic>
+        <p:nvPicPr>
+          <p:cNvPr id="75" name="Shape 75"/>
+          <p:cNvPicPr preferRelativeResize="0"/>
+          <p:nvPr/>
+        </p:nvPicPr>
+        <p:blipFill>
+          <a:blip r:embed="rId3">
+            <a:alphaModFix/>
+          </a:blip>
+          <a:stretch>
+            <a:fillRect/>
+          </a:stretch>
+        </p:blipFill>
+        <p:spPr>
+          <a:xfrm>
+            <a:off x="7417075" y="6402550"/>
+            <a:ext cx="1726925" cy="455450"/>
+          </a:xfrm>
+          <a:prstGeom prst="rect">
+            <a:avLst/>
+          </a:prstGeom>
+          <a:noFill/>
+          <a:ln>
+            <a:noFill/>
+          </a:ln>
+        </p:spPr>
+      </p:pic>
     </p:spTree>
   </p:cSld>
   <p:clrMapOvr>
@@ -10732,11 +11698,11 @@
 </file>
 
 <file path=ppt/slides/slide4.xml><?xml version="1.0" encoding="utf-8"?>
-<p:sld xmlns:a="http://schemas.openxmlformats.org/drawingml/2006/main" xmlns:r="http://schemas.openxmlformats.org/officeDocument/2006/relationships" xmlns:mc="http://schemas.openxmlformats.org/markup-compatibility/2006" xmlns:mv="urn:schemas-microsoft-com:mac:vml" xmlns:p="http://schemas.openxmlformats.org/presentationml/2006/main" xmlns:c="http://schemas.openxmlformats.org/drawingml/2006/chart" xmlns:dgm="http://schemas.openxmlformats.org/drawingml/2006/diagram" xmlns:o="urn:schemas-microsoft-com:office:office" xmlns:v="urn:schemas-microsoft-com:vml" xmlns:pvml="urn:schemas-microsoft-com:office:powerpoint" xmlns:com="http://schemas.openxmlformats.org/drawingml/2006/compatibility" xmlns:p14="http://schemas.microsoft.com/office/powerpoint/2010/main">
+<p:sld xmlns:a="http://schemas.openxmlformats.org/drawingml/2006/main" xmlns:r="http://schemas.openxmlformats.org/officeDocument/2006/relationships" xmlns:mc="http://schemas.openxmlformats.org/markup-compatibility/2006" xmlns:mv="urn:schemas-microsoft-com:mac:vml" xmlns:p="http://schemas.openxmlformats.org/presentationml/2006/main" xmlns:c="http://schemas.openxmlformats.org/drawingml/2006/chart" xmlns:dgm="http://schemas.openxmlformats.org/drawingml/2006/diagram" xmlns:o="urn:schemas-microsoft-com:office:office" xmlns:v="urn:schemas-microsoft-com:vml" xmlns:pvml="urn:schemas-microsoft-com:office:powerpoint" xmlns:com="http://schemas.openxmlformats.org/drawingml/2006/compatibility" xmlns:p14="http://schemas.microsoft.com/office/powerpoint/2010/main" xmlns:p15="http://schemas.microsoft.com/office/powerpoint/2012/main">
   <p:cSld>
     <p:spTree>
       <p:nvGrpSpPr>
-        <p:cNvPr id="78" name="Shape 78"/>
+        <p:cNvPr id="79" name="Shape 79"/>
         <p:cNvGrpSpPr/>
         <p:nvPr/>
       </p:nvGrpSpPr>
@@ -10750,7 +11716,7 @@
       </p:grpSpPr>
       <p:sp>
         <p:nvSpPr>
-          <p:cNvPr id="79" name="Shape 79"/>
+          <p:cNvPr id="80" name="Shape 80"/>
           <p:cNvSpPr txBox="1"/>
           <p:nvPr>
             <p:ph idx="1" type="subTitle"/>
@@ -10759,14 +11725,14 @@
         <p:spPr>
           <a:xfrm>
             <a:off x="685800" y="4124476"/>
-            <a:ext cx="7772400" cy="949799"/>
+            <a:ext cx="7772400" cy="949800"/>
           </a:xfrm>
           <a:prstGeom prst="rect">
             <a:avLst/>
           </a:prstGeom>
         </p:spPr>
         <p:txBody>
-          <a:bodyPr anchorCtr="0" anchor="ctr" bIns="91425" lIns="91425" rIns="91425" tIns="91425">
+          <a:bodyPr anchorCtr="0" anchor="ctr" bIns="91425" lIns="91425" rIns="91425" wrap="square" tIns="91425">
             <a:noAutofit/>
           </a:bodyPr>
           <a:lstStyle/>
@@ -10784,6 +11750,34 @@
           </a:p>
         </p:txBody>
       </p:sp>
+      <p:pic>
+        <p:nvPicPr>
+          <p:cNvPr id="81" name="Shape 81"/>
+          <p:cNvPicPr preferRelativeResize="0"/>
+          <p:nvPr/>
+        </p:nvPicPr>
+        <p:blipFill>
+          <a:blip r:embed="rId3">
+            <a:alphaModFix/>
+          </a:blip>
+          <a:stretch>
+            <a:fillRect/>
+          </a:stretch>
+        </p:blipFill>
+        <p:spPr>
+          <a:xfrm>
+            <a:off x="7417075" y="6402550"/>
+            <a:ext cx="1726925" cy="455450"/>
+          </a:xfrm>
+          <a:prstGeom prst="rect">
+            <a:avLst/>
+          </a:prstGeom>
+          <a:noFill/>
+          <a:ln>
+            <a:noFill/>
+          </a:ln>
+        </p:spPr>
+      </p:pic>
     </p:spTree>
   </p:cSld>
   <p:clrMapOvr>
@@ -10793,11 +11787,11 @@
 </file>
 
 <file path=ppt/slides/slide5.xml><?xml version="1.0" encoding="utf-8"?>
-<p:sld xmlns:a="http://schemas.openxmlformats.org/drawingml/2006/main" xmlns:r="http://schemas.openxmlformats.org/officeDocument/2006/relationships" xmlns:mc="http://schemas.openxmlformats.org/markup-compatibility/2006" xmlns:mv="urn:schemas-microsoft-com:mac:vml" xmlns:p="http://schemas.openxmlformats.org/presentationml/2006/main" xmlns:c="http://schemas.openxmlformats.org/drawingml/2006/chart" xmlns:dgm="http://schemas.openxmlformats.org/drawingml/2006/diagram" xmlns:o="urn:schemas-microsoft-com:office:office" xmlns:v="urn:schemas-microsoft-com:vml" xmlns:pvml="urn:schemas-microsoft-com:office:powerpoint" xmlns:com="http://schemas.openxmlformats.org/drawingml/2006/compatibility" xmlns:p14="http://schemas.microsoft.com/office/powerpoint/2010/main">
+<p:sld xmlns:a="http://schemas.openxmlformats.org/drawingml/2006/main" xmlns:r="http://schemas.openxmlformats.org/officeDocument/2006/relationships" xmlns:mc="http://schemas.openxmlformats.org/markup-compatibility/2006" xmlns:mv="urn:schemas-microsoft-com:mac:vml" xmlns:p="http://schemas.openxmlformats.org/presentationml/2006/main" xmlns:c="http://schemas.openxmlformats.org/drawingml/2006/chart" xmlns:dgm="http://schemas.openxmlformats.org/drawingml/2006/diagram" xmlns:o="urn:schemas-microsoft-com:office:office" xmlns:v="urn:schemas-microsoft-com:vml" xmlns:pvml="urn:schemas-microsoft-com:office:powerpoint" xmlns:com="http://schemas.openxmlformats.org/drawingml/2006/compatibility" xmlns:p14="http://schemas.microsoft.com/office/powerpoint/2010/main" xmlns:p15="http://schemas.microsoft.com/office/powerpoint/2012/main">
   <p:cSld>
     <p:spTree>
       <p:nvGrpSpPr>
-        <p:cNvPr id="83" name="Shape 83"/>
+        <p:cNvPr id="85" name="Shape 85"/>
         <p:cNvGrpSpPr/>
         <p:nvPr/>
       </p:nvGrpSpPr>
@@ -10811,7 +11805,7 @@
       </p:grpSpPr>
       <p:sp>
         <p:nvSpPr>
-          <p:cNvPr id="84" name="Shape 84"/>
+          <p:cNvPr id="86" name="Shape 86"/>
           <p:cNvSpPr txBox="1"/>
           <p:nvPr>
             <p:ph type="title"/>
@@ -10820,14 +11814,14 @@
         <p:spPr>
           <a:xfrm>
             <a:off x="457200" y="274637"/>
-            <a:ext cx="8229600" cy="1522199"/>
+            <a:ext cx="8229600" cy="1522200"/>
           </a:xfrm>
           <a:prstGeom prst="rect">
             <a:avLst/>
           </a:prstGeom>
         </p:spPr>
         <p:txBody>
-          <a:bodyPr anchorCtr="0" anchor="b" bIns="91425" lIns="91425" rIns="91425" tIns="91425">
+          <a:bodyPr anchorCtr="0" anchor="b" bIns="91425" lIns="91425" rIns="91425" wrap="square" tIns="91425">
             <a:noAutofit/>
           </a:bodyPr>
           <a:lstStyle/>
@@ -10847,7 +11841,7 @@
       </p:sp>
       <p:sp>
         <p:nvSpPr>
-          <p:cNvPr id="85" name="Shape 85"/>
+          <p:cNvPr id="87" name="Shape 87"/>
           <p:cNvSpPr txBox="1"/>
           <p:nvPr>
             <p:ph idx="1" type="body"/>
@@ -10863,7 +11857,7 @@
           </a:prstGeom>
         </p:spPr>
         <p:txBody>
-          <a:bodyPr anchorCtr="0" anchor="t" bIns="91425" lIns="91425" rIns="91425" tIns="91425">
+          <a:bodyPr anchorCtr="0" anchor="t" bIns="91425" lIns="91425" rIns="91425" wrap="square" tIns="91425">
             <a:noAutofit/>
           </a:bodyPr>
           <a:lstStyle/>
@@ -11022,7 +12016,7 @@
       </p:sp>
       <p:pic>
         <p:nvPicPr>
-          <p:cNvPr id="86" name="Shape 86"/>
+          <p:cNvPr id="88" name="Shape 88"/>
           <p:cNvPicPr preferRelativeResize="0"/>
           <p:nvPr/>
         </p:nvPicPr>
@@ -11036,8 +12030,8 @@
         </p:blipFill>
         <p:spPr>
           <a:xfrm>
-            <a:off x="540174" y="5782487"/>
-            <a:ext cx="2802626" cy="718574"/>
+            <a:off x="540174" y="5782488"/>
+            <a:ext cx="2802627" cy="718575"/>
           </a:xfrm>
           <a:prstGeom prst="rect">
             <a:avLst/>
@@ -11050,7 +12044,7 @@
       </p:pic>
       <p:pic>
         <p:nvPicPr>
-          <p:cNvPr id="87" name="Shape 87"/>
+          <p:cNvPr id="89" name="Shape 89"/>
           <p:cNvPicPr preferRelativeResize="0"/>
           <p:nvPr/>
         </p:nvPicPr>
@@ -11064,8 +12058,8 @@
         </p:blipFill>
         <p:spPr>
           <a:xfrm>
-            <a:off x="3990288" y="5818015"/>
-            <a:ext cx="1620617" cy="647523"/>
+            <a:off x="3990289" y="5818015"/>
+            <a:ext cx="1620618" cy="647524"/>
           </a:xfrm>
           <a:prstGeom prst="rect">
             <a:avLst/>
@@ -11078,7 +12072,7 @@
       </p:pic>
       <p:pic>
         <p:nvPicPr>
-          <p:cNvPr id="88" name="Shape 88"/>
+          <p:cNvPr id="90" name="Shape 90"/>
           <p:cNvPicPr preferRelativeResize="0"/>
           <p:nvPr/>
         </p:nvPicPr>
@@ -11093,7 +12087,7 @@
         <p:spPr>
           <a:xfrm>
             <a:off x="6692925" y="5916213"/>
-            <a:ext cx="1710623" cy="451149"/>
+            <a:ext cx="1710624" cy="451150"/>
           </a:xfrm>
           <a:prstGeom prst="rect">
             <a:avLst/>
@@ -11113,11 +12107,11 @@
 </file>
 
 <file path=ppt/slides/slide6.xml><?xml version="1.0" encoding="utf-8"?>
-<p:sld xmlns:a="http://schemas.openxmlformats.org/drawingml/2006/main" xmlns:r="http://schemas.openxmlformats.org/officeDocument/2006/relationships" xmlns:mc="http://schemas.openxmlformats.org/markup-compatibility/2006" xmlns:mv="urn:schemas-microsoft-com:mac:vml" xmlns:p="http://schemas.openxmlformats.org/presentationml/2006/main" xmlns:c="http://schemas.openxmlformats.org/drawingml/2006/chart" xmlns:dgm="http://schemas.openxmlformats.org/drawingml/2006/diagram" xmlns:o="urn:schemas-microsoft-com:office:office" xmlns:v="urn:schemas-microsoft-com:vml" xmlns:pvml="urn:schemas-microsoft-com:office:powerpoint" xmlns:com="http://schemas.openxmlformats.org/drawingml/2006/compatibility" xmlns:p14="http://schemas.microsoft.com/office/powerpoint/2010/main">
+<p:sld xmlns:a="http://schemas.openxmlformats.org/drawingml/2006/main" xmlns:r="http://schemas.openxmlformats.org/officeDocument/2006/relationships" xmlns:mc="http://schemas.openxmlformats.org/markup-compatibility/2006" xmlns:mv="urn:schemas-microsoft-com:mac:vml" xmlns:p="http://schemas.openxmlformats.org/presentationml/2006/main" xmlns:c="http://schemas.openxmlformats.org/drawingml/2006/chart" xmlns:dgm="http://schemas.openxmlformats.org/drawingml/2006/diagram" xmlns:o="urn:schemas-microsoft-com:office:office" xmlns:v="urn:schemas-microsoft-com:vml" xmlns:pvml="urn:schemas-microsoft-com:office:powerpoint" xmlns:com="http://schemas.openxmlformats.org/drawingml/2006/compatibility" xmlns:p14="http://schemas.microsoft.com/office/powerpoint/2010/main" xmlns:p15="http://schemas.microsoft.com/office/powerpoint/2012/main">
   <p:cSld>
     <p:spTree>
       <p:nvGrpSpPr>
-        <p:cNvPr id="92" name="Shape 92"/>
+        <p:cNvPr id="94" name="Shape 94"/>
         <p:cNvGrpSpPr/>
         <p:nvPr/>
       </p:nvGrpSpPr>
@@ -11131,7 +12125,7 @@
       </p:grpSpPr>
       <p:sp>
         <p:nvSpPr>
-          <p:cNvPr id="93" name="Shape 93"/>
+          <p:cNvPr id="95" name="Shape 95"/>
           <p:cNvSpPr txBox="1"/>
           <p:nvPr>
             <p:ph type="title"/>
@@ -11140,14 +12134,14 @@
         <p:spPr>
           <a:xfrm>
             <a:off x="457200" y="274637"/>
-            <a:ext cx="8229600" cy="1522199"/>
+            <a:ext cx="8229600" cy="1522200"/>
           </a:xfrm>
           <a:prstGeom prst="rect">
             <a:avLst/>
           </a:prstGeom>
         </p:spPr>
         <p:txBody>
-          <a:bodyPr anchorCtr="0" anchor="b" bIns="91425" lIns="91425" rIns="91425" tIns="91425">
+          <a:bodyPr anchorCtr="0" anchor="b" bIns="91425" lIns="91425" rIns="91425" wrap="square" tIns="91425">
             <a:noAutofit/>
           </a:bodyPr>
           <a:lstStyle/>
@@ -11167,7 +12161,7 @@
       </p:sp>
       <p:sp>
         <p:nvSpPr>
-          <p:cNvPr id="94" name="Shape 94"/>
+          <p:cNvPr id="96" name="Shape 96"/>
           <p:cNvSpPr txBox="1"/>
           <p:nvPr>
             <p:ph idx="1" type="body"/>
@@ -11176,14 +12170,14 @@
         <p:spPr>
           <a:xfrm>
             <a:off x="457200" y="1947332"/>
-            <a:ext cx="8229600" cy="4620299"/>
+            <a:ext cx="8229600" cy="4620300"/>
           </a:xfrm>
           <a:prstGeom prst="rect">
             <a:avLst/>
           </a:prstGeom>
         </p:spPr>
         <p:txBody>
-          <a:bodyPr anchorCtr="0" anchor="t" bIns="91425" lIns="91425" rIns="91425" tIns="91425">
+          <a:bodyPr anchorCtr="0" anchor="t" bIns="91425" lIns="91425" rIns="91425" wrap="square" tIns="91425">
             <a:noAutofit/>
           </a:bodyPr>
           <a:lstStyle/>
@@ -11255,7 +12249,7 @@
       </p:sp>
       <p:pic>
         <p:nvPicPr>
-          <p:cNvPr id="95" name="Shape 95"/>
+          <p:cNvPr id="97" name="Shape 97"/>
           <p:cNvPicPr preferRelativeResize="0"/>
           <p:nvPr/>
         </p:nvPicPr>
@@ -11270,7 +12264,7 @@
         <p:spPr>
           <a:xfrm>
             <a:off x="3758675" y="4647775"/>
-            <a:ext cx="1819374" cy="2572625"/>
+            <a:ext cx="1819375" cy="2572625"/>
           </a:xfrm>
           <a:prstGeom prst="rect">
             <a:avLst/>
@@ -11290,11 +12284,11 @@
 </file>
 
 <file path=ppt/slides/slide7.xml><?xml version="1.0" encoding="utf-8"?>
-<p:sld xmlns:a="http://schemas.openxmlformats.org/drawingml/2006/main" xmlns:r="http://schemas.openxmlformats.org/officeDocument/2006/relationships" xmlns:mc="http://schemas.openxmlformats.org/markup-compatibility/2006" xmlns:mv="urn:schemas-microsoft-com:mac:vml" xmlns:p="http://schemas.openxmlformats.org/presentationml/2006/main" xmlns:c="http://schemas.openxmlformats.org/drawingml/2006/chart" xmlns:dgm="http://schemas.openxmlformats.org/drawingml/2006/diagram" xmlns:o="urn:schemas-microsoft-com:office:office" xmlns:v="urn:schemas-microsoft-com:vml" xmlns:pvml="urn:schemas-microsoft-com:office:powerpoint" xmlns:com="http://schemas.openxmlformats.org/drawingml/2006/compatibility" xmlns:p14="http://schemas.microsoft.com/office/powerpoint/2010/main">
+<p:sld xmlns:a="http://schemas.openxmlformats.org/drawingml/2006/main" xmlns:r="http://schemas.openxmlformats.org/officeDocument/2006/relationships" xmlns:mc="http://schemas.openxmlformats.org/markup-compatibility/2006" xmlns:mv="urn:schemas-microsoft-com:mac:vml" xmlns:p="http://schemas.openxmlformats.org/presentationml/2006/main" xmlns:c="http://schemas.openxmlformats.org/drawingml/2006/chart" xmlns:dgm="http://schemas.openxmlformats.org/drawingml/2006/diagram" xmlns:o="urn:schemas-microsoft-com:office:office" xmlns:v="urn:schemas-microsoft-com:vml" xmlns:pvml="urn:schemas-microsoft-com:office:powerpoint" xmlns:com="http://schemas.openxmlformats.org/drawingml/2006/compatibility" xmlns:p14="http://schemas.microsoft.com/office/powerpoint/2010/main" xmlns:p15="http://schemas.microsoft.com/office/powerpoint/2012/main">
   <p:cSld>
     <p:spTree>
       <p:nvGrpSpPr>
-        <p:cNvPr id="99" name="Shape 99"/>
+        <p:cNvPr id="101" name="Shape 101"/>
         <p:cNvGrpSpPr/>
         <p:nvPr/>
       </p:nvGrpSpPr>
@@ -11308,7 +12302,7 @@
       </p:grpSpPr>
       <p:sp>
         <p:nvSpPr>
-          <p:cNvPr id="100" name="Shape 100"/>
+          <p:cNvPr id="102" name="Shape 102"/>
           <p:cNvSpPr txBox="1"/>
           <p:nvPr>
             <p:ph type="title"/>
@@ -11317,14 +12311,14 @@
         <p:spPr>
           <a:xfrm>
             <a:off x="457200" y="274637"/>
-            <a:ext cx="8229600" cy="1522199"/>
+            <a:ext cx="8229600" cy="1522200"/>
           </a:xfrm>
           <a:prstGeom prst="rect">
             <a:avLst/>
           </a:prstGeom>
         </p:spPr>
         <p:txBody>
-          <a:bodyPr anchorCtr="0" anchor="b" bIns="91425" lIns="91425" rIns="91425" tIns="91425">
+          <a:bodyPr anchorCtr="0" anchor="b" bIns="91425" lIns="91425" rIns="91425" wrap="square" tIns="91425">
             <a:noAutofit/>
           </a:bodyPr>
           <a:lstStyle/>
@@ -11344,7 +12338,7 @@
       </p:sp>
       <p:sp>
         <p:nvSpPr>
-          <p:cNvPr id="101" name="Shape 101"/>
+          <p:cNvPr id="103" name="Shape 103"/>
           <p:cNvSpPr txBox="1"/>
           <p:nvPr>
             <p:ph idx="1" type="body"/>
@@ -11353,14 +12347,14 @@
         <p:spPr>
           <a:xfrm>
             <a:off x="457200" y="1947332"/>
-            <a:ext cx="8229600" cy="4620299"/>
+            <a:ext cx="8229600" cy="4620300"/>
           </a:xfrm>
           <a:prstGeom prst="rect">
             <a:avLst/>
           </a:prstGeom>
         </p:spPr>
         <p:txBody>
-          <a:bodyPr anchorCtr="0" anchor="t" bIns="91425" lIns="91425" rIns="91425" tIns="91425">
+          <a:bodyPr anchorCtr="0" anchor="t" bIns="91425" lIns="91425" rIns="91425" wrap="square" tIns="91425">
             <a:noAutofit/>
           </a:bodyPr>
           <a:lstStyle/>
@@ -11468,11 +12462,11 @@
 </file>
 
 <file path=ppt/slides/slide8.xml><?xml version="1.0" encoding="utf-8"?>
-<p:sld xmlns:a="http://schemas.openxmlformats.org/drawingml/2006/main" xmlns:r="http://schemas.openxmlformats.org/officeDocument/2006/relationships" xmlns:mc="http://schemas.openxmlformats.org/markup-compatibility/2006" xmlns:mv="urn:schemas-microsoft-com:mac:vml" xmlns:p="http://schemas.openxmlformats.org/presentationml/2006/main" xmlns:c="http://schemas.openxmlformats.org/drawingml/2006/chart" xmlns:dgm="http://schemas.openxmlformats.org/drawingml/2006/diagram" xmlns:o="urn:schemas-microsoft-com:office:office" xmlns:v="urn:schemas-microsoft-com:vml" xmlns:pvml="urn:schemas-microsoft-com:office:powerpoint" xmlns:com="http://schemas.openxmlformats.org/drawingml/2006/compatibility" xmlns:p14="http://schemas.microsoft.com/office/powerpoint/2010/main">
+<p:sld xmlns:a="http://schemas.openxmlformats.org/drawingml/2006/main" xmlns:r="http://schemas.openxmlformats.org/officeDocument/2006/relationships" xmlns:mc="http://schemas.openxmlformats.org/markup-compatibility/2006" xmlns:mv="urn:schemas-microsoft-com:mac:vml" xmlns:p="http://schemas.openxmlformats.org/presentationml/2006/main" xmlns:c="http://schemas.openxmlformats.org/drawingml/2006/chart" xmlns:dgm="http://schemas.openxmlformats.org/drawingml/2006/diagram" xmlns:o="urn:schemas-microsoft-com:office:office" xmlns:v="urn:schemas-microsoft-com:vml" xmlns:pvml="urn:schemas-microsoft-com:office:powerpoint" xmlns:com="http://schemas.openxmlformats.org/drawingml/2006/compatibility" xmlns:p14="http://schemas.microsoft.com/office/powerpoint/2010/main" xmlns:p15="http://schemas.microsoft.com/office/powerpoint/2012/main">
   <p:cSld>
     <p:spTree>
       <p:nvGrpSpPr>
-        <p:cNvPr id="105" name="Shape 105"/>
+        <p:cNvPr id="107" name="Shape 107"/>
         <p:cNvGrpSpPr/>
         <p:nvPr/>
       </p:nvGrpSpPr>
@@ -11486,7 +12480,7 @@
       </p:grpSpPr>
       <p:sp>
         <p:nvSpPr>
-          <p:cNvPr id="106" name="Shape 106"/>
+          <p:cNvPr id="108" name="Shape 108"/>
           <p:cNvSpPr txBox="1"/>
           <p:nvPr>
             <p:ph type="title"/>
@@ -11495,14 +12489,14 @@
         <p:spPr>
           <a:xfrm>
             <a:off x="457200" y="274637"/>
-            <a:ext cx="8229600" cy="1522199"/>
+            <a:ext cx="8229600" cy="1522200"/>
           </a:xfrm>
           <a:prstGeom prst="rect">
             <a:avLst/>
           </a:prstGeom>
         </p:spPr>
         <p:txBody>
-          <a:bodyPr anchorCtr="0" anchor="b" bIns="91425" lIns="91425" rIns="91425" tIns="91425">
+          <a:bodyPr anchorCtr="0" anchor="b" bIns="91425" lIns="91425" rIns="91425" wrap="square" tIns="91425">
             <a:noAutofit/>
           </a:bodyPr>
           <a:lstStyle/>
@@ -11522,7 +12516,7 @@
       </p:sp>
       <p:sp>
         <p:nvSpPr>
-          <p:cNvPr id="107" name="Shape 107"/>
+          <p:cNvPr id="109" name="Shape 109"/>
           <p:cNvSpPr txBox="1"/>
           <p:nvPr>
             <p:ph idx="1" type="body"/>
@@ -11538,7 +12532,7 @@
           </a:prstGeom>
         </p:spPr>
         <p:txBody>
-          <a:bodyPr anchorCtr="0" anchor="t" bIns="91425" lIns="91425" rIns="91425" tIns="91425">
+          <a:bodyPr anchorCtr="0" anchor="t" bIns="91425" lIns="91425" rIns="91425" wrap="square" tIns="91425">
             <a:noAutofit/>
           </a:bodyPr>
           <a:lstStyle/>
@@ -11656,6 +12650,34 @@
           </a:p>
         </p:txBody>
       </p:sp>
+      <p:pic>
+        <p:nvPicPr>
+          <p:cNvPr id="110" name="Shape 110"/>
+          <p:cNvPicPr preferRelativeResize="0"/>
+          <p:nvPr/>
+        </p:nvPicPr>
+        <p:blipFill>
+          <a:blip r:embed="rId3">
+            <a:alphaModFix/>
+          </a:blip>
+          <a:stretch>
+            <a:fillRect/>
+          </a:stretch>
+        </p:blipFill>
+        <p:spPr>
+          <a:xfrm>
+            <a:off x="7417075" y="6402550"/>
+            <a:ext cx="1726925" cy="455450"/>
+          </a:xfrm>
+          <a:prstGeom prst="rect">
+            <a:avLst/>
+          </a:prstGeom>
+          <a:noFill/>
+          <a:ln>
+            <a:noFill/>
+          </a:ln>
+        </p:spPr>
+      </p:pic>
     </p:spTree>
   </p:cSld>
   <p:clrMapOvr>
@@ -11665,11 +12687,11 @@
 </file>
 
 <file path=ppt/slides/slide9.xml><?xml version="1.0" encoding="utf-8"?>
-<p:sld xmlns:a="http://schemas.openxmlformats.org/drawingml/2006/main" xmlns:r="http://schemas.openxmlformats.org/officeDocument/2006/relationships" xmlns:mc="http://schemas.openxmlformats.org/markup-compatibility/2006" xmlns:mv="urn:schemas-microsoft-com:mac:vml" xmlns:p="http://schemas.openxmlformats.org/presentationml/2006/main" xmlns:c="http://schemas.openxmlformats.org/drawingml/2006/chart" xmlns:dgm="http://schemas.openxmlformats.org/drawingml/2006/diagram" xmlns:o="urn:schemas-microsoft-com:office:office" xmlns:v="urn:schemas-microsoft-com:vml" xmlns:pvml="urn:schemas-microsoft-com:office:powerpoint" xmlns:com="http://schemas.openxmlformats.org/drawingml/2006/compatibility" xmlns:p14="http://schemas.microsoft.com/office/powerpoint/2010/main">
+<p:sld xmlns:a="http://schemas.openxmlformats.org/drawingml/2006/main" xmlns:r="http://schemas.openxmlformats.org/officeDocument/2006/relationships" xmlns:mc="http://schemas.openxmlformats.org/markup-compatibility/2006" xmlns:mv="urn:schemas-microsoft-com:mac:vml" xmlns:p="http://schemas.openxmlformats.org/presentationml/2006/main" xmlns:c="http://schemas.openxmlformats.org/drawingml/2006/chart" xmlns:dgm="http://schemas.openxmlformats.org/drawingml/2006/diagram" xmlns:o="urn:schemas-microsoft-com:office:office" xmlns:v="urn:schemas-microsoft-com:vml" xmlns:pvml="urn:schemas-microsoft-com:office:powerpoint" xmlns:com="http://schemas.openxmlformats.org/drawingml/2006/compatibility" xmlns:p14="http://schemas.microsoft.com/office/powerpoint/2010/main" xmlns:p15="http://schemas.microsoft.com/office/powerpoint/2012/main">
   <p:cSld>
     <p:spTree>
       <p:nvGrpSpPr>
-        <p:cNvPr id="111" name="Shape 111"/>
+        <p:cNvPr id="114" name="Shape 114"/>
         <p:cNvGrpSpPr/>
         <p:nvPr/>
       </p:nvGrpSpPr>
@@ -11683,7 +12705,7 @@
       </p:grpSpPr>
       <p:sp>
         <p:nvSpPr>
-          <p:cNvPr id="112" name="Shape 112"/>
+          <p:cNvPr id="115" name="Shape 115"/>
           <p:cNvSpPr txBox="1"/>
           <p:nvPr>
             <p:ph idx="1" type="subTitle"/>
@@ -11692,14 +12714,14 @@
         <p:spPr>
           <a:xfrm>
             <a:off x="685800" y="4124476"/>
-            <a:ext cx="7772400" cy="949799"/>
+            <a:ext cx="7772400" cy="949800"/>
           </a:xfrm>
           <a:prstGeom prst="rect">
             <a:avLst/>
           </a:prstGeom>
         </p:spPr>
         <p:txBody>
-          <a:bodyPr anchorCtr="0" anchor="ctr" bIns="91425" lIns="91425" rIns="91425" tIns="91425">
+          <a:bodyPr anchorCtr="0" anchor="ctr" bIns="91425" lIns="91425" rIns="91425" wrap="square" tIns="91425">
             <a:noAutofit/>
           </a:bodyPr>
           <a:lstStyle/>
@@ -11717,6 +12739,34 @@
           </a:p>
         </p:txBody>
       </p:sp>
+      <p:pic>
+        <p:nvPicPr>
+          <p:cNvPr id="116" name="Shape 116"/>
+          <p:cNvPicPr preferRelativeResize="0"/>
+          <p:nvPr/>
+        </p:nvPicPr>
+        <p:blipFill>
+          <a:blip r:embed="rId3">
+            <a:alphaModFix/>
+          </a:blip>
+          <a:stretch>
+            <a:fillRect/>
+          </a:stretch>
+        </p:blipFill>
+        <p:spPr>
+          <a:xfrm>
+            <a:off x="7417075" y="6402550"/>
+            <a:ext cx="1726925" cy="455450"/>
+          </a:xfrm>
+          <a:prstGeom prst="rect">
+            <a:avLst/>
+          </a:prstGeom>
+          <a:noFill/>
+          <a:ln>
+            <a:noFill/>
+          </a:ln>
+        </p:spPr>
+      </p:pic>
     </p:spTree>
   </p:cSld>
   <p:clrMapOvr>
@@ -11726,9 +12776,9 @@
 </file>
 
 <file path=ppt/theme/theme1.xml><?xml version="1.0" encoding="utf-8"?>
-<a:theme xmlns:a="http://schemas.openxmlformats.org/drawingml/2006/main" xmlns:r="http://schemas.openxmlformats.org/officeDocument/2006/relationships" name="swiss">
+<a:theme xmlns:a="http://schemas.openxmlformats.org/drawingml/2006/main" xmlns:r="http://schemas.openxmlformats.org/officeDocument/2006/relationships" name="Custom Theme">
   <a:themeElements>
-    <a:clrScheme name="Custom 218">
+    <a:clrScheme name="Default">
       <a:dk1>
         <a:srgbClr val="000000"/>
       </a:dk1>
@@ -11736,34 +12786,34 @@
         <a:srgbClr val="FFFFFF"/>
       </a:lt1>
       <a:dk2>
-        <a:srgbClr val="5B595A"/>
+        <a:srgbClr val="158158"/>
       </a:dk2>
       <a:lt2>
-        <a:srgbClr val="CFD4D4"/>
+        <a:srgbClr val="F3F3F3"/>
       </a:lt2>
       <a:accent1>
-        <a:srgbClr val="CC0202"/>
+        <a:srgbClr val="058DC7"/>
       </a:accent1>
       <a:accent2>
-        <a:srgbClr val="228AFF"/>
+        <a:srgbClr val="50B432"/>
       </a:accent2>
       <a:accent3>
-        <a:srgbClr val="FBC82F"/>
+        <a:srgbClr val="ED561B"/>
       </a:accent3>
       <a:accent4>
-        <a:srgbClr val="253E91"/>
+        <a:srgbClr val="EDEF00"/>
       </a:accent4>
       <a:accent5>
-        <a:srgbClr val="F68D0C"/>
+        <a:srgbClr val="24CBE5"/>
       </a:accent5>
       <a:accent6>
-        <a:srgbClr val="257E12"/>
+        <a:srgbClr val="64E572"/>
       </a:accent6>
       <a:hlink>
-        <a:srgbClr val="144C72"/>
+        <a:srgbClr val="2200CC"/>
       </a:hlink>
       <a:folHlink>
-        <a:srgbClr val="8C9D92"/>
+        <a:srgbClr val="551A8B"/>
       </a:folHlink>
     </a:clrScheme>
     <a:fontScheme name="Office">
@@ -12005,7 +13055,7 @@
 </file>
 
 <file path=ppt/theme/theme2.xml><?xml version="1.0" encoding="utf-8"?>
-<a:theme xmlns:a="http://schemas.openxmlformats.org/drawingml/2006/main" xmlns:r="http://schemas.openxmlformats.org/officeDocument/2006/relationships" name="Custom Theme">
+<a:theme xmlns:a="http://schemas.openxmlformats.org/drawingml/2006/main" xmlns:r="http://schemas.openxmlformats.org/officeDocument/2006/relationships" name="Modern">
   <a:themeElements>
     <a:clrScheme name="Custom 348">
       <a:dk1>
@@ -12284,9 +13334,9 @@
 </file>
 
 <file path=ppt/theme/theme3.xml><?xml version="1.0" encoding="utf-8"?>
-<a:theme xmlns:a="http://schemas.openxmlformats.org/drawingml/2006/main" xmlns:r="http://schemas.openxmlformats.org/officeDocument/2006/relationships" name="Custom Theme">
+<a:theme xmlns:a="http://schemas.openxmlformats.org/drawingml/2006/main" xmlns:r="http://schemas.openxmlformats.org/officeDocument/2006/relationships" name="Swiss">
   <a:themeElements>
-    <a:clrScheme name="Default">
+    <a:clrScheme name="Custom 218">
       <a:dk1>
         <a:srgbClr val="000000"/>
       </a:dk1>
@@ -12294,34 +13344,34 @@
         <a:srgbClr val="FFFFFF"/>
       </a:lt1>
       <a:dk2>
-        <a:srgbClr val="158158"/>
+        <a:srgbClr val="5B595A"/>
       </a:dk2>
       <a:lt2>
-        <a:srgbClr val="F3F3F3"/>
+        <a:srgbClr val="CFD4D4"/>
       </a:lt2>
       <a:accent1>
-        <a:srgbClr val="058DC7"/>
+        <a:srgbClr val="CC0202"/>
       </a:accent1>
       <a:accent2>
-        <a:srgbClr val="50B432"/>
+        <a:srgbClr val="228AFF"/>
       </a:accent2>
       <a:accent3>
-        <a:srgbClr val="ED561B"/>
+        <a:srgbClr val="FBC82F"/>
       </a:accent3>
       <a:accent4>
-        <a:srgbClr val="EDEF00"/>
+        <a:srgbClr val="253E91"/>
       </a:accent4>
       <a:accent5>
-        <a:srgbClr val="24CBE5"/>
+        <a:srgbClr val="F68D0C"/>
       </a:accent5>
       <a:accent6>
-        <a:srgbClr val="64E572"/>
+        <a:srgbClr val="257E12"/>
       </a:accent6>
       <a:hlink>
-        <a:srgbClr val="2200CC"/>
+        <a:srgbClr val="144C72"/>
       </a:hlink>
       <a:folHlink>
-        <a:srgbClr val="551A8B"/>
+        <a:srgbClr val="8C9D92"/>
       </a:folHlink>
     </a:clrScheme>
     <a:fontScheme name="Office">
